--- a/YXQ.pptx
+++ b/YXQ.pptx
@@ -5,35 +5,36 @@
     <p:sldMasterId id="2147483678" r:id="rId1"/>
   </p:sldMasterIdLst>
   <p:notesMasterIdLst>
-    <p:notesMasterId r:id="rId25"/>
+    <p:notesMasterId r:id="rId26"/>
   </p:notesMasterIdLst>
   <p:handoutMasterIdLst>
-    <p:handoutMasterId r:id="rId26"/>
+    <p:handoutMasterId r:id="rId27"/>
   </p:handoutMasterIdLst>
   <p:sldIdLst>
-    <p:sldId id="373" r:id="rId2"/>
-    <p:sldId id="355" r:id="rId3"/>
-    <p:sldId id="364" r:id="rId4"/>
-    <p:sldId id="356" r:id="rId5"/>
-    <p:sldId id="359" r:id="rId6"/>
-    <p:sldId id="365" r:id="rId7"/>
-    <p:sldId id="367" r:id="rId8"/>
-    <p:sldId id="374" r:id="rId9"/>
-    <p:sldId id="368" r:id="rId10"/>
-    <p:sldId id="375" r:id="rId11"/>
-    <p:sldId id="376" r:id="rId12"/>
-    <p:sldId id="361" r:id="rId13"/>
-    <p:sldId id="378" r:id="rId14"/>
-    <p:sldId id="377" r:id="rId15"/>
-    <p:sldId id="362" r:id="rId16"/>
-    <p:sldId id="371" r:id="rId17"/>
-    <p:sldId id="379" r:id="rId18"/>
-    <p:sldId id="380" r:id="rId19"/>
-    <p:sldId id="369" r:id="rId20"/>
-    <p:sldId id="381" r:id="rId21"/>
-    <p:sldId id="372" r:id="rId22"/>
-    <p:sldId id="382" r:id="rId23"/>
-    <p:sldId id="383" r:id="rId24"/>
+    <p:sldId id="343" r:id="rId2"/>
+    <p:sldId id="373" r:id="rId3"/>
+    <p:sldId id="355" r:id="rId4"/>
+    <p:sldId id="364" r:id="rId5"/>
+    <p:sldId id="356" r:id="rId6"/>
+    <p:sldId id="359" r:id="rId7"/>
+    <p:sldId id="365" r:id="rId8"/>
+    <p:sldId id="367" r:id="rId9"/>
+    <p:sldId id="374" r:id="rId10"/>
+    <p:sldId id="368" r:id="rId11"/>
+    <p:sldId id="375" r:id="rId12"/>
+    <p:sldId id="376" r:id="rId13"/>
+    <p:sldId id="361" r:id="rId14"/>
+    <p:sldId id="378" r:id="rId15"/>
+    <p:sldId id="377" r:id="rId16"/>
+    <p:sldId id="362" r:id="rId17"/>
+    <p:sldId id="371" r:id="rId18"/>
+    <p:sldId id="379" r:id="rId19"/>
+    <p:sldId id="380" r:id="rId20"/>
+    <p:sldId id="369" r:id="rId21"/>
+    <p:sldId id="381" r:id="rId22"/>
+    <p:sldId id="372" r:id="rId23"/>
+    <p:sldId id="382" r:id="rId24"/>
+    <p:sldId id="383" r:id="rId25"/>
   </p:sldIdLst>
   <p:sldSz cx="12192000" cy="6858000"/>
   <p:notesSz cx="6797675" cy="9928225"/>
@@ -881,7 +882,7 @@
           <a:p>
             <a:fld id="{80027EFA-29CC-A246-980C-45E8B3219095}" type="slidenum">
               <a:rPr lang="en-US" smtClean="0"/>
-              <a:t>1</a:t>
+              <a:t>2</a:t>
             </a:fld>
             <a:endParaRPr lang="en-US"/>
           </a:p>
@@ -970,7 +971,7 @@
           <a:p>
             <a:fld id="{80027EFA-29CC-A246-980C-45E8B3219095}" type="slidenum">
               <a:rPr lang="en-US" smtClean="0"/>
-              <a:t>10</a:t>
+              <a:t>11</a:t>
             </a:fld>
             <a:endParaRPr lang="en-US"/>
           </a:p>
@@ -1059,7 +1060,7 @@
           <a:p>
             <a:fld id="{80027EFA-29CC-A246-980C-45E8B3219095}" type="slidenum">
               <a:rPr lang="en-US" smtClean="0"/>
-              <a:t>11</a:t>
+              <a:t>12</a:t>
             </a:fld>
             <a:endParaRPr lang="en-US"/>
           </a:p>
@@ -1148,7 +1149,7 @@
           <a:p>
             <a:fld id="{80027EFA-29CC-A246-980C-45E8B3219095}" type="slidenum">
               <a:rPr lang="en-US" smtClean="0"/>
-              <a:t>12</a:t>
+              <a:t>13</a:t>
             </a:fld>
             <a:endParaRPr lang="en-US"/>
           </a:p>
@@ -1237,7 +1238,7 @@
           <a:p>
             <a:fld id="{80027EFA-29CC-A246-980C-45E8B3219095}" type="slidenum">
               <a:rPr lang="en-US" smtClean="0"/>
-              <a:t>13</a:t>
+              <a:t>14</a:t>
             </a:fld>
             <a:endParaRPr lang="en-US"/>
           </a:p>
@@ -1326,7 +1327,7 @@
           <a:p>
             <a:fld id="{80027EFA-29CC-A246-980C-45E8B3219095}" type="slidenum">
               <a:rPr lang="en-US" smtClean="0"/>
-              <a:t>14</a:t>
+              <a:t>15</a:t>
             </a:fld>
             <a:endParaRPr lang="en-US"/>
           </a:p>
@@ -1415,7 +1416,7 @@
           <a:p>
             <a:fld id="{80027EFA-29CC-A246-980C-45E8B3219095}" type="slidenum">
               <a:rPr lang="en-US" smtClean="0"/>
-              <a:t>15</a:t>
+              <a:t>16</a:t>
             </a:fld>
             <a:endParaRPr lang="en-US"/>
           </a:p>
@@ -1504,7 +1505,7 @@
           <a:p>
             <a:fld id="{80027EFA-29CC-A246-980C-45E8B3219095}" type="slidenum">
               <a:rPr lang="en-US" smtClean="0"/>
-              <a:t>16</a:t>
+              <a:t>17</a:t>
             </a:fld>
             <a:endParaRPr lang="en-US"/>
           </a:p>
@@ -1593,7 +1594,7 @@
           <a:p>
             <a:fld id="{80027EFA-29CC-A246-980C-45E8B3219095}" type="slidenum">
               <a:rPr lang="en-US" smtClean="0"/>
-              <a:t>17</a:t>
+              <a:t>18</a:t>
             </a:fld>
             <a:endParaRPr lang="en-US"/>
           </a:p>
@@ -1682,7 +1683,7 @@
           <a:p>
             <a:fld id="{80027EFA-29CC-A246-980C-45E8B3219095}" type="slidenum">
               <a:rPr lang="en-US" smtClean="0"/>
-              <a:t>18</a:t>
+              <a:t>19</a:t>
             </a:fld>
             <a:endParaRPr lang="en-US"/>
           </a:p>
@@ -1771,7 +1772,7 @@
           <a:p>
             <a:fld id="{80027EFA-29CC-A246-980C-45E8B3219095}" type="slidenum">
               <a:rPr lang="en-US" smtClean="0"/>
-              <a:t>19</a:t>
+              <a:t>20</a:t>
             </a:fld>
             <a:endParaRPr lang="en-US"/>
           </a:p>
@@ -1860,7 +1861,7 @@
           <a:p>
             <a:fld id="{80027EFA-29CC-A246-980C-45E8B3219095}" type="slidenum">
               <a:rPr lang="en-US" smtClean="0"/>
-              <a:t>2</a:t>
+              <a:t>3</a:t>
             </a:fld>
             <a:endParaRPr lang="en-US"/>
           </a:p>
@@ -1949,7 +1950,7 @@
           <a:p>
             <a:fld id="{80027EFA-29CC-A246-980C-45E8B3219095}" type="slidenum">
               <a:rPr lang="en-US" smtClean="0"/>
-              <a:t>20</a:t>
+              <a:t>21</a:t>
             </a:fld>
             <a:endParaRPr lang="en-US"/>
           </a:p>
@@ -2038,7 +2039,7 @@
           <a:p>
             <a:fld id="{80027EFA-29CC-A246-980C-45E8B3219095}" type="slidenum">
               <a:rPr lang="en-US" smtClean="0"/>
-              <a:t>21</a:t>
+              <a:t>22</a:t>
             </a:fld>
             <a:endParaRPr lang="en-US"/>
           </a:p>
@@ -2127,7 +2128,7 @@
           <a:p>
             <a:fld id="{80027EFA-29CC-A246-980C-45E8B3219095}" type="slidenum">
               <a:rPr lang="en-US" smtClean="0"/>
-              <a:t>22</a:t>
+              <a:t>23</a:t>
             </a:fld>
             <a:endParaRPr lang="en-US"/>
           </a:p>
@@ -2216,7 +2217,7 @@
           <a:p>
             <a:fld id="{80027EFA-29CC-A246-980C-45E8B3219095}" type="slidenum">
               <a:rPr lang="en-US" smtClean="0"/>
-              <a:t>23</a:t>
+              <a:t>24</a:t>
             </a:fld>
             <a:endParaRPr lang="en-US"/>
           </a:p>
@@ -2305,7 +2306,7 @@
           <a:p>
             <a:fld id="{80027EFA-29CC-A246-980C-45E8B3219095}" type="slidenum">
               <a:rPr lang="en-US" smtClean="0"/>
-              <a:t>3</a:t>
+              <a:t>4</a:t>
             </a:fld>
             <a:endParaRPr lang="en-US"/>
           </a:p>
@@ -2394,7 +2395,7 @@
           <a:p>
             <a:fld id="{80027EFA-29CC-A246-980C-45E8B3219095}" type="slidenum">
               <a:rPr lang="en-US" smtClean="0"/>
-              <a:t>4</a:t>
+              <a:t>5</a:t>
             </a:fld>
             <a:endParaRPr lang="en-US"/>
           </a:p>
@@ -2483,7 +2484,7 @@
           <a:p>
             <a:fld id="{80027EFA-29CC-A246-980C-45E8B3219095}" type="slidenum">
               <a:rPr lang="en-US" smtClean="0"/>
-              <a:t>5</a:t>
+              <a:t>6</a:t>
             </a:fld>
             <a:endParaRPr lang="en-US"/>
           </a:p>
@@ -2572,7 +2573,7 @@
           <a:p>
             <a:fld id="{80027EFA-29CC-A246-980C-45E8B3219095}" type="slidenum">
               <a:rPr lang="en-US" smtClean="0"/>
-              <a:t>6</a:t>
+              <a:t>7</a:t>
             </a:fld>
             <a:endParaRPr lang="en-US"/>
           </a:p>
@@ -2661,7 +2662,7 @@
           <a:p>
             <a:fld id="{80027EFA-29CC-A246-980C-45E8B3219095}" type="slidenum">
               <a:rPr lang="en-US" smtClean="0"/>
-              <a:t>7</a:t>
+              <a:t>8</a:t>
             </a:fld>
             <a:endParaRPr lang="en-US"/>
           </a:p>
@@ -2750,7 +2751,7 @@
           <a:p>
             <a:fld id="{80027EFA-29CC-A246-980C-45E8B3219095}" type="slidenum">
               <a:rPr lang="en-US" smtClean="0"/>
-              <a:t>8</a:t>
+              <a:t>9</a:t>
             </a:fld>
             <a:endParaRPr lang="en-US"/>
           </a:p>
@@ -2839,7 +2840,7 @@
           <a:p>
             <a:fld id="{80027EFA-29CC-A246-980C-45E8B3219095}" type="slidenum">
               <a:rPr lang="en-US" smtClean="0"/>
-              <a:t>9</a:t>
+              <a:t>10</a:t>
             </a:fld>
             <a:endParaRPr lang="en-US"/>
           </a:p>
@@ -6665,52 +6666,10 @@
       </p:grpSpPr>
       <p:sp>
         <p:nvSpPr>
-          <p:cNvPr id="8" name="文本框 7">
+          <p:cNvPr id="3" name="灯片编号占位符 2">
             <a:extLst>
               <a:ext uri="{FF2B5EF4-FFF2-40B4-BE49-F238E27FC236}">
-                <a16:creationId xmlns:a16="http://schemas.microsoft.com/office/drawing/2014/main" id="{F28F032E-55BD-E929-A8BC-650BB206702A}"/>
-              </a:ext>
-            </a:extLst>
-          </p:cNvPr>
-          <p:cNvSpPr txBox="1"/>
-          <p:nvPr/>
-        </p:nvSpPr>
-        <p:spPr>
-          <a:xfrm>
-            <a:off x="584739" y="233194"/>
-            <a:ext cx="6472588" cy="461665"/>
-          </a:xfrm>
-          <a:prstGeom prst="rect">
-            <a:avLst/>
-          </a:prstGeom>
-          <a:noFill/>
-        </p:spPr>
-        <p:txBody>
-          <a:bodyPr wrap="square">
-            <a:spAutoFit/>
-          </a:bodyPr>
-          <a:lstStyle/>
-          <a:p>
-            <a:r>
-              <a:rPr lang="en-US" altLang="zh-CN" sz="2400" b="1" dirty="0">
-                <a:latin typeface="微软雅黑" panose="020B0503020204020204" pitchFamily="34" charset="-122"/>
-                <a:ea typeface="微软雅黑" panose="020B0503020204020204" pitchFamily="34" charset="-122"/>
-              </a:rPr>
-              <a:t>Neural Network</a:t>
-            </a:r>
-            <a:endParaRPr lang="zh-CN" altLang="en-US" sz="2400" b="1" dirty="0">
-              <a:latin typeface="微软雅黑" panose="020B0503020204020204" pitchFamily="34" charset="-122"/>
-              <a:ea typeface="微软雅黑" panose="020B0503020204020204" pitchFamily="34" charset="-122"/>
-            </a:endParaRPr>
-          </a:p>
-        </p:txBody>
-      </p:sp>
-      <p:sp>
-        <p:nvSpPr>
-          <p:cNvPr id="2" name="灯片编号占位符 1">
-            <a:extLst>
-              <a:ext uri="{FF2B5EF4-FFF2-40B4-BE49-F238E27FC236}">
-                <a16:creationId xmlns:a16="http://schemas.microsoft.com/office/drawing/2014/main" id="{FF87081A-8CD6-11E9-2E63-F9E2E8F9E2F3}"/>
+                <a16:creationId xmlns:a16="http://schemas.microsoft.com/office/drawing/2014/main" id="{4E43941A-6A26-BC59-881C-0BD5B6CC2D4C}"/>
               </a:ext>
             </a:extLst>
           </p:cNvPr>
@@ -6721,12 +6680,7 @@
             <p:ph type="sldNum" sz="quarter" idx="13"/>
           </p:nvPr>
         </p:nvSpPr>
-        <p:spPr>
-          <a:xfrm>
-            <a:off x="9332384" y="6028781"/>
-            <a:ext cx="2743200" cy="365125"/>
-          </a:xfrm>
-        </p:spPr>
+        <p:spPr/>
         <p:txBody>
           <a:bodyPr/>
           <a:lstStyle/>
@@ -6741,4323 +6695,16 @@
               </a:pPr>
               <a:t>1</a:t>
             </a:fld>
-            <a:endParaRPr lang="zh-CN" altLang="en-US" dirty="0"/>
-          </a:p>
-        </p:txBody>
-      </p:sp>
-      <mc:AlternateContent xmlns:mc="http://schemas.openxmlformats.org/markup-compatibility/2006" xmlns:a14="http://schemas.microsoft.com/office/drawing/2010/main">
-        <mc:Choice Requires="a14">
-          <p:sp>
-            <p:nvSpPr>
-              <p:cNvPr id="45" name="矩形: 圆角 44">
-                <a:extLst>
-                  <a:ext uri="{FF2B5EF4-FFF2-40B4-BE49-F238E27FC236}">
-                    <a16:creationId xmlns:a16="http://schemas.microsoft.com/office/drawing/2014/main" id="{3A835844-E2FB-996B-B57B-8485F7D04124}"/>
-                  </a:ext>
-                </a:extLst>
-              </p:cNvPr>
-              <p:cNvSpPr/>
-              <p:nvPr/>
-            </p:nvSpPr>
-            <p:spPr>
-              <a:xfrm>
-                <a:off x="1908204" y="3362126"/>
-                <a:ext cx="1258432" cy="655744"/>
-              </a:xfrm>
-              <a:prstGeom prst="roundRect">
-                <a:avLst/>
-              </a:prstGeom>
-            </p:spPr>
-            <p:style>
-              <a:lnRef idx="2">
-                <a:schemeClr val="accent1">
-                  <a:shade val="15000"/>
-                </a:schemeClr>
-              </a:lnRef>
-              <a:fillRef idx="1">
-                <a:schemeClr val="accent1"/>
-              </a:fillRef>
-              <a:effectRef idx="0">
-                <a:schemeClr val="accent1"/>
-              </a:effectRef>
-              <a:fontRef idx="minor">
-                <a:schemeClr val="lt1"/>
-              </a:fontRef>
-            </p:style>
-            <p:txBody>
-              <a:bodyPr rtlCol="0" anchor="ctr"/>
-              <a:lstStyle/>
-              <a:p>
-                <a:pPr algn="ctr"/>
-                <a14:m>
-                  <m:oMathPara xmlns:m="http://schemas.openxmlformats.org/officeDocument/2006/math">
-                    <m:oMathParaPr>
-                      <m:jc m:val="centerGroup"/>
-                    </m:oMathParaPr>
-                    <m:oMath xmlns:m="http://schemas.openxmlformats.org/officeDocument/2006/math">
-                      <m:sSub>
-                        <m:sSubPr>
-                          <m:ctrlPr>
-                            <a:rPr lang="en-US" altLang="zh-CN" sz="1400" i="1" smtClean="0">
-                              <a:latin typeface="Cambria Math" panose="02040503050406030204" pitchFamily="18" charset="0"/>
-                            </a:rPr>
-                          </m:ctrlPr>
-                        </m:sSubPr>
-                        <m:e>
-                          <m:r>
-                            <a:rPr lang="en-US" altLang="zh-CN" sz="1400" b="0" i="1" smtClean="0">
-                              <a:latin typeface="Cambria Math" panose="02040503050406030204" pitchFamily="18" charset="0"/>
-                            </a:rPr>
-                            <m:t>𝑊</m:t>
-                          </m:r>
-                        </m:e>
-                        <m:sub>
-                          <m:r>
-                            <a:rPr lang="en-US" altLang="zh-CN" sz="1400" b="0" i="1" smtClean="0">
-                              <a:latin typeface="Cambria Math" panose="02040503050406030204" pitchFamily="18" charset="0"/>
-                            </a:rPr>
-                            <m:t>1</m:t>
-                          </m:r>
-                        </m:sub>
-                      </m:sSub>
-                      <m:r>
-                        <a:rPr lang="en-US" altLang="zh-CN" sz="1400" b="0" i="1" smtClean="0">
-                          <a:latin typeface="Cambria Math" panose="02040503050406030204" pitchFamily="18" charset="0"/>
-                        </a:rPr>
-                        <m:t>,</m:t>
-                      </m:r>
-                      <m:sSub>
-                        <m:sSubPr>
-                          <m:ctrlPr>
-                            <a:rPr lang="en-US" altLang="zh-CN" sz="1400" i="1">
-                              <a:latin typeface="Cambria Math" panose="02040503050406030204" pitchFamily="18" charset="0"/>
-                            </a:rPr>
-                          </m:ctrlPr>
-                        </m:sSubPr>
-                        <m:e>
-                          <m:r>
-                            <a:rPr lang="en-US" altLang="zh-CN" sz="1400" b="0" i="1" smtClean="0">
-                              <a:latin typeface="Cambria Math" panose="02040503050406030204" pitchFamily="18" charset="0"/>
-                            </a:rPr>
-                            <m:t>𝑏</m:t>
-                          </m:r>
-                        </m:e>
-                        <m:sub>
-                          <m:r>
-                            <a:rPr lang="en-US" altLang="zh-CN" sz="1400" i="1">
-                              <a:latin typeface="Cambria Math" panose="02040503050406030204" pitchFamily="18" charset="0"/>
-                            </a:rPr>
-                            <m:t>1</m:t>
-                          </m:r>
-                        </m:sub>
-                      </m:sSub>
-                    </m:oMath>
-                  </m:oMathPara>
-                </a14:m>
-                <a:endParaRPr lang="zh-CN" altLang="en-US" dirty="0"/>
-              </a:p>
-            </p:txBody>
-          </p:sp>
-        </mc:Choice>
-        <mc:Fallback xmlns="">
-          <p:sp>
-            <p:nvSpPr>
-              <p:cNvPr id="45" name="矩形: 圆角 44">
-                <a:extLst>
-                  <a:ext uri="{FF2B5EF4-FFF2-40B4-BE49-F238E27FC236}">
-                    <a16:creationId xmlns:a16="http://schemas.microsoft.com/office/drawing/2014/main" id="{3A835844-E2FB-996B-B57B-8485F7D04124}"/>
-                  </a:ext>
-                </a:extLst>
-              </p:cNvPr>
-              <p:cNvSpPr>
-                <a:spLocks noRot="1" noChangeAspect="1" noMove="1" noResize="1" noEditPoints="1" noAdjustHandles="1" noChangeArrowheads="1" noChangeShapeType="1" noTextEdit="1"/>
-              </p:cNvSpPr>
-              <p:nvPr/>
-            </p:nvSpPr>
-            <p:spPr>
-              <a:xfrm>
-                <a:off x="1908204" y="3362126"/>
-                <a:ext cx="1258432" cy="655744"/>
-              </a:xfrm>
-              <a:prstGeom prst="roundRect">
-                <a:avLst/>
-              </a:prstGeom>
-              <a:blipFill>
-                <a:blip r:embed="rId3"/>
-                <a:stretch>
-                  <a:fillRect/>
-                </a:stretch>
-              </a:blipFill>
-            </p:spPr>
-            <p:txBody>
-              <a:bodyPr/>
-              <a:lstStyle/>
-              <a:p>
-                <a:r>
-                  <a:rPr lang="zh-CN" altLang="en-US">
-                    <a:noFill/>
-                  </a:rPr>
-                  <a:t> </a:t>
-                </a:r>
-              </a:p>
-            </p:txBody>
-          </p:sp>
-        </mc:Fallback>
-      </mc:AlternateContent>
-      <p:sp>
-        <p:nvSpPr>
-          <p:cNvPr id="46" name="文本框 45">
-            <a:extLst>
-              <a:ext uri="{FF2B5EF4-FFF2-40B4-BE49-F238E27FC236}">
-                <a16:creationId xmlns:a16="http://schemas.microsoft.com/office/drawing/2014/main" id="{0C91E115-0A5B-5126-E787-D15A7B693A54}"/>
-              </a:ext>
-            </a:extLst>
-          </p:cNvPr>
-          <p:cNvSpPr txBox="1"/>
-          <p:nvPr/>
-        </p:nvSpPr>
-        <p:spPr>
-          <a:xfrm>
-            <a:off x="2023537" y="2891721"/>
-            <a:ext cx="1325062" cy="307777"/>
-          </a:xfrm>
-          <a:prstGeom prst="rect">
-            <a:avLst/>
-          </a:prstGeom>
-          <a:noFill/>
-        </p:spPr>
-        <p:txBody>
-          <a:bodyPr wrap="square">
-            <a:spAutoFit/>
-          </a:bodyPr>
-          <a:lstStyle/>
-          <a:p>
-            <a:r>
-              <a:rPr lang="en-US" altLang="zh-CN" sz="1400" b="1" dirty="0">
-                <a:latin typeface="+mn-ea"/>
-              </a:rPr>
-              <a:t>Layer 1</a:t>
-            </a:r>
-            <a:endParaRPr lang="zh-CN" altLang="en-US" sz="1400" dirty="0"/>
-          </a:p>
-        </p:txBody>
-      </p:sp>
-      <p:sp>
-        <p:nvSpPr>
-          <p:cNvPr id="47" name="箭头: 右 46">
-            <a:extLst>
-              <a:ext uri="{FF2B5EF4-FFF2-40B4-BE49-F238E27FC236}">
-                <a16:creationId xmlns:a16="http://schemas.microsoft.com/office/drawing/2014/main" id="{3C0A7EF4-E281-1310-7645-862ACF5BEE48}"/>
-              </a:ext>
-            </a:extLst>
-          </p:cNvPr>
-          <p:cNvSpPr/>
-          <p:nvPr/>
-        </p:nvSpPr>
-        <p:spPr>
-          <a:xfrm>
-            <a:off x="1342308" y="3526126"/>
-            <a:ext cx="419998" cy="307777"/>
-          </a:xfrm>
-          <a:prstGeom prst="rightArrow">
-            <a:avLst/>
-          </a:prstGeom>
-        </p:spPr>
-        <p:style>
-          <a:lnRef idx="2">
-            <a:schemeClr val="accent1">
-              <a:shade val="15000"/>
-            </a:schemeClr>
-          </a:lnRef>
-          <a:fillRef idx="1">
-            <a:schemeClr val="accent1"/>
-          </a:fillRef>
-          <a:effectRef idx="0">
-            <a:schemeClr val="accent1"/>
-          </a:effectRef>
-          <a:fontRef idx="minor">
-            <a:schemeClr val="lt1"/>
-          </a:fontRef>
-        </p:style>
-        <p:txBody>
-          <a:bodyPr rtlCol="0" anchor="ctr"/>
-          <a:lstStyle/>
-          <a:p>
-            <a:pPr algn="ctr"/>
-            <a:endParaRPr lang="zh-CN" altLang="en-US"/>
-          </a:p>
-        </p:txBody>
-      </p:sp>
-      <mc:AlternateContent xmlns:mc="http://schemas.openxmlformats.org/markup-compatibility/2006" xmlns:a14="http://schemas.microsoft.com/office/drawing/2010/main">
-        <mc:Choice Requires="a14">
-          <p:sp>
-            <p:nvSpPr>
-              <p:cNvPr id="48" name="文本框 47">
-                <a:extLst>
-                  <a:ext uri="{FF2B5EF4-FFF2-40B4-BE49-F238E27FC236}">
-                    <a16:creationId xmlns:a16="http://schemas.microsoft.com/office/drawing/2014/main" id="{464A2737-6836-86D6-0DCA-957BDF6B5F20}"/>
-                  </a:ext>
-                </a:extLst>
-              </p:cNvPr>
-              <p:cNvSpPr txBox="1"/>
-              <p:nvPr/>
-            </p:nvSpPr>
-            <p:spPr>
-              <a:xfrm>
-                <a:off x="476194" y="3482638"/>
-                <a:ext cx="1125565" cy="307777"/>
-              </a:xfrm>
-              <a:prstGeom prst="rect">
-                <a:avLst/>
-              </a:prstGeom>
-              <a:noFill/>
-            </p:spPr>
-            <p:txBody>
-              <a:bodyPr wrap="square">
-                <a:spAutoFit/>
-              </a:bodyPr>
-              <a:lstStyle/>
-              <a:p>
-                <a:r>
-                  <a:rPr lang="zh-CN" altLang="en-US" sz="1400" b="1" dirty="0">
-                    <a:latin typeface="+mn-ea"/>
-                  </a:rPr>
-                  <a:t>输入集</a:t>
-                </a:r>
-                <a14:m>
-                  <m:oMath xmlns:m="http://schemas.openxmlformats.org/officeDocument/2006/math">
-                    <m:r>
-                      <a:rPr lang="en-US" altLang="zh-CN" sz="1400" b="1" i="1" smtClean="0">
-                        <a:latin typeface="Cambria Math" panose="02040503050406030204" pitchFamily="18" charset="0"/>
-                      </a:rPr>
-                      <m:t>𝒙</m:t>
-                    </m:r>
-                  </m:oMath>
-                </a14:m>
-                <a:endParaRPr lang="zh-CN" altLang="en-US" sz="1400" dirty="0"/>
-              </a:p>
-            </p:txBody>
-          </p:sp>
-        </mc:Choice>
-        <mc:Fallback xmlns="">
-          <p:sp>
-            <p:nvSpPr>
-              <p:cNvPr id="48" name="文本框 47">
-                <a:extLst>
-                  <a:ext uri="{FF2B5EF4-FFF2-40B4-BE49-F238E27FC236}">
-                    <a16:creationId xmlns:a16="http://schemas.microsoft.com/office/drawing/2014/main" id="{464A2737-6836-86D6-0DCA-957BDF6B5F20}"/>
-                  </a:ext>
-                </a:extLst>
-              </p:cNvPr>
-              <p:cNvSpPr txBox="1">
-                <a:spLocks noRot="1" noChangeAspect="1" noMove="1" noResize="1" noEditPoints="1" noAdjustHandles="1" noChangeArrowheads="1" noChangeShapeType="1" noTextEdit="1"/>
-              </p:cNvSpPr>
-              <p:nvPr/>
-            </p:nvSpPr>
-            <p:spPr>
-              <a:xfrm>
-                <a:off x="476194" y="3482638"/>
-                <a:ext cx="1125565" cy="307777"/>
-              </a:xfrm>
-              <a:prstGeom prst="rect">
-                <a:avLst/>
-              </a:prstGeom>
-              <a:blipFill>
-                <a:blip r:embed="rId4"/>
-                <a:stretch>
-                  <a:fillRect l="-1622" t="-5882" b="-15686"/>
-                </a:stretch>
-              </a:blipFill>
-            </p:spPr>
-            <p:txBody>
-              <a:bodyPr/>
-              <a:lstStyle/>
-              <a:p>
-                <a:r>
-                  <a:rPr lang="zh-CN" altLang="en-US">
-                    <a:noFill/>
-                  </a:rPr>
-                  <a:t> </a:t>
-                </a:r>
-              </a:p>
-            </p:txBody>
-          </p:sp>
-        </mc:Fallback>
-      </mc:AlternateContent>
-      <p:sp>
-        <p:nvSpPr>
-          <p:cNvPr id="49" name="箭头: 右 48">
-            <a:extLst>
-              <a:ext uri="{FF2B5EF4-FFF2-40B4-BE49-F238E27FC236}">
-                <a16:creationId xmlns:a16="http://schemas.microsoft.com/office/drawing/2014/main" id="{7C191F9F-5D2D-9309-C165-FBAB636E8A15}"/>
-              </a:ext>
-            </a:extLst>
-          </p:cNvPr>
-          <p:cNvSpPr/>
-          <p:nvPr/>
-        </p:nvSpPr>
-        <p:spPr>
-          <a:xfrm>
-            <a:off x="8634678" y="3526127"/>
-            <a:ext cx="733330" cy="307777"/>
-          </a:xfrm>
-          <a:prstGeom prst="rightArrow">
-            <a:avLst/>
-          </a:prstGeom>
-        </p:spPr>
-        <p:style>
-          <a:lnRef idx="2">
-            <a:schemeClr val="accent1">
-              <a:shade val="15000"/>
-            </a:schemeClr>
-          </a:lnRef>
-          <a:fillRef idx="1">
-            <a:schemeClr val="accent1"/>
-          </a:fillRef>
-          <a:effectRef idx="0">
-            <a:schemeClr val="accent1"/>
-          </a:effectRef>
-          <a:fontRef idx="minor">
-            <a:schemeClr val="lt1"/>
-          </a:fontRef>
-        </p:style>
-        <p:txBody>
-          <a:bodyPr rtlCol="0" anchor="ctr"/>
-          <a:lstStyle/>
-          <a:p>
-            <a:pPr algn="ctr"/>
-            <a:endParaRPr lang="zh-CN" altLang="en-US"/>
-          </a:p>
-        </p:txBody>
-      </p:sp>
-      <mc:AlternateContent xmlns:mc="http://schemas.openxmlformats.org/markup-compatibility/2006" xmlns:a14="http://schemas.microsoft.com/office/drawing/2010/main">
-        <mc:Choice Requires="a14">
-          <p:sp>
-            <p:nvSpPr>
-              <p:cNvPr id="50" name="文本框 49">
-                <a:extLst>
-                  <a:ext uri="{FF2B5EF4-FFF2-40B4-BE49-F238E27FC236}">
-                    <a16:creationId xmlns:a16="http://schemas.microsoft.com/office/drawing/2014/main" id="{0A56002B-186F-E5E8-EDDB-C3591314F7F9}"/>
-                  </a:ext>
-                </a:extLst>
-              </p:cNvPr>
-              <p:cNvSpPr txBox="1"/>
-              <p:nvPr/>
-            </p:nvSpPr>
-            <p:spPr>
-              <a:xfrm>
-                <a:off x="9352837" y="3482638"/>
-                <a:ext cx="1125565" cy="307777"/>
-              </a:xfrm>
-              <a:prstGeom prst="rect">
-                <a:avLst/>
-              </a:prstGeom>
-              <a:noFill/>
-            </p:spPr>
-            <p:txBody>
-              <a:bodyPr wrap="square">
-                <a:spAutoFit/>
-              </a:bodyPr>
-              <a:lstStyle/>
-              <a:p>
-                <a:r>
-                  <a:rPr lang="zh-CN" altLang="en-US" sz="1400" b="1" dirty="0">
-                    <a:latin typeface="+mn-ea"/>
-                  </a:rPr>
-                  <a:t>预测集</a:t>
-                </a:r>
-                <a14:m>
-                  <m:oMath xmlns:m="http://schemas.openxmlformats.org/officeDocument/2006/math">
-                    <m:acc>
-                      <m:accPr>
-                        <m:chr m:val="̂"/>
-                        <m:ctrlPr>
-                          <a:rPr lang="en-US" altLang="zh-CN" sz="1400" b="1" i="1" smtClean="0">
-                            <a:latin typeface="Cambria Math" panose="02040503050406030204" pitchFamily="18" charset="0"/>
-                          </a:rPr>
-                        </m:ctrlPr>
-                      </m:accPr>
-                      <m:e>
-                        <m:r>
-                          <a:rPr lang="en-US" altLang="zh-CN" sz="1400" b="1" i="1" smtClean="0">
-                            <a:latin typeface="Cambria Math" panose="02040503050406030204" pitchFamily="18" charset="0"/>
-                          </a:rPr>
-                          <m:t>𝒚</m:t>
-                        </m:r>
-                      </m:e>
-                    </m:acc>
-                  </m:oMath>
-                </a14:m>
-                <a:endParaRPr lang="zh-CN" altLang="en-US" sz="1400" dirty="0"/>
-              </a:p>
-            </p:txBody>
-          </p:sp>
-        </mc:Choice>
-        <mc:Fallback xmlns="">
-          <p:sp>
-            <p:nvSpPr>
-              <p:cNvPr id="50" name="文本框 49">
-                <a:extLst>
-                  <a:ext uri="{FF2B5EF4-FFF2-40B4-BE49-F238E27FC236}">
-                    <a16:creationId xmlns:a16="http://schemas.microsoft.com/office/drawing/2014/main" id="{0A56002B-186F-E5E8-EDDB-C3591314F7F9}"/>
-                  </a:ext>
-                </a:extLst>
-              </p:cNvPr>
-              <p:cNvSpPr txBox="1">
-                <a:spLocks noRot="1" noChangeAspect="1" noMove="1" noResize="1" noEditPoints="1" noAdjustHandles="1" noChangeArrowheads="1" noChangeShapeType="1" noTextEdit="1"/>
-              </p:cNvSpPr>
-              <p:nvPr/>
-            </p:nvSpPr>
-            <p:spPr>
-              <a:xfrm>
-                <a:off x="9352837" y="3482638"/>
-                <a:ext cx="1125565" cy="307777"/>
-              </a:xfrm>
-              <a:prstGeom prst="rect">
-                <a:avLst/>
-              </a:prstGeom>
-              <a:blipFill>
-                <a:blip r:embed="rId5"/>
-                <a:stretch>
-                  <a:fillRect l="-1622" t="-5882" r="-541" b="-15686"/>
-                </a:stretch>
-              </a:blipFill>
-            </p:spPr>
-            <p:txBody>
-              <a:bodyPr/>
-              <a:lstStyle/>
-              <a:p>
-                <a:r>
-                  <a:rPr lang="zh-CN" altLang="en-US">
-                    <a:noFill/>
-                  </a:rPr>
-                  <a:t> </a:t>
-                </a:r>
-              </a:p>
-            </p:txBody>
-          </p:sp>
-        </mc:Fallback>
-      </mc:AlternateContent>
-      <mc:AlternateContent xmlns:mc="http://schemas.openxmlformats.org/markup-compatibility/2006" xmlns:a14="http://schemas.microsoft.com/office/drawing/2010/main">
-        <mc:Choice Requires="a14">
-          <p:sp>
-            <p:nvSpPr>
-              <p:cNvPr id="51" name="矩形: 圆角 50">
-                <a:extLst>
-                  <a:ext uri="{FF2B5EF4-FFF2-40B4-BE49-F238E27FC236}">
-                    <a16:creationId xmlns:a16="http://schemas.microsoft.com/office/drawing/2014/main" id="{5E5547EE-5F44-C729-536F-3E1981036A3D}"/>
-                  </a:ext>
-                </a:extLst>
-              </p:cNvPr>
-              <p:cNvSpPr/>
-              <p:nvPr/>
-            </p:nvSpPr>
-            <p:spPr>
-              <a:xfrm>
-                <a:off x="1907678" y="4524422"/>
-                <a:ext cx="1258432" cy="655744"/>
-              </a:xfrm>
-              <a:prstGeom prst="roundRect">
-                <a:avLst/>
-              </a:prstGeom>
-            </p:spPr>
-            <p:style>
-              <a:lnRef idx="2">
-                <a:schemeClr val="accent1">
-                  <a:shade val="15000"/>
-                </a:schemeClr>
-              </a:lnRef>
-              <a:fillRef idx="1">
-                <a:schemeClr val="accent1"/>
-              </a:fillRef>
-              <a:effectRef idx="0">
-                <a:schemeClr val="accent1"/>
-              </a:effectRef>
-              <a:fontRef idx="minor">
-                <a:schemeClr val="lt1"/>
-              </a:fontRef>
-            </p:style>
-            <p:txBody>
-              <a:bodyPr rtlCol="0" anchor="ctr"/>
-              <a:lstStyle/>
-              <a:p>
-                <a:pPr algn="ctr"/>
-                <a14:m>
-                  <m:oMathPara xmlns:m="http://schemas.openxmlformats.org/officeDocument/2006/math">
-                    <m:oMathParaPr>
-                      <m:jc m:val="centerGroup"/>
-                    </m:oMathParaPr>
-                    <m:oMath xmlns:m="http://schemas.openxmlformats.org/officeDocument/2006/math">
-                      <m:sSub>
-                        <m:sSubPr>
-                          <m:ctrlPr>
-                            <a:rPr lang="en-US" altLang="zh-CN" sz="1400" i="1">
-                              <a:latin typeface="Cambria Math" panose="02040503050406030204" pitchFamily="18" charset="0"/>
-                            </a:rPr>
-                          </m:ctrlPr>
-                        </m:sSubPr>
-                        <m:e>
-                          <m:r>
-                            <a:rPr lang="en-US" altLang="zh-CN" sz="1400" i="1">
-                              <a:latin typeface="Cambria Math" panose="02040503050406030204" pitchFamily="18" charset="0"/>
-                            </a:rPr>
-                            <m:t>𝑊</m:t>
-                          </m:r>
-                        </m:e>
-                        <m:sub>
-                          <m:r>
-                            <a:rPr lang="en-US" altLang="zh-CN" sz="1400" i="1">
-                              <a:latin typeface="Cambria Math" panose="02040503050406030204" pitchFamily="18" charset="0"/>
-                            </a:rPr>
-                            <m:t>1</m:t>
-                          </m:r>
-                        </m:sub>
-                      </m:sSub>
-                      <m:r>
-                        <a:rPr lang="en-US" altLang="zh-CN" sz="1400" i="1">
-                          <a:latin typeface="Cambria Math" panose="02040503050406030204" pitchFamily="18" charset="0"/>
-                        </a:rPr>
-                        <m:t>,</m:t>
-                      </m:r>
-                      <m:sSub>
-                        <m:sSubPr>
-                          <m:ctrlPr>
-                            <a:rPr lang="en-US" altLang="zh-CN" sz="1400" i="1">
-                              <a:latin typeface="Cambria Math" panose="02040503050406030204" pitchFamily="18" charset="0"/>
-                            </a:rPr>
-                          </m:ctrlPr>
-                        </m:sSubPr>
-                        <m:e>
-                          <m:r>
-                            <a:rPr lang="en-US" altLang="zh-CN" sz="1400" i="1">
-                              <a:latin typeface="Cambria Math" panose="02040503050406030204" pitchFamily="18" charset="0"/>
-                            </a:rPr>
-                            <m:t>𝑏</m:t>
-                          </m:r>
-                        </m:e>
-                        <m:sub>
-                          <m:r>
-                            <a:rPr lang="en-US" altLang="zh-CN" sz="1400" i="1">
-                              <a:latin typeface="Cambria Math" panose="02040503050406030204" pitchFamily="18" charset="0"/>
-                            </a:rPr>
-                            <m:t>1</m:t>
-                          </m:r>
-                        </m:sub>
-                      </m:sSub>
-                    </m:oMath>
-                  </m:oMathPara>
-                </a14:m>
-                <a:endParaRPr lang="zh-CN" altLang="en-US" sz="1400" dirty="0"/>
-              </a:p>
-            </p:txBody>
-          </p:sp>
-        </mc:Choice>
-        <mc:Fallback xmlns="">
-          <p:sp>
-            <p:nvSpPr>
-              <p:cNvPr id="51" name="矩形: 圆角 50">
-                <a:extLst>
-                  <a:ext uri="{FF2B5EF4-FFF2-40B4-BE49-F238E27FC236}">
-                    <a16:creationId xmlns:a16="http://schemas.microsoft.com/office/drawing/2014/main" id="{5E5547EE-5F44-C729-536F-3E1981036A3D}"/>
-                  </a:ext>
-                </a:extLst>
-              </p:cNvPr>
-              <p:cNvSpPr>
-                <a:spLocks noRot="1" noChangeAspect="1" noMove="1" noResize="1" noEditPoints="1" noAdjustHandles="1" noChangeArrowheads="1" noChangeShapeType="1" noTextEdit="1"/>
-              </p:cNvSpPr>
-              <p:nvPr/>
-            </p:nvSpPr>
-            <p:spPr>
-              <a:xfrm>
-                <a:off x="1907678" y="4524422"/>
-                <a:ext cx="1258432" cy="655744"/>
-              </a:xfrm>
-              <a:prstGeom prst="roundRect">
-                <a:avLst/>
-              </a:prstGeom>
-              <a:blipFill>
-                <a:blip r:embed="rId6"/>
-                <a:stretch>
-                  <a:fillRect/>
-                </a:stretch>
-              </a:blipFill>
-            </p:spPr>
-            <p:txBody>
-              <a:bodyPr/>
-              <a:lstStyle/>
-              <a:p>
-                <a:r>
-                  <a:rPr lang="zh-CN" altLang="en-US">
-                    <a:noFill/>
-                  </a:rPr>
-                  <a:t> </a:t>
-                </a:r>
-              </a:p>
-            </p:txBody>
-          </p:sp>
-        </mc:Fallback>
-      </mc:AlternateContent>
-      <p:sp>
-        <p:nvSpPr>
-          <p:cNvPr id="52" name="箭头: 下 51">
-            <a:extLst>
-              <a:ext uri="{FF2B5EF4-FFF2-40B4-BE49-F238E27FC236}">
-                <a16:creationId xmlns:a16="http://schemas.microsoft.com/office/drawing/2014/main" id="{D6B5AEA6-18FF-1931-1EE5-74B93B29BF01}"/>
-              </a:ext>
-            </a:extLst>
-          </p:cNvPr>
-          <p:cNvSpPr/>
-          <p:nvPr/>
-        </p:nvSpPr>
-        <p:spPr>
-          <a:xfrm>
-            <a:off x="2502964" y="4072190"/>
-            <a:ext cx="183104" cy="397911"/>
-          </a:xfrm>
-          <a:prstGeom prst="downArrow">
-            <a:avLst/>
-          </a:prstGeom>
-        </p:spPr>
-        <p:style>
-          <a:lnRef idx="2">
-            <a:schemeClr val="accent1">
-              <a:shade val="15000"/>
-            </a:schemeClr>
-          </a:lnRef>
-          <a:fillRef idx="1">
-            <a:schemeClr val="accent1"/>
-          </a:fillRef>
-          <a:effectRef idx="0">
-            <a:schemeClr val="accent1"/>
-          </a:effectRef>
-          <a:fontRef idx="minor">
-            <a:schemeClr val="lt1"/>
-          </a:fontRef>
-        </p:style>
-        <p:txBody>
-          <a:bodyPr rtlCol="0" anchor="ctr"/>
-          <a:lstStyle/>
-          <a:p>
-            <a:pPr algn="ctr"/>
-            <a:endParaRPr lang="zh-CN" altLang="en-US"/>
-          </a:p>
-        </p:txBody>
-      </p:sp>
-      <mc:AlternateContent xmlns:mc="http://schemas.openxmlformats.org/markup-compatibility/2006" xmlns:a14="http://schemas.microsoft.com/office/drawing/2010/main">
-        <mc:Choice Requires="a14">
-          <p:sp>
-            <p:nvSpPr>
-              <p:cNvPr id="53" name="文本框 52">
-                <a:extLst>
-                  <a:ext uri="{FF2B5EF4-FFF2-40B4-BE49-F238E27FC236}">
-                    <a16:creationId xmlns:a16="http://schemas.microsoft.com/office/drawing/2014/main" id="{F6F8BAE2-6D47-AC60-A5B0-3CBB5A0A2A04}"/>
-                  </a:ext>
-                </a:extLst>
-              </p:cNvPr>
-              <p:cNvSpPr txBox="1"/>
-              <p:nvPr/>
-            </p:nvSpPr>
-            <p:spPr>
-              <a:xfrm>
-                <a:off x="1284372" y="4076005"/>
-                <a:ext cx="1331923" cy="338554"/>
-              </a:xfrm>
-              <a:prstGeom prst="rect">
-                <a:avLst/>
-              </a:prstGeom>
-              <a:noFill/>
-            </p:spPr>
-            <p:txBody>
-              <a:bodyPr wrap="square">
-                <a:spAutoFit/>
-              </a:bodyPr>
-              <a:lstStyle/>
-              <a:p>
-                <a:r>
-                  <a:rPr lang="zh-CN" altLang="en-US" sz="1200" b="1" dirty="0">
-                    <a:latin typeface="+mn-ea"/>
-                  </a:rPr>
-                  <a:t>中间变量</a:t>
-                </a:r>
-                <a14:m>
-                  <m:oMath xmlns:m="http://schemas.openxmlformats.org/officeDocument/2006/math">
-                    <m:r>
-                      <m:rPr>
-                        <m:sty m:val="p"/>
-                      </m:rPr>
-                      <a:rPr lang="en-US" altLang="zh-CN" sz="1600" b="0" i="0" smtClean="0">
-                        <a:latin typeface="Cambria Math" panose="02040503050406030204" pitchFamily="18" charset="0"/>
-                      </a:rPr>
-                      <m:t>d</m:t>
-                    </m:r>
-                    <m:sSub>
-                      <m:sSubPr>
-                        <m:ctrlPr>
-                          <a:rPr lang="en-US" altLang="zh-CN" sz="1600" b="0" i="1" smtClean="0">
-                            <a:latin typeface="Cambria Math" panose="02040503050406030204" pitchFamily="18" charset="0"/>
-                          </a:rPr>
-                        </m:ctrlPr>
-                      </m:sSubPr>
-                      <m:e>
-                        <m:r>
-                          <a:rPr lang="en-US" altLang="zh-CN" sz="1600" b="0" i="1" smtClean="0">
-                            <a:latin typeface="Cambria Math" panose="02040503050406030204" pitchFamily="18" charset="0"/>
-                          </a:rPr>
-                          <m:t>𝑧</m:t>
-                        </m:r>
-                      </m:e>
-                      <m:sub>
-                        <m:r>
-                          <a:rPr lang="en-US" altLang="zh-CN" sz="1600" b="0" i="1" smtClean="0">
-                            <a:latin typeface="Cambria Math" panose="02040503050406030204" pitchFamily="18" charset="0"/>
-                          </a:rPr>
-                          <m:t>1</m:t>
-                        </m:r>
-                      </m:sub>
-                    </m:sSub>
-                  </m:oMath>
-                </a14:m>
-                <a:endParaRPr lang="zh-CN" altLang="en-US" sz="1600" dirty="0"/>
-              </a:p>
-            </p:txBody>
-          </p:sp>
-        </mc:Choice>
-        <mc:Fallback xmlns="">
-          <p:sp>
-            <p:nvSpPr>
-              <p:cNvPr id="53" name="文本框 52">
-                <a:extLst>
-                  <a:ext uri="{FF2B5EF4-FFF2-40B4-BE49-F238E27FC236}">
-                    <a16:creationId xmlns:a16="http://schemas.microsoft.com/office/drawing/2014/main" id="{F6F8BAE2-6D47-AC60-A5B0-3CBB5A0A2A04}"/>
-                  </a:ext>
-                </a:extLst>
-              </p:cNvPr>
-              <p:cNvSpPr txBox="1">
-                <a:spLocks noRot="1" noChangeAspect="1" noMove="1" noResize="1" noEditPoints="1" noAdjustHandles="1" noChangeArrowheads="1" noChangeShapeType="1" noTextEdit="1"/>
-              </p:cNvSpPr>
-              <p:nvPr/>
-            </p:nvSpPr>
-            <p:spPr>
-              <a:xfrm>
-                <a:off x="1284372" y="4076005"/>
-                <a:ext cx="1331923" cy="338554"/>
-              </a:xfrm>
-              <a:prstGeom prst="rect">
-                <a:avLst/>
-              </a:prstGeom>
-              <a:blipFill>
-                <a:blip r:embed="rId7"/>
-                <a:stretch>
-                  <a:fillRect l="-459" b="-7273"/>
-                </a:stretch>
-              </a:blipFill>
-            </p:spPr>
-            <p:txBody>
-              <a:bodyPr/>
-              <a:lstStyle/>
-              <a:p>
-                <a:r>
-                  <a:rPr lang="zh-CN" altLang="en-US">
-                    <a:noFill/>
-                  </a:rPr>
-                  <a:t> </a:t>
-                </a:r>
-              </a:p>
-            </p:txBody>
-          </p:sp>
-        </mc:Fallback>
-      </mc:AlternateContent>
-      <p:sp>
-        <p:nvSpPr>
-          <p:cNvPr id="54" name="箭头: 右弧形 53">
-            <a:extLst>
-              <a:ext uri="{FF2B5EF4-FFF2-40B4-BE49-F238E27FC236}">
-                <a16:creationId xmlns:a16="http://schemas.microsoft.com/office/drawing/2014/main" id="{39377560-77EE-A58E-58C5-C1349C99647A}"/>
-              </a:ext>
-            </a:extLst>
-          </p:cNvPr>
-          <p:cNvSpPr/>
-          <p:nvPr/>
-        </p:nvSpPr>
-        <p:spPr>
-          <a:xfrm rot="2011314">
-            <a:off x="9073841" y="4100177"/>
-            <a:ext cx="739975" cy="1125629"/>
-          </a:xfrm>
-          <a:prstGeom prst="curvedLeftArrow">
-            <a:avLst/>
-          </a:prstGeom>
-          <a:solidFill>
-            <a:srgbClr val="FF0000"/>
-          </a:solidFill>
-        </p:spPr>
-        <p:style>
-          <a:lnRef idx="2">
-            <a:schemeClr val="accent1">
-              <a:shade val="15000"/>
-            </a:schemeClr>
-          </a:lnRef>
-          <a:fillRef idx="1">
-            <a:schemeClr val="accent1"/>
-          </a:fillRef>
-          <a:effectRef idx="0">
-            <a:schemeClr val="accent1"/>
-          </a:effectRef>
-          <a:fontRef idx="minor">
-            <a:schemeClr val="lt1"/>
-          </a:fontRef>
-        </p:style>
-        <p:txBody>
-          <a:bodyPr rtlCol="0" anchor="ctr"/>
-          <a:lstStyle/>
-          <a:p>
-            <a:pPr algn="ctr"/>
-            <a:endParaRPr lang="zh-CN" altLang="en-US" dirty="0">
-              <a:solidFill>
-                <a:srgbClr val="FF0000"/>
-              </a:solidFill>
-            </a:endParaRPr>
-          </a:p>
-        </p:txBody>
-      </p:sp>
-      <mc:AlternateContent xmlns:mc="http://schemas.openxmlformats.org/markup-compatibility/2006" xmlns:a14="http://schemas.microsoft.com/office/drawing/2010/main">
-        <mc:Choice Requires="a14">
-          <p:sp>
-            <p:nvSpPr>
-              <p:cNvPr id="55" name="文本框 54">
-                <a:extLst>
-                  <a:ext uri="{FF2B5EF4-FFF2-40B4-BE49-F238E27FC236}">
-                    <a16:creationId xmlns:a16="http://schemas.microsoft.com/office/drawing/2014/main" id="{C01A6D88-5E86-035E-0452-8262EE5DC9A2}"/>
-                  </a:ext>
-                </a:extLst>
-              </p:cNvPr>
-              <p:cNvSpPr txBox="1"/>
-              <p:nvPr/>
-            </p:nvSpPr>
-            <p:spPr>
-              <a:xfrm>
-                <a:off x="9705345" y="4316212"/>
-                <a:ext cx="1125565" cy="307777"/>
-              </a:xfrm>
-              <a:prstGeom prst="rect">
-                <a:avLst/>
-              </a:prstGeom>
-              <a:noFill/>
-            </p:spPr>
-            <p:txBody>
-              <a:bodyPr wrap="square">
-                <a:spAutoFit/>
-              </a:bodyPr>
-              <a:lstStyle/>
-              <a:p>
-                <a:pPr/>
-                <a14:m>
-                  <m:oMathPara xmlns:m="http://schemas.openxmlformats.org/officeDocument/2006/math">
-                    <m:oMathParaPr>
-                      <m:jc m:val="centerGroup"/>
-                    </m:oMathParaPr>
-                    <m:oMath xmlns:m="http://schemas.openxmlformats.org/officeDocument/2006/math">
-                      <m:r>
-                        <a:rPr lang="en-US" altLang="zh-CN" sz="1400" b="0" i="1" smtClean="0">
-                          <a:latin typeface="Cambria Math" panose="02040503050406030204" pitchFamily="18" charset="0"/>
-                        </a:rPr>
-                        <m:t>𝐽</m:t>
-                      </m:r>
-                      <m:r>
-                        <a:rPr lang="en-US" altLang="zh-CN" sz="1400" b="0" i="1" smtClean="0">
-                          <a:latin typeface="Cambria Math" panose="02040503050406030204" pitchFamily="18" charset="0"/>
-                        </a:rPr>
-                        <m:t>(</m:t>
-                      </m:r>
-                      <m:r>
-                        <a:rPr lang="en-US" altLang="zh-CN" sz="1400" b="0" i="1" smtClean="0">
-                          <a:latin typeface="Cambria Math" panose="02040503050406030204" pitchFamily="18" charset="0"/>
-                        </a:rPr>
-                        <m:t>𝑦</m:t>
-                      </m:r>
-                      <m:r>
-                        <a:rPr lang="en-US" altLang="zh-CN" sz="1400" b="0" i="1" smtClean="0">
-                          <a:latin typeface="Cambria Math" panose="02040503050406030204" pitchFamily="18" charset="0"/>
-                        </a:rPr>
-                        <m:t>,</m:t>
-                      </m:r>
-                      <m:acc>
-                        <m:accPr>
-                          <m:chr m:val="̂"/>
-                          <m:ctrlPr>
-                            <a:rPr lang="en-US" altLang="zh-CN" sz="1400" b="0" i="1" smtClean="0">
-                              <a:latin typeface="Cambria Math" panose="02040503050406030204" pitchFamily="18" charset="0"/>
-                            </a:rPr>
-                          </m:ctrlPr>
-                        </m:accPr>
-                        <m:e>
-                          <m:r>
-                            <a:rPr lang="en-US" altLang="zh-CN" sz="1400" b="0" i="1" smtClean="0">
-                              <a:latin typeface="Cambria Math" panose="02040503050406030204" pitchFamily="18" charset="0"/>
-                            </a:rPr>
-                            <m:t>𝑦</m:t>
-                          </m:r>
-                        </m:e>
-                      </m:acc>
-                      <m:r>
-                        <a:rPr lang="en-US" altLang="zh-CN" sz="1400" b="0" i="1" smtClean="0">
-                          <a:latin typeface="Cambria Math" panose="02040503050406030204" pitchFamily="18" charset="0"/>
-                        </a:rPr>
-                        <m:t>)</m:t>
-                      </m:r>
-                    </m:oMath>
-                  </m:oMathPara>
-                </a14:m>
-                <a:endParaRPr lang="zh-CN" altLang="en-US" sz="1400" dirty="0"/>
-              </a:p>
-            </p:txBody>
-          </p:sp>
-        </mc:Choice>
-        <mc:Fallback xmlns="">
-          <p:sp>
-            <p:nvSpPr>
-              <p:cNvPr id="55" name="文本框 54">
-                <a:extLst>
-                  <a:ext uri="{FF2B5EF4-FFF2-40B4-BE49-F238E27FC236}">
-                    <a16:creationId xmlns:a16="http://schemas.microsoft.com/office/drawing/2014/main" id="{C01A6D88-5E86-035E-0452-8262EE5DC9A2}"/>
-                  </a:ext>
-                </a:extLst>
-              </p:cNvPr>
-              <p:cNvSpPr txBox="1">
-                <a:spLocks noRot="1" noChangeAspect="1" noMove="1" noResize="1" noEditPoints="1" noAdjustHandles="1" noChangeArrowheads="1" noChangeShapeType="1" noTextEdit="1"/>
-              </p:cNvSpPr>
-              <p:nvPr/>
-            </p:nvSpPr>
-            <p:spPr>
-              <a:xfrm>
-                <a:off x="9705345" y="4316212"/>
-                <a:ext cx="1125565" cy="307777"/>
-              </a:xfrm>
-              <a:prstGeom prst="rect">
-                <a:avLst/>
-              </a:prstGeom>
-              <a:blipFill>
-                <a:blip r:embed="rId8"/>
-                <a:stretch>
-                  <a:fillRect b="-5882"/>
-                </a:stretch>
-              </a:blipFill>
-            </p:spPr>
-            <p:txBody>
-              <a:bodyPr/>
-              <a:lstStyle/>
-              <a:p>
-                <a:r>
-                  <a:rPr lang="zh-CN" altLang="en-US">
-                    <a:noFill/>
-                  </a:rPr>
-                  <a:t> </a:t>
-                </a:r>
-              </a:p>
-            </p:txBody>
-          </p:sp>
-        </mc:Fallback>
-      </mc:AlternateContent>
-      <p:sp>
-        <p:nvSpPr>
-          <p:cNvPr id="56" name="箭头: 左 55">
-            <a:extLst>
-              <a:ext uri="{FF2B5EF4-FFF2-40B4-BE49-F238E27FC236}">
-                <a16:creationId xmlns:a16="http://schemas.microsoft.com/office/drawing/2014/main" id="{6C3922C1-DB04-E500-C8EB-7E5610970FDD}"/>
-              </a:ext>
-            </a:extLst>
-          </p:cNvPr>
-          <p:cNvSpPr/>
-          <p:nvPr/>
-        </p:nvSpPr>
-        <p:spPr>
-          <a:xfrm rot="16200000">
-            <a:off x="2462843" y="5222403"/>
-            <a:ext cx="265388" cy="307777"/>
-          </a:xfrm>
-          <a:prstGeom prst="leftArrow">
-            <a:avLst/>
-          </a:prstGeom>
-          <a:solidFill>
-            <a:srgbClr val="FF0000"/>
-          </a:solidFill>
-        </p:spPr>
-        <p:style>
-          <a:lnRef idx="2">
-            <a:schemeClr val="accent1">
-              <a:shade val="15000"/>
-            </a:schemeClr>
-          </a:lnRef>
-          <a:fillRef idx="1">
-            <a:schemeClr val="accent1"/>
-          </a:fillRef>
-          <a:effectRef idx="0">
-            <a:schemeClr val="accent1"/>
-          </a:effectRef>
-          <a:fontRef idx="minor">
-            <a:schemeClr val="lt1"/>
-          </a:fontRef>
-        </p:style>
-        <p:txBody>
-          <a:bodyPr rtlCol="0" anchor="ctr"/>
-          <a:lstStyle/>
-          <a:p>
-            <a:pPr algn="ctr"/>
-            <a:endParaRPr lang="zh-CN" altLang="en-US"/>
-          </a:p>
-        </p:txBody>
-      </p:sp>
-      <mc:AlternateContent xmlns:mc="http://schemas.openxmlformats.org/markup-compatibility/2006" xmlns:a14="http://schemas.microsoft.com/office/drawing/2010/main">
-        <mc:Choice Requires="a14">
-          <p:sp>
-            <p:nvSpPr>
-              <p:cNvPr id="57" name="文本框 56">
-                <a:extLst>
-                  <a:ext uri="{FF2B5EF4-FFF2-40B4-BE49-F238E27FC236}">
-                    <a16:creationId xmlns:a16="http://schemas.microsoft.com/office/drawing/2014/main" id="{68A1EFDA-6A94-62C3-DE4F-67A9FD0DB3EF}"/>
-                  </a:ext>
-                </a:extLst>
-              </p:cNvPr>
-              <p:cNvSpPr txBox="1"/>
-              <p:nvPr/>
-            </p:nvSpPr>
-            <p:spPr>
-              <a:xfrm>
-                <a:off x="1798216" y="5486948"/>
-                <a:ext cx="1523223" cy="307777"/>
-              </a:xfrm>
-              <a:prstGeom prst="rect">
-                <a:avLst/>
-              </a:prstGeom>
-              <a:noFill/>
-            </p:spPr>
-            <p:txBody>
-              <a:bodyPr wrap="square">
-                <a:spAutoFit/>
-              </a:bodyPr>
-              <a:lstStyle/>
-              <a:p>
-                <a:pPr/>
-                <a14:m>
-                  <m:oMathPara xmlns:m="http://schemas.openxmlformats.org/officeDocument/2006/math">
-                    <m:oMathParaPr>
-                      <m:jc m:val="centerGroup"/>
-                    </m:oMathParaPr>
-                    <m:oMath xmlns:m="http://schemas.openxmlformats.org/officeDocument/2006/math">
-                      <m:sSub>
-                        <m:sSubPr>
-                          <m:ctrlPr>
-                            <a:rPr lang="en-US" altLang="zh-CN" sz="1400" i="1" smtClean="0">
-                              <a:latin typeface="Cambria Math" panose="02040503050406030204" pitchFamily="18" charset="0"/>
-                            </a:rPr>
-                          </m:ctrlPr>
-                        </m:sSubPr>
-                        <m:e>
-                          <m:r>
-                            <a:rPr lang="en-US" altLang="zh-CN" sz="1400" b="0" i="1" smtClean="0">
-                              <a:latin typeface="Cambria Math" panose="02040503050406030204" pitchFamily="18" charset="0"/>
-                            </a:rPr>
-                            <m:t>𝑑</m:t>
-                          </m:r>
-                          <m:r>
-                            <a:rPr lang="en-US" altLang="zh-CN" sz="1400" i="1">
-                              <a:latin typeface="Cambria Math" panose="02040503050406030204" pitchFamily="18" charset="0"/>
-                            </a:rPr>
-                            <m:t>𝑊</m:t>
-                          </m:r>
-                        </m:e>
-                        <m:sub>
-                          <m:r>
-                            <a:rPr lang="en-US" altLang="zh-CN" sz="1400" i="1">
-                              <a:latin typeface="Cambria Math" panose="02040503050406030204" pitchFamily="18" charset="0"/>
-                            </a:rPr>
-                            <m:t>1</m:t>
-                          </m:r>
-                        </m:sub>
-                      </m:sSub>
-                      <m:r>
-                        <a:rPr lang="en-US" altLang="zh-CN" sz="1400" i="1">
-                          <a:latin typeface="Cambria Math" panose="02040503050406030204" pitchFamily="18" charset="0"/>
-                        </a:rPr>
-                        <m:t>,</m:t>
-                      </m:r>
-                      <m:sSub>
-                        <m:sSubPr>
-                          <m:ctrlPr>
-                            <a:rPr lang="en-US" altLang="zh-CN" sz="1400" i="1">
-                              <a:latin typeface="Cambria Math" panose="02040503050406030204" pitchFamily="18" charset="0"/>
-                            </a:rPr>
-                          </m:ctrlPr>
-                        </m:sSubPr>
-                        <m:e>
-                          <m:r>
-                            <a:rPr lang="en-US" altLang="zh-CN" sz="1400" b="0" i="1" smtClean="0">
-                              <a:latin typeface="Cambria Math" panose="02040503050406030204" pitchFamily="18" charset="0"/>
-                            </a:rPr>
-                            <m:t>𝑑</m:t>
-                          </m:r>
-                          <m:r>
-                            <a:rPr lang="en-US" altLang="zh-CN" sz="1400" i="1">
-                              <a:latin typeface="Cambria Math" panose="02040503050406030204" pitchFamily="18" charset="0"/>
-                            </a:rPr>
-                            <m:t>𝑏</m:t>
-                          </m:r>
-                        </m:e>
-                        <m:sub>
-                          <m:r>
-                            <a:rPr lang="en-US" altLang="zh-CN" sz="1400" i="1">
-                              <a:latin typeface="Cambria Math" panose="02040503050406030204" pitchFamily="18" charset="0"/>
-                            </a:rPr>
-                            <m:t>1</m:t>
-                          </m:r>
-                        </m:sub>
-                      </m:sSub>
-                    </m:oMath>
-                  </m:oMathPara>
-                </a14:m>
-                <a:endParaRPr lang="zh-CN" altLang="en-US" sz="1400" dirty="0"/>
-              </a:p>
-            </p:txBody>
-          </p:sp>
-        </mc:Choice>
-        <mc:Fallback xmlns="">
-          <p:sp>
-            <p:nvSpPr>
-              <p:cNvPr id="57" name="文本框 56">
-                <a:extLst>
-                  <a:ext uri="{FF2B5EF4-FFF2-40B4-BE49-F238E27FC236}">
-                    <a16:creationId xmlns:a16="http://schemas.microsoft.com/office/drawing/2014/main" id="{68A1EFDA-6A94-62C3-DE4F-67A9FD0DB3EF}"/>
-                  </a:ext>
-                </a:extLst>
-              </p:cNvPr>
-              <p:cNvSpPr txBox="1">
-                <a:spLocks noRot="1" noChangeAspect="1" noMove="1" noResize="1" noEditPoints="1" noAdjustHandles="1" noChangeArrowheads="1" noChangeShapeType="1" noTextEdit="1"/>
-              </p:cNvSpPr>
-              <p:nvPr/>
-            </p:nvSpPr>
-            <p:spPr>
-              <a:xfrm>
-                <a:off x="1798216" y="5486948"/>
-                <a:ext cx="1523223" cy="307777"/>
-              </a:xfrm>
-              <a:prstGeom prst="rect">
-                <a:avLst/>
-              </a:prstGeom>
-              <a:blipFill>
-                <a:blip r:embed="rId9"/>
-                <a:stretch>
-                  <a:fillRect/>
-                </a:stretch>
-              </a:blipFill>
-            </p:spPr>
-            <p:txBody>
-              <a:bodyPr/>
-              <a:lstStyle/>
-              <a:p>
-                <a:r>
-                  <a:rPr lang="zh-CN" altLang="en-US">
-                    <a:noFill/>
-                  </a:rPr>
-                  <a:t> </a:t>
-                </a:r>
-              </a:p>
-            </p:txBody>
-          </p:sp>
-        </mc:Fallback>
-      </mc:AlternateContent>
-      <mc:AlternateContent xmlns:mc="http://schemas.openxmlformats.org/markup-compatibility/2006" xmlns:a14="http://schemas.microsoft.com/office/drawing/2010/main">
-        <mc:Choice Requires="a14">
-          <p:sp>
-            <p:nvSpPr>
-              <p:cNvPr id="58" name="矩形: 圆角 57">
-                <a:extLst>
-                  <a:ext uri="{FF2B5EF4-FFF2-40B4-BE49-F238E27FC236}">
-                    <a16:creationId xmlns:a16="http://schemas.microsoft.com/office/drawing/2014/main" id="{CCCC8072-45F9-0AD0-7005-A1C094984F11}"/>
-                  </a:ext>
-                </a:extLst>
-              </p:cNvPr>
-              <p:cNvSpPr/>
-              <p:nvPr/>
-            </p:nvSpPr>
-            <p:spPr>
-              <a:xfrm>
-                <a:off x="3780011" y="3328177"/>
-                <a:ext cx="1258432" cy="655744"/>
-              </a:xfrm>
-              <a:prstGeom prst="roundRect">
-                <a:avLst/>
-              </a:prstGeom>
-            </p:spPr>
-            <p:style>
-              <a:lnRef idx="2">
-                <a:schemeClr val="accent1">
-                  <a:shade val="15000"/>
-                </a:schemeClr>
-              </a:lnRef>
-              <a:fillRef idx="1">
-                <a:schemeClr val="accent1"/>
-              </a:fillRef>
-              <a:effectRef idx="0">
-                <a:schemeClr val="accent1"/>
-              </a:effectRef>
-              <a:fontRef idx="minor">
-                <a:schemeClr val="lt1"/>
-              </a:fontRef>
-            </p:style>
-            <p:txBody>
-              <a:bodyPr rtlCol="0" anchor="ctr"/>
-              <a:lstStyle/>
-              <a:p>
-                <a:pPr algn="ctr"/>
-                <a14:m>
-                  <m:oMathPara xmlns:m="http://schemas.openxmlformats.org/officeDocument/2006/math">
-                    <m:oMathParaPr>
-                      <m:jc m:val="centerGroup"/>
-                    </m:oMathParaPr>
-                    <m:oMath xmlns:m="http://schemas.openxmlformats.org/officeDocument/2006/math">
-                      <m:sSub>
-                        <m:sSubPr>
-                          <m:ctrlPr>
-                            <a:rPr lang="en-US" altLang="zh-CN" sz="1400" i="1" smtClean="0">
-                              <a:latin typeface="Cambria Math" panose="02040503050406030204" pitchFamily="18" charset="0"/>
-                            </a:rPr>
-                          </m:ctrlPr>
-                        </m:sSubPr>
-                        <m:e>
-                          <m:r>
-                            <a:rPr lang="en-US" altLang="zh-CN" sz="1400" b="0" i="1" smtClean="0">
-                              <a:latin typeface="Cambria Math" panose="02040503050406030204" pitchFamily="18" charset="0"/>
-                            </a:rPr>
-                            <m:t>𝑊</m:t>
-                          </m:r>
-                        </m:e>
-                        <m:sub>
-                          <m:r>
-                            <a:rPr lang="en-US" altLang="zh-CN" sz="1400" b="0" i="1" smtClean="0">
-                              <a:latin typeface="Cambria Math" panose="02040503050406030204" pitchFamily="18" charset="0"/>
-                            </a:rPr>
-                            <m:t>2</m:t>
-                          </m:r>
-                        </m:sub>
-                      </m:sSub>
-                      <m:r>
-                        <a:rPr lang="en-US" altLang="zh-CN" sz="1400" b="0" i="1" smtClean="0">
-                          <a:latin typeface="Cambria Math" panose="02040503050406030204" pitchFamily="18" charset="0"/>
-                        </a:rPr>
-                        <m:t>,</m:t>
-                      </m:r>
-                      <m:sSub>
-                        <m:sSubPr>
-                          <m:ctrlPr>
-                            <a:rPr lang="en-US" altLang="zh-CN" sz="1400" i="1">
-                              <a:latin typeface="Cambria Math" panose="02040503050406030204" pitchFamily="18" charset="0"/>
-                            </a:rPr>
-                          </m:ctrlPr>
-                        </m:sSubPr>
-                        <m:e>
-                          <m:r>
-                            <a:rPr lang="en-US" altLang="zh-CN" sz="1400" b="0" i="1" smtClean="0">
-                              <a:latin typeface="Cambria Math" panose="02040503050406030204" pitchFamily="18" charset="0"/>
-                            </a:rPr>
-                            <m:t>𝑏</m:t>
-                          </m:r>
-                        </m:e>
-                        <m:sub>
-                          <m:r>
-                            <a:rPr lang="en-US" altLang="zh-CN" sz="1400" b="0" i="1" smtClean="0">
-                              <a:latin typeface="Cambria Math" panose="02040503050406030204" pitchFamily="18" charset="0"/>
-                            </a:rPr>
-                            <m:t>2</m:t>
-                          </m:r>
-                        </m:sub>
-                      </m:sSub>
-                    </m:oMath>
-                  </m:oMathPara>
-                </a14:m>
-                <a:endParaRPr lang="zh-CN" altLang="en-US" sz="1400" dirty="0"/>
-              </a:p>
-            </p:txBody>
-          </p:sp>
-        </mc:Choice>
-        <mc:Fallback xmlns="">
-          <p:sp>
-            <p:nvSpPr>
-              <p:cNvPr id="58" name="矩形: 圆角 57">
-                <a:extLst>
-                  <a:ext uri="{FF2B5EF4-FFF2-40B4-BE49-F238E27FC236}">
-                    <a16:creationId xmlns:a16="http://schemas.microsoft.com/office/drawing/2014/main" id="{CCCC8072-45F9-0AD0-7005-A1C094984F11}"/>
-                  </a:ext>
-                </a:extLst>
-              </p:cNvPr>
-              <p:cNvSpPr>
-                <a:spLocks noRot="1" noChangeAspect="1" noMove="1" noResize="1" noEditPoints="1" noAdjustHandles="1" noChangeArrowheads="1" noChangeShapeType="1" noTextEdit="1"/>
-              </p:cNvSpPr>
-              <p:nvPr/>
-            </p:nvSpPr>
-            <p:spPr>
-              <a:xfrm>
-                <a:off x="3780011" y="3328177"/>
-                <a:ext cx="1258432" cy="655744"/>
-              </a:xfrm>
-              <a:prstGeom prst="roundRect">
-                <a:avLst/>
-              </a:prstGeom>
-              <a:blipFill>
-                <a:blip r:embed="rId10"/>
-                <a:stretch>
-                  <a:fillRect/>
-                </a:stretch>
-              </a:blipFill>
-            </p:spPr>
-            <p:txBody>
-              <a:bodyPr/>
-              <a:lstStyle/>
-              <a:p>
-                <a:r>
-                  <a:rPr lang="zh-CN" altLang="en-US">
-                    <a:noFill/>
-                  </a:rPr>
-                  <a:t> </a:t>
-                </a:r>
-              </a:p>
-            </p:txBody>
-          </p:sp>
-        </mc:Fallback>
-      </mc:AlternateContent>
-      <p:sp>
-        <p:nvSpPr>
-          <p:cNvPr id="59" name="文本框 58">
-            <a:extLst>
-              <a:ext uri="{FF2B5EF4-FFF2-40B4-BE49-F238E27FC236}">
-                <a16:creationId xmlns:a16="http://schemas.microsoft.com/office/drawing/2014/main" id="{DF1F6BC5-0E6C-EA3D-BE08-2220EA515441}"/>
-              </a:ext>
-            </a:extLst>
-          </p:cNvPr>
-          <p:cNvSpPr txBox="1"/>
-          <p:nvPr/>
-        </p:nvSpPr>
-        <p:spPr>
-          <a:xfrm>
-            <a:off x="3895344" y="2887461"/>
-            <a:ext cx="1325062" cy="307777"/>
-          </a:xfrm>
-          <a:prstGeom prst="rect">
-            <a:avLst/>
-          </a:prstGeom>
-          <a:noFill/>
-        </p:spPr>
-        <p:txBody>
-          <a:bodyPr wrap="square">
-            <a:spAutoFit/>
-          </a:bodyPr>
-          <a:lstStyle/>
-          <a:p>
-            <a:r>
-              <a:rPr lang="en-US" altLang="zh-CN" sz="1400" b="1" dirty="0">
-                <a:latin typeface="+mn-ea"/>
-              </a:rPr>
-              <a:t>Layer 2</a:t>
-            </a:r>
-            <a:endParaRPr lang="zh-CN" altLang="en-US" sz="1400" dirty="0"/>
-          </a:p>
-        </p:txBody>
-      </p:sp>
-      <mc:AlternateContent xmlns:mc="http://schemas.openxmlformats.org/markup-compatibility/2006" xmlns:a14="http://schemas.microsoft.com/office/drawing/2010/main">
-        <mc:Choice Requires="a14">
-          <p:sp>
-            <p:nvSpPr>
-              <p:cNvPr id="60" name="矩形: 圆角 59">
-                <a:extLst>
-                  <a:ext uri="{FF2B5EF4-FFF2-40B4-BE49-F238E27FC236}">
-                    <a16:creationId xmlns:a16="http://schemas.microsoft.com/office/drawing/2014/main" id="{355CA3AE-D72B-94C4-48B2-EDA7C808099E}"/>
-                  </a:ext>
-                </a:extLst>
-              </p:cNvPr>
-              <p:cNvSpPr/>
-              <p:nvPr/>
-            </p:nvSpPr>
-            <p:spPr>
-              <a:xfrm>
-                <a:off x="3779485" y="4490473"/>
-                <a:ext cx="1258432" cy="655744"/>
-              </a:xfrm>
-              <a:prstGeom prst="roundRect">
-                <a:avLst/>
-              </a:prstGeom>
-            </p:spPr>
-            <p:style>
-              <a:lnRef idx="2">
-                <a:schemeClr val="accent1">
-                  <a:shade val="15000"/>
-                </a:schemeClr>
-              </a:lnRef>
-              <a:fillRef idx="1">
-                <a:schemeClr val="accent1"/>
-              </a:fillRef>
-              <a:effectRef idx="0">
-                <a:schemeClr val="accent1"/>
-              </a:effectRef>
-              <a:fontRef idx="minor">
-                <a:schemeClr val="lt1"/>
-              </a:fontRef>
-            </p:style>
-            <p:txBody>
-              <a:bodyPr rtlCol="0" anchor="ctr"/>
-              <a:lstStyle/>
-              <a:p>
-                <a:pPr algn="ctr"/>
-                <a14:m>
-                  <m:oMathPara xmlns:m="http://schemas.openxmlformats.org/officeDocument/2006/math">
-                    <m:oMathParaPr>
-                      <m:jc m:val="centerGroup"/>
-                    </m:oMathParaPr>
-                    <m:oMath xmlns:m="http://schemas.openxmlformats.org/officeDocument/2006/math">
-                      <m:sSub>
-                        <m:sSubPr>
-                          <m:ctrlPr>
-                            <a:rPr lang="en-US" altLang="zh-CN" sz="1400" i="1" smtClean="0">
-                              <a:latin typeface="Cambria Math" panose="02040503050406030204" pitchFamily="18" charset="0"/>
-                            </a:rPr>
-                          </m:ctrlPr>
-                        </m:sSubPr>
-                        <m:e>
-                          <m:r>
-                            <a:rPr lang="en-US" altLang="zh-CN" sz="1400" i="1">
-                              <a:latin typeface="Cambria Math" panose="02040503050406030204" pitchFamily="18" charset="0"/>
-                            </a:rPr>
-                            <m:t>𝑊</m:t>
-                          </m:r>
-                        </m:e>
-                        <m:sub>
-                          <m:r>
-                            <a:rPr lang="en-US" altLang="zh-CN" sz="1400" b="0" i="1" smtClean="0">
-                              <a:latin typeface="Cambria Math" panose="02040503050406030204" pitchFamily="18" charset="0"/>
-                            </a:rPr>
-                            <m:t>2</m:t>
-                          </m:r>
-                        </m:sub>
-                      </m:sSub>
-                      <m:r>
-                        <a:rPr lang="en-US" altLang="zh-CN" sz="1400" i="1">
-                          <a:latin typeface="Cambria Math" panose="02040503050406030204" pitchFamily="18" charset="0"/>
-                        </a:rPr>
-                        <m:t>,</m:t>
-                      </m:r>
-                      <m:sSub>
-                        <m:sSubPr>
-                          <m:ctrlPr>
-                            <a:rPr lang="en-US" altLang="zh-CN" sz="1400" i="1">
-                              <a:latin typeface="Cambria Math" panose="02040503050406030204" pitchFamily="18" charset="0"/>
-                            </a:rPr>
-                          </m:ctrlPr>
-                        </m:sSubPr>
-                        <m:e>
-                          <m:r>
-                            <a:rPr lang="en-US" altLang="zh-CN" sz="1400" i="1">
-                              <a:latin typeface="Cambria Math" panose="02040503050406030204" pitchFamily="18" charset="0"/>
-                            </a:rPr>
-                            <m:t>𝑏</m:t>
-                          </m:r>
-                        </m:e>
-                        <m:sub>
-                          <m:r>
-                            <a:rPr lang="en-US" altLang="zh-CN" sz="1400" b="0" i="1" smtClean="0">
-                              <a:latin typeface="Cambria Math" panose="02040503050406030204" pitchFamily="18" charset="0"/>
-                            </a:rPr>
-                            <m:t>2</m:t>
-                          </m:r>
-                        </m:sub>
-                      </m:sSub>
-                    </m:oMath>
-                  </m:oMathPara>
-                </a14:m>
-                <a:endParaRPr lang="zh-CN" altLang="en-US" sz="1400" dirty="0"/>
-              </a:p>
-            </p:txBody>
-          </p:sp>
-        </mc:Choice>
-        <mc:Fallback xmlns="">
-          <p:sp>
-            <p:nvSpPr>
-              <p:cNvPr id="60" name="矩形: 圆角 59">
-                <a:extLst>
-                  <a:ext uri="{FF2B5EF4-FFF2-40B4-BE49-F238E27FC236}">
-                    <a16:creationId xmlns:a16="http://schemas.microsoft.com/office/drawing/2014/main" id="{355CA3AE-D72B-94C4-48B2-EDA7C808099E}"/>
-                  </a:ext>
-                </a:extLst>
-              </p:cNvPr>
-              <p:cNvSpPr>
-                <a:spLocks noRot="1" noChangeAspect="1" noMove="1" noResize="1" noEditPoints="1" noAdjustHandles="1" noChangeArrowheads="1" noChangeShapeType="1" noTextEdit="1"/>
-              </p:cNvSpPr>
-              <p:nvPr/>
-            </p:nvSpPr>
-            <p:spPr>
-              <a:xfrm>
-                <a:off x="3779485" y="4490473"/>
-                <a:ext cx="1258432" cy="655744"/>
-              </a:xfrm>
-              <a:prstGeom prst="roundRect">
-                <a:avLst/>
-              </a:prstGeom>
-              <a:blipFill>
-                <a:blip r:embed="rId11"/>
-                <a:stretch>
-                  <a:fillRect/>
-                </a:stretch>
-              </a:blipFill>
-            </p:spPr>
-            <p:txBody>
-              <a:bodyPr/>
-              <a:lstStyle/>
-              <a:p>
-                <a:r>
-                  <a:rPr lang="zh-CN" altLang="en-US">
-                    <a:noFill/>
-                  </a:rPr>
-                  <a:t> </a:t>
-                </a:r>
-              </a:p>
-            </p:txBody>
-          </p:sp>
-        </mc:Fallback>
-      </mc:AlternateContent>
-      <p:sp>
-        <p:nvSpPr>
-          <p:cNvPr id="61" name="箭头: 下 60">
-            <a:extLst>
-              <a:ext uri="{FF2B5EF4-FFF2-40B4-BE49-F238E27FC236}">
-                <a16:creationId xmlns:a16="http://schemas.microsoft.com/office/drawing/2014/main" id="{B3480D23-0A03-321C-7FD3-26E253D4E8D3}"/>
-              </a:ext>
-            </a:extLst>
-          </p:cNvPr>
-          <p:cNvSpPr/>
-          <p:nvPr/>
-        </p:nvSpPr>
-        <p:spPr>
-          <a:xfrm>
-            <a:off x="4374771" y="4038241"/>
-            <a:ext cx="183104" cy="397911"/>
-          </a:xfrm>
-          <a:prstGeom prst="downArrow">
-            <a:avLst/>
-          </a:prstGeom>
-        </p:spPr>
-        <p:style>
-          <a:lnRef idx="2">
-            <a:schemeClr val="accent1">
-              <a:shade val="15000"/>
-            </a:schemeClr>
-          </a:lnRef>
-          <a:fillRef idx="1">
-            <a:schemeClr val="accent1"/>
-          </a:fillRef>
-          <a:effectRef idx="0">
-            <a:schemeClr val="accent1"/>
-          </a:effectRef>
-          <a:fontRef idx="minor">
-            <a:schemeClr val="lt1"/>
-          </a:fontRef>
-        </p:style>
-        <p:txBody>
-          <a:bodyPr rtlCol="0" anchor="ctr"/>
-          <a:lstStyle/>
-          <a:p>
-            <a:pPr algn="ctr"/>
-            <a:endParaRPr lang="zh-CN" altLang="en-US"/>
-          </a:p>
-        </p:txBody>
-      </p:sp>
-      <p:sp>
-        <p:nvSpPr>
-          <p:cNvPr id="62" name="箭头: 左 61">
-            <a:extLst>
-              <a:ext uri="{FF2B5EF4-FFF2-40B4-BE49-F238E27FC236}">
-                <a16:creationId xmlns:a16="http://schemas.microsoft.com/office/drawing/2014/main" id="{5F80AFBE-1C57-3862-B8C0-9286BF429160}"/>
-              </a:ext>
-            </a:extLst>
-          </p:cNvPr>
-          <p:cNvSpPr/>
-          <p:nvPr/>
-        </p:nvSpPr>
-        <p:spPr>
-          <a:xfrm rot="16200000">
-            <a:off x="4334650" y="5188454"/>
-            <a:ext cx="265388" cy="307777"/>
-          </a:xfrm>
-          <a:prstGeom prst="leftArrow">
-            <a:avLst/>
-          </a:prstGeom>
-          <a:solidFill>
-            <a:srgbClr val="FF0000"/>
-          </a:solidFill>
-        </p:spPr>
-        <p:style>
-          <a:lnRef idx="2">
-            <a:schemeClr val="accent1">
-              <a:shade val="15000"/>
-            </a:schemeClr>
-          </a:lnRef>
-          <a:fillRef idx="1">
-            <a:schemeClr val="accent1"/>
-          </a:fillRef>
-          <a:effectRef idx="0">
-            <a:schemeClr val="accent1"/>
-          </a:effectRef>
-          <a:fontRef idx="minor">
-            <a:schemeClr val="lt1"/>
-          </a:fontRef>
-        </p:style>
-        <p:txBody>
-          <a:bodyPr rtlCol="0" anchor="ctr"/>
-          <a:lstStyle/>
-          <a:p>
-            <a:pPr algn="ctr"/>
-            <a:endParaRPr lang="zh-CN" altLang="en-US"/>
-          </a:p>
-        </p:txBody>
-      </p:sp>
-      <mc:AlternateContent xmlns:mc="http://schemas.openxmlformats.org/markup-compatibility/2006" xmlns:a14="http://schemas.microsoft.com/office/drawing/2010/main">
-        <mc:Choice Requires="a14">
-          <p:sp>
-            <p:nvSpPr>
-              <p:cNvPr id="63" name="文本框 62">
-                <a:extLst>
-                  <a:ext uri="{FF2B5EF4-FFF2-40B4-BE49-F238E27FC236}">
-                    <a16:creationId xmlns:a16="http://schemas.microsoft.com/office/drawing/2014/main" id="{960C3753-D13E-A028-A3BD-3E464C2E9120}"/>
-                  </a:ext>
-                </a:extLst>
-              </p:cNvPr>
-              <p:cNvSpPr txBox="1"/>
-              <p:nvPr/>
-            </p:nvSpPr>
-            <p:spPr>
-              <a:xfrm>
-                <a:off x="3670023" y="5452999"/>
-                <a:ext cx="1523223" cy="307777"/>
-              </a:xfrm>
-              <a:prstGeom prst="rect">
-                <a:avLst/>
-              </a:prstGeom>
-              <a:noFill/>
-            </p:spPr>
-            <p:txBody>
-              <a:bodyPr wrap="square">
-                <a:spAutoFit/>
-              </a:bodyPr>
-              <a:lstStyle/>
-              <a:p>
-                <a:pPr/>
-                <a14:m>
-                  <m:oMathPara xmlns:m="http://schemas.openxmlformats.org/officeDocument/2006/math">
-                    <m:oMathParaPr>
-                      <m:jc m:val="centerGroup"/>
-                    </m:oMathParaPr>
-                    <m:oMath xmlns:m="http://schemas.openxmlformats.org/officeDocument/2006/math">
-                      <m:sSub>
-                        <m:sSubPr>
-                          <m:ctrlPr>
-                            <a:rPr lang="en-US" altLang="zh-CN" sz="1400" i="1" smtClean="0">
-                              <a:latin typeface="Cambria Math" panose="02040503050406030204" pitchFamily="18" charset="0"/>
-                            </a:rPr>
-                          </m:ctrlPr>
-                        </m:sSubPr>
-                        <m:e>
-                          <m:r>
-                            <a:rPr lang="en-US" altLang="zh-CN" sz="1400" b="0" i="1" smtClean="0">
-                              <a:latin typeface="Cambria Math" panose="02040503050406030204" pitchFamily="18" charset="0"/>
-                            </a:rPr>
-                            <m:t>𝑑</m:t>
-                          </m:r>
-                          <m:r>
-                            <a:rPr lang="en-US" altLang="zh-CN" sz="1400" i="1">
-                              <a:latin typeface="Cambria Math" panose="02040503050406030204" pitchFamily="18" charset="0"/>
-                            </a:rPr>
-                            <m:t>𝑊</m:t>
-                          </m:r>
-                        </m:e>
-                        <m:sub>
-                          <m:r>
-                            <a:rPr lang="en-US" altLang="zh-CN" sz="1400" b="0" i="1" smtClean="0">
-                              <a:latin typeface="Cambria Math" panose="02040503050406030204" pitchFamily="18" charset="0"/>
-                            </a:rPr>
-                            <m:t>2</m:t>
-                          </m:r>
-                        </m:sub>
-                      </m:sSub>
-                      <m:r>
-                        <a:rPr lang="en-US" altLang="zh-CN" sz="1400" i="1">
-                          <a:latin typeface="Cambria Math" panose="02040503050406030204" pitchFamily="18" charset="0"/>
-                        </a:rPr>
-                        <m:t>,</m:t>
-                      </m:r>
-                      <m:sSub>
-                        <m:sSubPr>
-                          <m:ctrlPr>
-                            <a:rPr lang="en-US" altLang="zh-CN" sz="1400" i="1">
-                              <a:latin typeface="Cambria Math" panose="02040503050406030204" pitchFamily="18" charset="0"/>
-                            </a:rPr>
-                          </m:ctrlPr>
-                        </m:sSubPr>
-                        <m:e>
-                          <m:r>
-                            <a:rPr lang="en-US" altLang="zh-CN" sz="1400" b="0" i="1" smtClean="0">
-                              <a:latin typeface="Cambria Math" panose="02040503050406030204" pitchFamily="18" charset="0"/>
-                            </a:rPr>
-                            <m:t>𝑑</m:t>
-                          </m:r>
-                          <m:r>
-                            <a:rPr lang="en-US" altLang="zh-CN" sz="1400" i="1">
-                              <a:latin typeface="Cambria Math" panose="02040503050406030204" pitchFamily="18" charset="0"/>
-                            </a:rPr>
-                            <m:t>𝑏</m:t>
-                          </m:r>
-                        </m:e>
-                        <m:sub>
-                          <m:r>
-                            <a:rPr lang="en-US" altLang="zh-CN" sz="1400" b="0" i="1" smtClean="0">
-                              <a:latin typeface="Cambria Math" panose="02040503050406030204" pitchFamily="18" charset="0"/>
-                            </a:rPr>
-                            <m:t>2</m:t>
-                          </m:r>
-                        </m:sub>
-                      </m:sSub>
-                    </m:oMath>
-                  </m:oMathPara>
-                </a14:m>
-                <a:endParaRPr lang="zh-CN" altLang="en-US" sz="1400" dirty="0"/>
-              </a:p>
-            </p:txBody>
-          </p:sp>
-        </mc:Choice>
-        <mc:Fallback xmlns="">
-          <p:sp>
-            <p:nvSpPr>
-              <p:cNvPr id="63" name="文本框 62">
-                <a:extLst>
-                  <a:ext uri="{FF2B5EF4-FFF2-40B4-BE49-F238E27FC236}">
-                    <a16:creationId xmlns:a16="http://schemas.microsoft.com/office/drawing/2014/main" id="{960C3753-D13E-A028-A3BD-3E464C2E9120}"/>
-                  </a:ext>
-                </a:extLst>
-              </p:cNvPr>
-              <p:cNvSpPr txBox="1">
-                <a:spLocks noRot="1" noChangeAspect="1" noMove="1" noResize="1" noEditPoints="1" noAdjustHandles="1" noChangeArrowheads="1" noChangeShapeType="1" noTextEdit="1"/>
-              </p:cNvSpPr>
-              <p:nvPr/>
-            </p:nvSpPr>
-            <p:spPr>
-              <a:xfrm>
-                <a:off x="3670023" y="5452999"/>
-                <a:ext cx="1523223" cy="307777"/>
-              </a:xfrm>
-              <a:prstGeom prst="rect">
-                <a:avLst/>
-              </a:prstGeom>
-              <a:blipFill>
-                <a:blip r:embed="rId12"/>
-                <a:stretch>
-                  <a:fillRect/>
-                </a:stretch>
-              </a:blipFill>
-            </p:spPr>
-            <p:txBody>
-              <a:bodyPr/>
-              <a:lstStyle/>
-              <a:p>
-                <a:r>
-                  <a:rPr lang="zh-CN" altLang="en-US">
-                    <a:noFill/>
-                  </a:rPr>
-                  <a:t> </a:t>
-                </a:r>
-              </a:p>
-            </p:txBody>
-          </p:sp>
-        </mc:Fallback>
-      </mc:AlternateContent>
-      <p:sp>
-        <p:nvSpPr>
-          <p:cNvPr id="64" name="箭头: 右 63">
-            <a:extLst>
-              <a:ext uri="{FF2B5EF4-FFF2-40B4-BE49-F238E27FC236}">
-                <a16:creationId xmlns:a16="http://schemas.microsoft.com/office/drawing/2014/main" id="{7CDB62ED-5C00-11E1-861F-AC255125D0BF}"/>
-              </a:ext>
-            </a:extLst>
-          </p:cNvPr>
-          <p:cNvSpPr/>
-          <p:nvPr/>
-        </p:nvSpPr>
-        <p:spPr>
-          <a:xfrm>
-            <a:off x="3300883" y="3502160"/>
-            <a:ext cx="424443" cy="307777"/>
-          </a:xfrm>
-          <a:prstGeom prst="rightArrow">
-            <a:avLst/>
-          </a:prstGeom>
-        </p:spPr>
-        <p:style>
-          <a:lnRef idx="2">
-            <a:schemeClr val="accent1">
-              <a:shade val="15000"/>
-            </a:schemeClr>
-          </a:lnRef>
-          <a:fillRef idx="1">
-            <a:schemeClr val="accent1"/>
-          </a:fillRef>
-          <a:effectRef idx="0">
-            <a:schemeClr val="accent1"/>
-          </a:effectRef>
-          <a:fontRef idx="minor">
-            <a:schemeClr val="lt1"/>
-          </a:fontRef>
-        </p:style>
-        <p:txBody>
-          <a:bodyPr rtlCol="0" anchor="ctr"/>
-          <a:lstStyle/>
-          <a:p>
-            <a:pPr algn="ctr"/>
-            <a:endParaRPr lang="zh-CN" altLang="en-US"/>
-          </a:p>
-        </p:txBody>
-      </p:sp>
-      <mc:AlternateContent xmlns:mc="http://schemas.openxmlformats.org/markup-compatibility/2006" xmlns:a14="http://schemas.microsoft.com/office/drawing/2010/main">
-        <mc:Choice Requires="a14">
-          <p:sp>
-            <p:nvSpPr>
-              <p:cNvPr id="65" name="文本框 64">
-                <a:extLst>
-                  <a:ext uri="{FF2B5EF4-FFF2-40B4-BE49-F238E27FC236}">
-                    <a16:creationId xmlns:a16="http://schemas.microsoft.com/office/drawing/2014/main" id="{D7147AF4-E68A-13DA-8168-39B07A644FE3}"/>
-                  </a:ext>
-                </a:extLst>
-              </p:cNvPr>
-              <p:cNvSpPr txBox="1"/>
-              <p:nvPr/>
-            </p:nvSpPr>
-            <p:spPr>
-              <a:xfrm>
-                <a:off x="3266252" y="4042056"/>
-                <a:ext cx="1331923" cy="338554"/>
-              </a:xfrm>
-              <a:prstGeom prst="rect">
-                <a:avLst/>
-              </a:prstGeom>
-              <a:noFill/>
-            </p:spPr>
-            <p:txBody>
-              <a:bodyPr wrap="square">
-                <a:spAutoFit/>
-              </a:bodyPr>
-              <a:lstStyle/>
-              <a:p>
-                <a:r>
-                  <a:rPr lang="zh-CN" altLang="en-US" sz="1200" b="1" dirty="0">
-                    <a:latin typeface="+mn-ea"/>
-                  </a:rPr>
-                  <a:t>中间变量</a:t>
-                </a:r>
-                <a14:m>
-                  <m:oMath xmlns:m="http://schemas.openxmlformats.org/officeDocument/2006/math">
-                    <m:r>
-                      <m:rPr>
-                        <m:sty m:val="p"/>
-                      </m:rPr>
-                      <a:rPr lang="en-US" altLang="zh-CN" sz="1600" b="0" i="0" smtClean="0">
-                        <a:latin typeface="Cambria Math" panose="02040503050406030204" pitchFamily="18" charset="0"/>
-                      </a:rPr>
-                      <m:t>d</m:t>
-                    </m:r>
-                    <m:sSub>
-                      <m:sSubPr>
-                        <m:ctrlPr>
-                          <a:rPr lang="en-US" altLang="zh-CN" sz="1600" b="0" i="1" smtClean="0">
-                            <a:latin typeface="Cambria Math" panose="02040503050406030204" pitchFamily="18" charset="0"/>
-                          </a:rPr>
-                        </m:ctrlPr>
-                      </m:sSubPr>
-                      <m:e>
-                        <m:r>
-                          <a:rPr lang="en-US" altLang="zh-CN" sz="1600" b="0" i="1" smtClean="0">
-                            <a:latin typeface="Cambria Math" panose="02040503050406030204" pitchFamily="18" charset="0"/>
-                          </a:rPr>
-                          <m:t>𝑧</m:t>
-                        </m:r>
-                      </m:e>
-                      <m:sub>
-                        <m:r>
-                          <a:rPr lang="en-US" altLang="zh-CN" sz="1600" b="0" i="1" smtClean="0">
-                            <a:latin typeface="Cambria Math" panose="02040503050406030204" pitchFamily="18" charset="0"/>
-                          </a:rPr>
-                          <m:t>2</m:t>
-                        </m:r>
-                      </m:sub>
-                    </m:sSub>
-                  </m:oMath>
-                </a14:m>
-                <a:endParaRPr lang="zh-CN" altLang="en-US" sz="1600" dirty="0"/>
-              </a:p>
-            </p:txBody>
-          </p:sp>
-        </mc:Choice>
-        <mc:Fallback xmlns="">
-          <p:sp>
-            <p:nvSpPr>
-              <p:cNvPr id="65" name="文本框 64">
-                <a:extLst>
-                  <a:ext uri="{FF2B5EF4-FFF2-40B4-BE49-F238E27FC236}">
-                    <a16:creationId xmlns:a16="http://schemas.microsoft.com/office/drawing/2014/main" id="{D7147AF4-E68A-13DA-8168-39B07A644FE3}"/>
-                  </a:ext>
-                </a:extLst>
-              </p:cNvPr>
-              <p:cNvSpPr txBox="1">
-                <a:spLocks noRot="1" noChangeAspect="1" noMove="1" noResize="1" noEditPoints="1" noAdjustHandles="1" noChangeArrowheads="1" noChangeShapeType="1" noTextEdit="1"/>
-              </p:cNvSpPr>
-              <p:nvPr/>
-            </p:nvSpPr>
-            <p:spPr>
-              <a:xfrm>
-                <a:off x="3266252" y="4042056"/>
-                <a:ext cx="1331923" cy="338554"/>
-              </a:xfrm>
-              <a:prstGeom prst="rect">
-                <a:avLst/>
-              </a:prstGeom>
-              <a:blipFill>
-                <a:blip r:embed="rId13"/>
-                <a:stretch>
-                  <a:fillRect l="-459" b="-5357"/>
-                </a:stretch>
-              </a:blipFill>
-            </p:spPr>
-            <p:txBody>
-              <a:bodyPr/>
-              <a:lstStyle/>
-              <a:p>
-                <a:r>
-                  <a:rPr lang="zh-CN" altLang="en-US">
-                    <a:noFill/>
-                  </a:rPr>
-                  <a:t> </a:t>
-                </a:r>
-              </a:p>
-            </p:txBody>
-          </p:sp>
-        </mc:Fallback>
-      </mc:AlternateContent>
-      <p:sp>
-        <p:nvSpPr>
-          <p:cNvPr id="66" name="箭头: 左 65">
-            <a:extLst>
-              <a:ext uri="{FF2B5EF4-FFF2-40B4-BE49-F238E27FC236}">
-                <a16:creationId xmlns:a16="http://schemas.microsoft.com/office/drawing/2014/main" id="{C16E179B-BF26-7ED3-8EDF-ECBB46F8FDF1}"/>
-              </a:ext>
-            </a:extLst>
-          </p:cNvPr>
-          <p:cNvSpPr/>
-          <p:nvPr/>
-        </p:nvSpPr>
-        <p:spPr>
-          <a:xfrm>
-            <a:off x="3260541" y="4664758"/>
-            <a:ext cx="424443" cy="307174"/>
-          </a:xfrm>
-          <a:prstGeom prst="leftArrow">
-            <a:avLst/>
-          </a:prstGeom>
-          <a:solidFill>
-            <a:srgbClr val="FF0000"/>
-          </a:solidFill>
-        </p:spPr>
-        <p:style>
-          <a:lnRef idx="2">
-            <a:schemeClr val="accent1">
-              <a:shade val="15000"/>
-            </a:schemeClr>
-          </a:lnRef>
-          <a:fillRef idx="1">
-            <a:schemeClr val="accent1"/>
-          </a:fillRef>
-          <a:effectRef idx="0">
-            <a:schemeClr val="accent1"/>
-          </a:effectRef>
-          <a:fontRef idx="minor">
-            <a:schemeClr val="lt1"/>
-          </a:fontRef>
-        </p:style>
-        <p:txBody>
-          <a:bodyPr rtlCol="0" anchor="ctr"/>
-          <a:lstStyle/>
-          <a:p>
-            <a:pPr algn="ctr"/>
-            <a:endParaRPr lang="zh-CN" altLang="en-US"/>
-          </a:p>
-        </p:txBody>
-      </p:sp>
-      <p:sp>
-        <p:nvSpPr>
-          <p:cNvPr id="67" name="箭头: 左 66">
-            <a:extLst>
-              <a:ext uri="{FF2B5EF4-FFF2-40B4-BE49-F238E27FC236}">
-                <a16:creationId xmlns:a16="http://schemas.microsoft.com/office/drawing/2014/main" id="{054F3531-5518-7245-0FE5-4129C60B64A0}"/>
-              </a:ext>
-            </a:extLst>
-          </p:cNvPr>
-          <p:cNvSpPr/>
-          <p:nvPr/>
-        </p:nvSpPr>
-        <p:spPr>
-          <a:xfrm rot="16200000">
-            <a:off x="2505189" y="5774075"/>
-            <a:ext cx="224256" cy="307777"/>
-          </a:xfrm>
-          <a:prstGeom prst="leftArrow">
-            <a:avLst/>
-          </a:prstGeom>
-          <a:solidFill>
-            <a:srgbClr val="FF0000"/>
-          </a:solidFill>
-        </p:spPr>
-        <p:style>
-          <a:lnRef idx="2">
-            <a:schemeClr val="accent1">
-              <a:shade val="15000"/>
-            </a:schemeClr>
-          </a:lnRef>
-          <a:fillRef idx="1">
-            <a:schemeClr val="accent1"/>
-          </a:fillRef>
-          <a:effectRef idx="0">
-            <a:schemeClr val="accent1"/>
-          </a:effectRef>
-          <a:fontRef idx="minor">
-            <a:schemeClr val="lt1"/>
-          </a:fontRef>
-        </p:style>
-        <p:txBody>
-          <a:bodyPr rtlCol="0" anchor="ctr"/>
-          <a:lstStyle/>
-          <a:p>
-            <a:pPr algn="ctr"/>
-            <a:endParaRPr lang="zh-CN" altLang="en-US"/>
-          </a:p>
-        </p:txBody>
-      </p:sp>
-      <p:sp>
-        <p:nvSpPr>
-          <p:cNvPr id="68" name="箭头: 左 67">
-            <a:extLst>
-              <a:ext uri="{FF2B5EF4-FFF2-40B4-BE49-F238E27FC236}">
-                <a16:creationId xmlns:a16="http://schemas.microsoft.com/office/drawing/2014/main" id="{BEE04A44-4D1F-AA88-5CE6-B55D50B063BC}"/>
-              </a:ext>
-            </a:extLst>
-          </p:cNvPr>
-          <p:cNvSpPr/>
-          <p:nvPr/>
-        </p:nvSpPr>
-        <p:spPr>
-          <a:xfrm rot="16200000">
-            <a:off x="4378011" y="5740126"/>
-            <a:ext cx="224256" cy="307777"/>
-          </a:xfrm>
-          <a:prstGeom prst="leftArrow">
-            <a:avLst/>
-          </a:prstGeom>
-          <a:solidFill>
-            <a:srgbClr val="FF0000"/>
-          </a:solidFill>
-        </p:spPr>
-        <p:style>
-          <a:lnRef idx="2">
-            <a:schemeClr val="accent1">
-              <a:shade val="15000"/>
-            </a:schemeClr>
-          </a:lnRef>
-          <a:fillRef idx="1">
-            <a:schemeClr val="accent1"/>
-          </a:fillRef>
-          <a:effectRef idx="0">
-            <a:schemeClr val="accent1"/>
-          </a:effectRef>
-          <a:fontRef idx="minor">
-            <a:schemeClr val="lt1"/>
-          </a:fontRef>
-        </p:style>
-        <p:txBody>
-          <a:bodyPr rtlCol="0" anchor="ctr"/>
-          <a:lstStyle/>
-          <a:p>
-            <a:pPr algn="ctr"/>
-            <a:endParaRPr lang="zh-CN" altLang="en-US"/>
-          </a:p>
-        </p:txBody>
-      </p:sp>
-      <mc:AlternateContent xmlns:mc="http://schemas.openxmlformats.org/markup-compatibility/2006" xmlns:a14="http://schemas.microsoft.com/office/drawing/2010/main">
-        <mc:Choice Requires="a14">
-          <p:sp>
-            <p:nvSpPr>
-              <p:cNvPr id="69" name="文本框 68">
-                <a:extLst>
-                  <a:ext uri="{FF2B5EF4-FFF2-40B4-BE49-F238E27FC236}">
-                    <a16:creationId xmlns:a16="http://schemas.microsoft.com/office/drawing/2014/main" id="{D5107433-A8A5-D09B-E1F3-A791A82C9743}"/>
-                  </a:ext>
-                </a:extLst>
-              </p:cNvPr>
-              <p:cNvSpPr txBox="1"/>
-              <p:nvPr/>
-            </p:nvSpPr>
-            <p:spPr>
-              <a:xfrm>
-                <a:off x="1174817" y="6087167"/>
-                <a:ext cx="2667070" cy="523220"/>
-              </a:xfrm>
-              <a:prstGeom prst="rect">
-                <a:avLst/>
-              </a:prstGeom>
-              <a:noFill/>
-            </p:spPr>
-            <p:txBody>
-              <a:bodyPr wrap="square">
-                <a:spAutoFit/>
-              </a:bodyPr>
-              <a:lstStyle/>
-              <a:p>
-                <a:pPr/>
-                <a14:m>
-                  <m:oMathPara xmlns:m="http://schemas.openxmlformats.org/officeDocument/2006/math">
-                    <m:oMathParaPr>
-                      <m:jc m:val="centerGroup"/>
-                    </m:oMathParaPr>
-                    <m:oMath xmlns:m="http://schemas.openxmlformats.org/officeDocument/2006/math">
-                      <m:sSub>
-                        <m:sSubPr>
-                          <m:ctrlPr>
-                            <a:rPr lang="en-US" altLang="zh-CN" sz="1400" b="1" i="1" smtClean="0">
-                              <a:solidFill>
-                                <a:srgbClr val="FF0000"/>
-                              </a:solidFill>
-                              <a:latin typeface="Cambria Math" panose="02040503050406030204" pitchFamily="18" charset="0"/>
-                            </a:rPr>
-                          </m:ctrlPr>
-                        </m:sSubPr>
-                        <m:e>
-                          <m:r>
-                            <a:rPr lang="en-US" altLang="zh-CN" sz="1400" b="1" i="1">
-                              <a:solidFill>
-                                <a:srgbClr val="FF0000"/>
-                              </a:solidFill>
-                              <a:latin typeface="Cambria Math" panose="02040503050406030204" pitchFamily="18" charset="0"/>
-                            </a:rPr>
-                            <m:t>𝑾</m:t>
-                          </m:r>
-                        </m:e>
-                        <m:sub>
-                          <m:r>
-                            <a:rPr lang="en-US" altLang="zh-CN" sz="1400" b="1" i="1">
-                              <a:solidFill>
-                                <a:srgbClr val="FF0000"/>
-                              </a:solidFill>
-                              <a:latin typeface="Cambria Math" panose="02040503050406030204" pitchFamily="18" charset="0"/>
-                            </a:rPr>
-                            <m:t>𝟏</m:t>
-                          </m:r>
-                        </m:sub>
-                      </m:sSub>
-                      <m:r>
-                        <a:rPr lang="en-US" altLang="zh-CN" sz="1400" b="0" i="1" smtClean="0">
-                          <a:latin typeface="Cambria Math" panose="02040503050406030204" pitchFamily="18" charset="0"/>
-                        </a:rPr>
-                        <m:t>=</m:t>
-                      </m:r>
-                      <m:sSub>
-                        <m:sSubPr>
-                          <m:ctrlPr>
-                            <a:rPr lang="en-US" altLang="zh-CN" sz="1400" i="1">
-                              <a:latin typeface="Cambria Math" panose="02040503050406030204" pitchFamily="18" charset="0"/>
-                            </a:rPr>
-                          </m:ctrlPr>
-                        </m:sSubPr>
-                        <m:e>
-                          <m:r>
-                            <a:rPr lang="en-US" altLang="zh-CN" sz="1400" i="1">
-                              <a:latin typeface="Cambria Math" panose="02040503050406030204" pitchFamily="18" charset="0"/>
-                            </a:rPr>
-                            <m:t>𝑊</m:t>
-                          </m:r>
-                        </m:e>
-                        <m:sub>
-                          <m:r>
-                            <a:rPr lang="en-US" altLang="zh-CN" sz="1400" i="1">
-                              <a:latin typeface="Cambria Math" panose="02040503050406030204" pitchFamily="18" charset="0"/>
-                            </a:rPr>
-                            <m:t>1</m:t>
-                          </m:r>
-                        </m:sub>
-                      </m:sSub>
-                      <m:r>
-                        <a:rPr lang="en-US" altLang="zh-CN" sz="1400" b="0" i="1" smtClean="0">
-                          <a:latin typeface="Cambria Math" panose="02040503050406030204" pitchFamily="18" charset="0"/>
-                        </a:rPr>
-                        <m:t>−</m:t>
-                      </m:r>
-                      <m:r>
-                        <a:rPr lang="zh-CN" altLang="en-US" sz="1400" b="0" i="1" smtClean="0">
-                          <a:latin typeface="Cambria Math" panose="02040503050406030204" pitchFamily="18" charset="0"/>
-                        </a:rPr>
-                        <m:t>𝛼</m:t>
-                      </m:r>
-                      <m:r>
-                        <a:rPr lang="zh-CN" altLang="en-US" sz="1400" b="0" i="1" smtClean="0">
-                          <a:latin typeface="Cambria Math" panose="02040503050406030204" pitchFamily="18" charset="0"/>
-                        </a:rPr>
-                        <m:t>∙</m:t>
-                      </m:r>
-                      <m:r>
-                        <a:rPr lang="en-US" altLang="zh-CN" sz="1400" b="0" i="1" smtClean="0">
-                          <a:latin typeface="Cambria Math" panose="02040503050406030204" pitchFamily="18" charset="0"/>
-                        </a:rPr>
-                        <m:t>𝑑</m:t>
-                      </m:r>
-                      <m:sSub>
-                        <m:sSubPr>
-                          <m:ctrlPr>
-                            <a:rPr lang="en-US" altLang="zh-CN" sz="1400" i="1">
-                              <a:latin typeface="Cambria Math" panose="02040503050406030204" pitchFamily="18" charset="0"/>
-                            </a:rPr>
-                          </m:ctrlPr>
-                        </m:sSubPr>
-                        <m:e>
-                          <m:r>
-                            <a:rPr lang="en-US" altLang="zh-CN" sz="1400" i="1">
-                              <a:latin typeface="Cambria Math" panose="02040503050406030204" pitchFamily="18" charset="0"/>
-                            </a:rPr>
-                            <m:t>𝑊</m:t>
-                          </m:r>
-                        </m:e>
-                        <m:sub>
-                          <m:r>
-                            <a:rPr lang="en-US" altLang="zh-CN" sz="1400" i="1">
-                              <a:latin typeface="Cambria Math" panose="02040503050406030204" pitchFamily="18" charset="0"/>
-                            </a:rPr>
-                            <m:t>1</m:t>
-                          </m:r>
-                        </m:sub>
-                      </m:sSub>
-                    </m:oMath>
-                  </m:oMathPara>
-                </a14:m>
-                <a:endParaRPr lang="en-US" altLang="zh-CN" sz="1400" i="1" dirty="0">
-                  <a:latin typeface="Cambria Math" panose="02040503050406030204" pitchFamily="18" charset="0"/>
-                </a:endParaRPr>
-              </a:p>
-              <a:p>
-                <a:pPr/>
-                <a14:m>
-                  <m:oMathPara xmlns:m="http://schemas.openxmlformats.org/officeDocument/2006/math">
-                    <m:oMathParaPr>
-                      <m:jc m:val="centerGroup"/>
-                    </m:oMathParaPr>
-                    <m:oMath xmlns:m="http://schemas.openxmlformats.org/officeDocument/2006/math">
-                      <m:sSub>
-                        <m:sSubPr>
-                          <m:ctrlPr>
-                            <a:rPr lang="en-US" altLang="zh-CN" sz="1400" b="1" i="1" smtClean="0">
-                              <a:solidFill>
-                                <a:srgbClr val="FF0000"/>
-                              </a:solidFill>
-                              <a:latin typeface="Cambria Math" panose="02040503050406030204" pitchFamily="18" charset="0"/>
-                            </a:rPr>
-                          </m:ctrlPr>
-                        </m:sSubPr>
-                        <m:e>
-                          <m:r>
-                            <a:rPr lang="en-US" altLang="zh-CN" sz="1400" b="1" i="1">
-                              <a:solidFill>
-                                <a:srgbClr val="FF0000"/>
-                              </a:solidFill>
-                              <a:latin typeface="Cambria Math" panose="02040503050406030204" pitchFamily="18" charset="0"/>
-                            </a:rPr>
-                            <m:t>𝒃</m:t>
-                          </m:r>
-                        </m:e>
-                        <m:sub>
-                          <m:r>
-                            <a:rPr lang="en-US" altLang="zh-CN" sz="1400" b="1" i="1">
-                              <a:solidFill>
-                                <a:srgbClr val="FF0000"/>
-                              </a:solidFill>
-                              <a:latin typeface="Cambria Math" panose="02040503050406030204" pitchFamily="18" charset="0"/>
-                            </a:rPr>
-                            <m:t>𝟏</m:t>
-                          </m:r>
-                        </m:sub>
-                      </m:sSub>
-                      <m:r>
-                        <a:rPr lang="en-US" altLang="zh-CN" sz="1400" b="0" i="1" smtClean="0">
-                          <a:latin typeface="Cambria Math" panose="02040503050406030204" pitchFamily="18" charset="0"/>
-                        </a:rPr>
-                        <m:t>=</m:t>
-                      </m:r>
-                      <m:sSub>
-                        <m:sSubPr>
-                          <m:ctrlPr>
-                            <a:rPr lang="en-US" altLang="zh-CN" sz="1400" i="1">
-                              <a:latin typeface="Cambria Math" panose="02040503050406030204" pitchFamily="18" charset="0"/>
-                            </a:rPr>
-                          </m:ctrlPr>
-                        </m:sSubPr>
-                        <m:e>
-                          <m:sSub>
-                            <m:sSubPr>
-                              <m:ctrlPr>
-                                <a:rPr lang="en-US" altLang="zh-CN" sz="1400" i="1">
-                                  <a:latin typeface="Cambria Math" panose="02040503050406030204" pitchFamily="18" charset="0"/>
-                                </a:rPr>
-                              </m:ctrlPr>
-                            </m:sSubPr>
-                            <m:e>
-                              <m:r>
-                                <a:rPr lang="en-US" altLang="zh-CN" sz="1400" i="1">
-                                  <a:latin typeface="Cambria Math" panose="02040503050406030204" pitchFamily="18" charset="0"/>
-                                </a:rPr>
-                                <m:t>𝑏</m:t>
-                              </m:r>
-                            </m:e>
-                            <m:sub>
-                              <m:r>
-                                <a:rPr lang="en-US" altLang="zh-CN" sz="1400" i="1">
-                                  <a:latin typeface="Cambria Math" panose="02040503050406030204" pitchFamily="18" charset="0"/>
-                                </a:rPr>
-                                <m:t>1</m:t>
-                              </m:r>
-                            </m:sub>
-                          </m:sSub>
-                          <m:r>
-                            <a:rPr lang="en-US" altLang="zh-CN" sz="1400" b="0" i="1" smtClean="0">
-                              <a:latin typeface="Cambria Math" panose="02040503050406030204" pitchFamily="18" charset="0"/>
-                            </a:rPr>
-                            <m:t>−</m:t>
-                          </m:r>
-                          <m:r>
-                            <a:rPr lang="zh-CN" altLang="en-US" sz="1400" b="0" i="1" smtClean="0">
-                              <a:latin typeface="Cambria Math" panose="02040503050406030204" pitchFamily="18" charset="0"/>
-                            </a:rPr>
-                            <m:t>𝛼</m:t>
-                          </m:r>
-                          <m:r>
-                            <a:rPr lang="zh-CN" altLang="en-US" sz="1400" b="0" i="1" smtClean="0">
-                              <a:latin typeface="Cambria Math" panose="02040503050406030204" pitchFamily="18" charset="0"/>
-                            </a:rPr>
-                            <m:t>∙</m:t>
-                          </m:r>
-                          <m:r>
-                            <a:rPr lang="en-US" altLang="zh-CN" sz="1400" b="0" i="1" smtClean="0">
-                              <a:latin typeface="Cambria Math" panose="02040503050406030204" pitchFamily="18" charset="0"/>
-                            </a:rPr>
-                            <m:t>𝑑</m:t>
-                          </m:r>
-                          <m:r>
-                            <a:rPr lang="en-US" altLang="zh-CN" sz="1400" i="1">
-                              <a:latin typeface="Cambria Math" panose="02040503050406030204" pitchFamily="18" charset="0"/>
-                            </a:rPr>
-                            <m:t>𝑏</m:t>
-                          </m:r>
-                        </m:e>
-                        <m:sub>
-                          <m:r>
-                            <a:rPr lang="en-US" altLang="zh-CN" sz="1400" i="1">
-                              <a:latin typeface="Cambria Math" panose="02040503050406030204" pitchFamily="18" charset="0"/>
-                            </a:rPr>
-                            <m:t>1</m:t>
-                          </m:r>
-                        </m:sub>
-                      </m:sSub>
-                    </m:oMath>
-                  </m:oMathPara>
-                </a14:m>
-                <a:endParaRPr lang="zh-CN" altLang="en-US" sz="1400" dirty="0"/>
-              </a:p>
-            </p:txBody>
-          </p:sp>
-        </mc:Choice>
-        <mc:Fallback xmlns="">
-          <p:sp>
-            <p:nvSpPr>
-              <p:cNvPr id="69" name="文本框 68">
-                <a:extLst>
-                  <a:ext uri="{FF2B5EF4-FFF2-40B4-BE49-F238E27FC236}">
-                    <a16:creationId xmlns:a16="http://schemas.microsoft.com/office/drawing/2014/main" id="{D5107433-A8A5-D09B-E1F3-A791A82C9743}"/>
-                  </a:ext>
-                </a:extLst>
-              </p:cNvPr>
-              <p:cNvSpPr txBox="1">
-                <a:spLocks noRot="1" noChangeAspect="1" noMove="1" noResize="1" noEditPoints="1" noAdjustHandles="1" noChangeArrowheads="1" noChangeShapeType="1" noTextEdit="1"/>
-              </p:cNvSpPr>
-              <p:nvPr/>
-            </p:nvSpPr>
-            <p:spPr>
-              <a:xfrm>
-                <a:off x="1174817" y="6087167"/>
-                <a:ext cx="2667070" cy="523220"/>
-              </a:xfrm>
-              <a:prstGeom prst="rect">
-                <a:avLst/>
-              </a:prstGeom>
-              <a:blipFill>
-                <a:blip r:embed="rId14"/>
-                <a:stretch>
-                  <a:fillRect/>
-                </a:stretch>
-              </a:blipFill>
-            </p:spPr>
-            <p:txBody>
-              <a:bodyPr/>
-              <a:lstStyle/>
-              <a:p>
-                <a:r>
-                  <a:rPr lang="zh-CN" altLang="en-US">
-                    <a:noFill/>
-                  </a:rPr>
-                  <a:t> </a:t>
-                </a:r>
-              </a:p>
-            </p:txBody>
-          </p:sp>
-        </mc:Fallback>
-      </mc:AlternateContent>
-      <mc:AlternateContent xmlns:mc="http://schemas.openxmlformats.org/markup-compatibility/2006" xmlns:a14="http://schemas.microsoft.com/office/drawing/2010/main">
-        <mc:Choice Requires="a14">
-          <p:sp>
-            <p:nvSpPr>
-              <p:cNvPr id="70" name="文本框 69">
-                <a:extLst>
-                  <a:ext uri="{FF2B5EF4-FFF2-40B4-BE49-F238E27FC236}">
-                    <a16:creationId xmlns:a16="http://schemas.microsoft.com/office/drawing/2014/main" id="{FEC551DD-18DA-5666-2A0B-6A588CEBBD87}"/>
-                  </a:ext>
-                </a:extLst>
-              </p:cNvPr>
-              <p:cNvSpPr txBox="1"/>
-              <p:nvPr/>
-            </p:nvSpPr>
-            <p:spPr>
-              <a:xfrm>
-                <a:off x="3132788" y="6063201"/>
-                <a:ext cx="2667070" cy="523220"/>
-              </a:xfrm>
-              <a:prstGeom prst="rect">
-                <a:avLst/>
-              </a:prstGeom>
-              <a:noFill/>
-            </p:spPr>
-            <p:txBody>
-              <a:bodyPr wrap="square">
-                <a:spAutoFit/>
-              </a:bodyPr>
-              <a:lstStyle/>
-              <a:p>
-                <a:pPr/>
-                <a14:m>
-                  <m:oMathPara xmlns:m="http://schemas.openxmlformats.org/officeDocument/2006/math">
-                    <m:oMathParaPr>
-                      <m:jc m:val="centerGroup"/>
-                    </m:oMathParaPr>
-                    <m:oMath xmlns:m="http://schemas.openxmlformats.org/officeDocument/2006/math">
-                      <m:sSub>
-                        <m:sSubPr>
-                          <m:ctrlPr>
-                            <a:rPr lang="en-US" altLang="zh-CN" sz="1400" b="1" i="1" smtClean="0">
-                              <a:solidFill>
-                                <a:srgbClr val="FF0000"/>
-                              </a:solidFill>
-                              <a:latin typeface="Cambria Math" panose="02040503050406030204" pitchFamily="18" charset="0"/>
-                            </a:rPr>
-                          </m:ctrlPr>
-                        </m:sSubPr>
-                        <m:e>
-                          <m:r>
-                            <a:rPr lang="en-US" altLang="zh-CN" sz="1400" b="1" i="1">
-                              <a:solidFill>
-                                <a:srgbClr val="FF0000"/>
-                              </a:solidFill>
-                              <a:latin typeface="Cambria Math" panose="02040503050406030204" pitchFamily="18" charset="0"/>
-                            </a:rPr>
-                            <m:t>𝑾</m:t>
-                          </m:r>
-                        </m:e>
-                        <m:sub>
-                          <m:r>
-                            <a:rPr lang="en-US" altLang="zh-CN" sz="1400" b="1" i="1" smtClean="0">
-                              <a:solidFill>
-                                <a:srgbClr val="FF0000"/>
-                              </a:solidFill>
-                              <a:latin typeface="Cambria Math" panose="02040503050406030204" pitchFamily="18" charset="0"/>
-                            </a:rPr>
-                            <m:t>𝟐</m:t>
-                          </m:r>
-                        </m:sub>
-                      </m:sSub>
-                      <m:r>
-                        <a:rPr lang="en-US" altLang="zh-CN" sz="1400" b="0" i="1" smtClean="0">
-                          <a:latin typeface="Cambria Math" panose="02040503050406030204" pitchFamily="18" charset="0"/>
-                        </a:rPr>
-                        <m:t>=</m:t>
-                      </m:r>
-                      <m:sSub>
-                        <m:sSubPr>
-                          <m:ctrlPr>
-                            <a:rPr lang="en-US" altLang="zh-CN" sz="1400" i="1">
-                              <a:latin typeface="Cambria Math" panose="02040503050406030204" pitchFamily="18" charset="0"/>
-                            </a:rPr>
-                          </m:ctrlPr>
-                        </m:sSubPr>
-                        <m:e>
-                          <m:r>
-                            <a:rPr lang="en-US" altLang="zh-CN" sz="1400" i="1">
-                              <a:latin typeface="Cambria Math" panose="02040503050406030204" pitchFamily="18" charset="0"/>
-                            </a:rPr>
-                            <m:t>𝑊</m:t>
-                          </m:r>
-                        </m:e>
-                        <m:sub>
-                          <m:r>
-                            <a:rPr lang="en-US" altLang="zh-CN" sz="1400" b="0" i="1" smtClean="0">
-                              <a:latin typeface="Cambria Math" panose="02040503050406030204" pitchFamily="18" charset="0"/>
-                            </a:rPr>
-                            <m:t>2</m:t>
-                          </m:r>
-                        </m:sub>
-                      </m:sSub>
-                      <m:r>
-                        <a:rPr lang="en-US" altLang="zh-CN" sz="1400" b="0" i="1" smtClean="0">
-                          <a:latin typeface="Cambria Math" panose="02040503050406030204" pitchFamily="18" charset="0"/>
-                        </a:rPr>
-                        <m:t>−</m:t>
-                      </m:r>
-                      <m:r>
-                        <a:rPr lang="zh-CN" altLang="en-US" sz="1400" b="0" i="1" smtClean="0">
-                          <a:latin typeface="Cambria Math" panose="02040503050406030204" pitchFamily="18" charset="0"/>
-                        </a:rPr>
-                        <m:t>𝛼</m:t>
-                      </m:r>
-                      <m:r>
-                        <a:rPr lang="zh-CN" altLang="en-US" sz="1400" b="0" i="1" smtClean="0">
-                          <a:latin typeface="Cambria Math" panose="02040503050406030204" pitchFamily="18" charset="0"/>
-                        </a:rPr>
-                        <m:t>∙</m:t>
-                      </m:r>
-                      <m:r>
-                        <a:rPr lang="en-US" altLang="zh-CN" sz="1400" b="0" i="1" smtClean="0">
-                          <a:latin typeface="Cambria Math" panose="02040503050406030204" pitchFamily="18" charset="0"/>
-                        </a:rPr>
-                        <m:t>𝑑</m:t>
-                      </m:r>
-                      <m:sSub>
-                        <m:sSubPr>
-                          <m:ctrlPr>
-                            <a:rPr lang="en-US" altLang="zh-CN" sz="1400" i="1">
-                              <a:latin typeface="Cambria Math" panose="02040503050406030204" pitchFamily="18" charset="0"/>
-                            </a:rPr>
-                          </m:ctrlPr>
-                        </m:sSubPr>
-                        <m:e>
-                          <m:r>
-                            <a:rPr lang="en-US" altLang="zh-CN" sz="1400" i="1">
-                              <a:latin typeface="Cambria Math" panose="02040503050406030204" pitchFamily="18" charset="0"/>
-                            </a:rPr>
-                            <m:t>𝑊</m:t>
-                          </m:r>
-                        </m:e>
-                        <m:sub>
-                          <m:r>
-                            <a:rPr lang="en-US" altLang="zh-CN" sz="1400" b="0" i="1" smtClean="0">
-                              <a:latin typeface="Cambria Math" panose="02040503050406030204" pitchFamily="18" charset="0"/>
-                            </a:rPr>
-                            <m:t>2</m:t>
-                          </m:r>
-                        </m:sub>
-                      </m:sSub>
-                    </m:oMath>
-                  </m:oMathPara>
-                </a14:m>
-                <a:endParaRPr lang="en-US" altLang="zh-CN" sz="1400" i="1" dirty="0">
-                  <a:latin typeface="Cambria Math" panose="02040503050406030204" pitchFamily="18" charset="0"/>
-                </a:endParaRPr>
-              </a:p>
-              <a:p>
-                <a:pPr/>
-                <a14:m>
-                  <m:oMathPara xmlns:m="http://schemas.openxmlformats.org/officeDocument/2006/math">
-                    <m:oMathParaPr>
-                      <m:jc m:val="centerGroup"/>
-                    </m:oMathParaPr>
-                    <m:oMath xmlns:m="http://schemas.openxmlformats.org/officeDocument/2006/math">
-                      <m:sSub>
-                        <m:sSubPr>
-                          <m:ctrlPr>
-                            <a:rPr lang="en-US" altLang="zh-CN" sz="1400" b="1" i="1" smtClean="0">
-                              <a:solidFill>
-                                <a:srgbClr val="FF0000"/>
-                              </a:solidFill>
-                              <a:latin typeface="Cambria Math" panose="02040503050406030204" pitchFamily="18" charset="0"/>
-                            </a:rPr>
-                          </m:ctrlPr>
-                        </m:sSubPr>
-                        <m:e>
-                          <m:r>
-                            <a:rPr lang="en-US" altLang="zh-CN" sz="1400" b="1" i="1">
-                              <a:solidFill>
-                                <a:srgbClr val="FF0000"/>
-                              </a:solidFill>
-                              <a:latin typeface="Cambria Math" panose="02040503050406030204" pitchFamily="18" charset="0"/>
-                            </a:rPr>
-                            <m:t>𝒃</m:t>
-                          </m:r>
-                        </m:e>
-                        <m:sub>
-                          <m:r>
-                            <a:rPr lang="en-US" altLang="zh-CN" sz="1400" b="1" i="1" smtClean="0">
-                              <a:solidFill>
-                                <a:srgbClr val="FF0000"/>
-                              </a:solidFill>
-                              <a:latin typeface="Cambria Math" panose="02040503050406030204" pitchFamily="18" charset="0"/>
-                            </a:rPr>
-                            <m:t>𝟐</m:t>
-                          </m:r>
-                        </m:sub>
-                      </m:sSub>
-                      <m:r>
-                        <a:rPr lang="en-US" altLang="zh-CN" sz="1400" b="0" i="1" smtClean="0">
-                          <a:latin typeface="Cambria Math" panose="02040503050406030204" pitchFamily="18" charset="0"/>
-                        </a:rPr>
-                        <m:t>=</m:t>
-                      </m:r>
-                      <m:sSub>
-                        <m:sSubPr>
-                          <m:ctrlPr>
-                            <a:rPr lang="en-US" altLang="zh-CN" sz="1400" i="1" smtClean="0">
-                              <a:latin typeface="Cambria Math" panose="02040503050406030204" pitchFamily="18" charset="0"/>
-                            </a:rPr>
-                          </m:ctrlPr>
-                        </m:sSubPr>
-                        <m:e>
-                          <m:sSub>
-                            <m:sSubPr>
-                              <m:ctrlPr>
-                                <a:rPr lang="en-US" altLang="zh-CN" sz="1400" i="1">
-                                  <a:latin typeface="Cambria Math" panose="02040503050406030204" pitchFamily="18" charset="0"/>
-                                </a:rPr>
-                              </m:ctrlPr>
-                            </m:sSubPr>
-                            <m:e>
-                              <m:r>
-                                <a:rPr lang="en-US" altLang="zh-CN" sz="1400" i="1">
-                                  <a:latin typeface="Cambria Math" panose="02040503050406030204" pitchFamily="18" charset="0"/>
-                                </a:rPr>
-                                <m:t>𝑏</m:t>
-                              </m:r>
-                            </m:e>
-                            <m:sub>
-                              <m:r>
-                                <a:rPr lang="en-US" altLang="zh-CN" sz="1400" b="0" i="1" smtClean="0">
-                                  <a:latin typeface="Cambria Math" panose="02040503050406030204" pitchFamily="18" charset="0"/>
-                                </a:rPr>
-                                <m:t>2</m:t>
-                              </m:r>
-                            </m:sub>
-                          </m:sSub>
-                          <m:r>
-                            <a:rPr lang="en-US" altLang="zh-CN" sz="1400" b="0" i="1" smtClean="0">
-                              <a:latin typeface="Cambria Math" panose="02040503050406030204" pitchFamily="18" charset="0"/>
-                            </a:rPr>
-                            <m:t>−</m:t>
-                          </m:r>
-                          <m:r>
-                            <a:rPr lang="zh-CN" altLang="en-US" sz="1400" b="0" i="1" smtClean="0">
-                              <a:latin typeface="Cambria Math" panose="02040503050406030204" pitchFamily="18" charset="0"/>
-                            </a:rPr>
-                            <m:t>𝛼</m:t>
-                          </m:r>
-                          <m:r>
-                            <a:rPr lang="zh-CN" altLang="en-US" sz="1400" b="0" i="1" smtClean="0">
-                              <a:latin typeface="Cambria Math" panose="02040503050406030204" pitchFamily="18" charset="0"/>
-                            </a:rPr>
-                            <m:t>∙</m:t>
-                          </m:r>
-                          <m:r>
-                            <a:rPr lang="en-US" altLang="zh-CN" sz="1400" b="0" i="1" smtClean="0">
-                              <a:latin typeface="Cambria Math" panose="02040503050406030204" pitchFamily="18" charset="0"/>
-                            </a:rPr>
-                            <m:t>𝑑</m:t>
-                          </m:r>
-                          <m:r>
-                            <a:rPr lang="en-US" altLang="zh-CN" sz="1400" i="1">
-                              <a:latin typeface="Cambria Math" panose="02040503050406030204" pitchFamily="18" charset="0"/>
-                            </a:rPr>
-                            <m:t>𝑏</m:t>
-                          </m:r>
-                        </m:e>
-                        <m:sub>
-                          <m:r>
-                            <a:rPr lang="en-US" altLang="zh-CN" sz="1400" b="0" i="1" smtClean="0">
-                              <a:latin typeface="Cambria Math" panose="02040503050406030204" pitchFamily="18" charset="0"/>
-                            </a:rPr>
-                            <m:t>2</m:t>
-                          </m:r>
-                        </m:sub>
-                      </m:sSub>
-                    </m:oMath>
-                  </m:oMathPara>
-                </a14:m>
-                <a:endParaRPr lang="zh-CN" altLang="en-US" sz="1400" dirty="0"/>
-              </a:p>
-            </p:txBody>
-          </p:sp>
-        </mc:Choice>
-        <mc:Fallback xmlns="">
-          <p:sp>
-            <p:nvSpPr>
-              <p:cNvPr id="70" name="文本框 69">
-                <a:extLst>
-                  <a:ext uri="{FF2B5EF4-FFF2-40B4-BE49-F238E27FC236}">
-                    <a16:creationId xmlns:a16="http://schemas.microsoft.com/office/drawing/2014/main" id="{FEC551DD-18DA-5666-2A0B-6A588CEBBD87}"/>
-                  </a:ext>
-                </a:extLst>
-              </p:cNvPr>
-              <p:cNvSpPr txBox="1">
-                <a:spLocks noRot="1" noChangeAspect="1" noMove="1" noResize="1" noEditPoints="1" noAdjustHandles="1" noChangeArrowheads="1" noChangeShapeType="1" noTextEdit="1"/>
-              </p:cNvSpPr>
-              <p:nvPr/>
-            </p:nvSpPr>
-            <p:spPr>
-              <a:xfrm>
-                <a:off x="3132788" y="6063201"/>
-                <a:ext cx="2667070" cy="523220"/>
-              </a:xfrm>
-              <a:prstGeom prst="rect">
-                <a:avLst/>
-              </a:prstGeom>
-              <a:blipFill>
-                <a:blip r:embed="rId15"/>
-                <a:stretch>
-                  <a:fillRect/>
-                </a:stretch>
-              </a:blipFill>
-            </p:spPr>
-            <p:txBody>
-              <a:bodyPr/>
-              <a:lstStyle/>
-              <a:p>
-                <a:r>
-                  <a:rPr lang="zh-CN" altLang="en-US">
-                    <a:noFill/>
-                  </a:rPr>
-                  <a:t> </a:t>
-                </a:r>
-              </a:p>
-            </p:txBody>
-          </p:sp>
-        </mc:Fallback>
-      </mc:AlternateContent>
-      <p:sp>
-        <p:nvSpPr>
-          <p:cNvPr id="71" name="箭头: 右 70">
-            <a:extLst>
-              <a:ext uri="{FF2B5EF4-FFF2-40B4-BE49-F238E27FC236}">
-                <a16:creationId xmlns:a16="http://schemas.microsoft.com/office/drawing/2014/main" id="{55302AAC-370F-07B1-8438-2DF437F19D95}"/>
-              </a:ext>
-            </a:extLst>
-          </p:cNvPr>
-          <p:cNvSpPr/>
-          <p:nvPr/>
-        </p:nvSpPr>
-        <p:spPr>
-          <a:xfrm>
-            <a:off x="5111611" y="3500671"/>
-            <a:ext cx="424443" cy="307777"/>
-          </a:xfrm>
-          <a:prstGeom prst="rightArrow">
-            <a:avLst/>
-          </a:prstGeom>
-        </p:spPr>
-        <p:style>
-          <a:lnRef idx="2">
-            <a:schemeClr val="accent1">
-              <a:shade val="15000"/>
-            </a:schemeClr>
-          </a:lnRef>
-          <a:fillRef idx="1">
-            <a:schemeClr val="accent1"/>
-          </a:fillRef>
-          <a:effectRef idx="0">
-            <a:schemeClr val="accent1"/>
-          </a:effectRef>
-          <a:fontRef idx="minor">
-            <a:schemeClr val="lt1"/>
-          </a:fontRef>
-        </p:style>
-        <p:txBody>
-          <a:bodyPr rtlCol="0" anchor="ctr"/>
-          <a:lstStyle/>
-          <a:p>
-            <a:pPr algn="ctr"/>
-            <a:endParaRPr lang="zh-CN" altLang="en-US"/>
-          </a:p>
-        </p:txBody>
-      </p:sp>
-      <p:sp>
-        <p:nvSpPr>
-          <p:cNvPr id="72" name="箭头: 左 71">
-            <a:extLst>
-              <a:ext uri="{FF2B5EF4-FFF2-40B4-BE49-F238E27FC236}">
-                <a16:creationId xmlns:a16="http://schemas.microsoft.com/office/drawing/2014/main" id="{0472806A-078A-D26E-E5F8-442B72A6B179}"/>
-              </a:ext>
-            </a:extLst>
-          </p:cNvPr>
-          <p:cNvSpPr/>
-          <p:nvPr/>
-        </p:nvSpPr>
-        <p:spPr>
-          <a:xfrm>
-            <a:off x="5090194" y="4710025"/>
-            <a:ext cx="424443" cy="307174"/>
-          </a:xfrm>
-          <a:prstGeom prst="leftArrow">
-            <a:avLst/>
-          </a:prstGeom>
-          <a:solidFill>
-            <a:srgbClr val="FF0000"/>
-          </a:solidFill>
-        </p:spPr>
-        <p:style>
-          <a:lnRef idx="2">
-            <a:schemeClr val="accent1">
-              <a:shade val="15000"/>
-            </a:schemeClr>
-          </a:lnRef>
-          <a:fillRef idx="1">
-            <a:schemeClr val="accent1"/>
-          </a:fillRef>
-          <a:effectRef idx="0">
-            <a:schemeClr val="accent1"/>
-          </a:effectRef>
-          <a:fontRef idx="minor">
-            <a:schemeClr val="lt1"/>
-          </a:fontRef>
-        </p:style>
-        <p:txBody>
-          <a:bodyPr rtlCol="0" anchor="ctr"/>
-          <a:lstStyle/>
-          <a:p>
-            <a:pPr algn="ctr"/>
-            <a:endParaRPr lang="zh-CN" altLang="en-US"/>
-          </a:p>
-        </p:txBody>
-      </p:sp>
-      <mc:AlternateContent xmlns:mc="http://schemas.openxmlformats.org/markup-compatibility/2006" xmlns:a14="http://schemas.microsoft.com/office/drawing/2010/main">
-        <mc:Choice Requires="a14">
-          <p:sp>
-            <p:nvSpPr>
-              <p:cNvPr id="74" name="矩形: 圆角 73">
-                <a:extLst>
-                  <a:ext uri="{FF2B5EF4-FFF2-40B4-BE49-F238E27FC236}">
-                    <a16:creationId xmlns:a16="http://schemas.microsoft.com/office/drawing/2014/main" id="{03871518-F077-B9D0-49D4-FE3B9ADB1196}"/>
-                  </a:ext>
-                </a:extLst>
-              </p:cNvPr>
-              <p:cNvSpPr/>
-              <p:nvPr/>
-            </p:nvSpPr>
-            <p:spPr>
-              <a:xfrm>
-                <a:off x="7238583" y="3333715"/>
-                <a:ext cx="1258432" cy="655744"/>
-              </a:xfrm>
-              <a:prstGeom prst="roundRect">
-                <a:avLst/>
-              </a:prstGeom>
-            </p:spPr>
-            <p:style>
-              <a:lnRef idx="2">
-                <a:schemeClr val="accent1">
-                  <a:shade val="15000"/>
-                </a:schemeClr>
-              </a:lnRef>
-              <a:fillRef idx="1">
-                <a:schemeClr val="accent1"/>
-              </a:fillRef>
-              <a:effectRef idx="0">
-                <a:schemeClr val="accent1"/>
-              </a:effectRef>
-              <a:fontRef idx="minor">
-                <a:schemeClr val="lt1"/>
-              </a:fontRef>
-            </p:style>
-            <p:txBody>
-              <a:bodyPr rtlCol="0" anchor="ctr"/>
-              <a:lstStyle/>
-              <a:p>
-                <a:pPr algn="ctr"/>
-                <a14:m>
-                  <m:oMathPara xmlns:m="http://schemas.openxmlformats.org/officeDocument/2006/math">
-                    <m:oMathParaPr>
-                      <m:jc m:val="centerGroup"/>
-                    </m:oMathParaPr>
-                    <m:oMath xmlns:m="http://schemas.openxmlformats.org/officeDocument/2006/math">
-                      <m:sSub>
-                        <m:sSubPr>
-                          <m:ctrlPr>
-                            <a:rPr lang="en-US" altLang="zh-CN" sz="1400" i="1" smtClean="0">
-                              <a:latin typeface="Cambria Math" panose="02040503050406030204" pitchFamily="18" charset="0"/>
-                            </a:rPr>
-                          </m:ctrlPr>
-                        </m:sSubPr>
-                        <m:e>
-                          <m:r>
-                            <a:rPr lang="en-US" altLang="zh-CN" sz="1400" b="0" i="1" smtClean="0">
-                              <a:latin typeface="Cambria Math" panose="02040503050406030204" pitchFamily="18" charset="0"/>
-                            </a:rPr>
-                            <m:t>𝑊</m:t>
-                          </m:r>
-                        </m:e>
-                        <m:sub>
-                          <m:r>
-                            <a:rPr lang="en-US" altLang="zh-CN" sz="1400" b="0" i="1" smtClean="0">
-                              <a:latin typeface="Cambria Math" panose="02040503050406030204" pitchFamily="18" charset="0"/>
-                            </a:rPr>
-                            <m:t>𝐿</m:t>
-                          </m:r>
-                        </m:sub>
-                      </m:sSub>
-                      <m:r>
-                        <a:rPr lang="en-US" altLang="zh-CN" sz="1400" b="0" i="1" smtClean="0">
-                          <a:latin typeface="Cambria Math" panose="02040503050406030204" pitchFamily="18" charset="0"/>
-                        </a:rPr>
-                        <m:t>,</m:t>
-                      </m:r>
-                      <m:sSub>
-                        <m:sSubPr>
-                          <m:ctrlPr>
-                            <a:rPr lang="en-US" altLang="zh-CN" sz="1400" i="1">
-                              <a:latin typeface="Cambria Math" panose="02040503050406030204" pitchFamily="18" charset="0"/>
-                            </a:rPr>
-                          </m:ctrlPr>
-                        </m:sSubPr>
-                        <m:e>
-                          <m:r>
-                            <a:rPr lang="en-US" altLang="zh-CN" sz="1400" b="0" i="1" smtClean="0">
-                              <a:latin typeface="Cambria Math" panose="02040503050406030204" pitchFamily="18" charset="0"/>
-                            </a:rPr>
-                            <m:t>𝑏</m:t>
-                          </m:r>
-                        </m:e>
-                        <m:sub>
-                          <m:r>
-                            <a:rPr lang="en-US" altLang="zh-CN" sz="1400" b="0" i="1" smtClean="0">
-                              <a:latin typeface="Cambria Math" panose="02040503050406030204" pitchFamily="18" charset="0"/>
-                            </a:rPr>
-                            <m:t>𝐿</m:t>
-                          </m:r>
-                        </m:sub>
-                      </m:sSub>
-                    </m:oMath>
-                  </m:oMathPara>
-                </a14:m>
-                <a:endParaRPr lang="zh-CN" altLang="en-US" sz="1400" dirty="0"/>
-              </a:p>
-            </p:txBody>
-          </p:sp>
-        </mc:Choice>
-        <mc:Fallback xmlns="">
-          <p:sp>
-            <p:nvSpPr>
-              <p:cNvPr id="74" name="矩形: 圆角 73">
-                <a:extLst>
-                  <a:ext uri="{FF2B5EF4-FFF2-40B4-BE49-F238E27FC236}">
-                    <a16:creationId xmlns:a16="http://schemas.microsoft.com/office/drawing/2014/main" id="{03871518-F077-B9D0-49D4-FE3B9ADB1196}"/>
-                  </a:ext>
-                </a:extLst>
-              </p:cNvPr>
-              <p:cNvSpPr>
-                <a:spLocks noRot="1" noChangeAspect="1" noMove="1" noResize="1" noEditPoints="1" noAdjustHandles="1" noChangeArrowheads="1" noChangeShapeType="1" noTextEdit="1"/>
-              </p:cNvSpPr>
-              <p:nvPr/>
-            </p:nvSpPr>
-            <p:spPr>
-              <a:xfrm>
-                <a:off x="7238583" y="3333715"/>
-                <a:ext cx="1258432" cy="655744"/>
-              </a:xfrm>
-              <a:prstGeom prst="roundRect">
-                <a:avLst/>
-              </a:prstGeom>
-              <a:blipFill>
-                <a:blip r:embed="rId16"/>
-                <a:stretch>
-                  <a:fillRect/>
-                </a:stretch>
-              </a:blipFill>
-            </p:spPr>
-            <p:txBody>
-              <a:bodyPr/>
-              <a:lstStyle/>
-              <a:p>
-                <a:r>
-                  <a:rPr lang="zh-CN" altLang="en-US">
-                    <a:noFill/>
-                  </a:rPr>
-                  <a:t> </a:t>
-                </a:r>
-              </a:p>
-            </p:txBody>
-          </p:sp>
-        </mc:Fallback>
-      </mc:AlternateContent>
-      <p:sp>
-        <p:nvSpPr>
-          <p:cNvPr id="75" name="文本框 74">
-            <a:extLst>
-              <a:ext uri="{FF2B5EF4-FFF2-40B4-BE49-F238E27FC236}">
-                <a16:creationId xmlns:a16="http://schemas.microsoft.com/office/drawing/2014/main" id="{1CE4F6CB-ABBE-ED44-00B6-B03B82E923D3}"/>
-              </a:ext>
-            </a:extLst>
-          </p:cNvPr>
-          <p:cNvSpPr txBox="1"/>
-          <p:nvPr/>
-        </p:nvSpPr>
-        <p:spPr>
-          <a:xfrm>
-            <a:off x="7353916" y="2892999"/>
-            <a:ext cx="1325062" cy="307777"/>
-          </a:xfrm>
-          <a:prstGeom prst="rect">
-            <a:avLst/>
-          </a:prstGeom>
-          <a:noFill/>
-        </p:spPr>
-        <p:txBody>
-          <a:bodyPr wrap="square">
-            <a:spAutoFit/>
-          </a:bodyPr>
-          <a:lstStyle/>
-          <a:p>
-            <a:r>
-              <a:rPr lang="en-US" altLang="zh-CN" sz="1400" b="1" dirty="0">
-                <a:latin typeface="+mn-ea"/>
-              </a:rPr>
-              <a:t>Layer L</a:t>
-            </a:r>
-            <a:endParaRPr lang="zh-CN" altLang="en-US" sz="1400" dirty="0"/>
-          </a:p>
-        </p:txBody>
-      </p:sp>
-      <mc:AlternateContent xmlns:mc="http://schemas.openxmlformats.org/markup-compatibility/2006" xmlns:a14="http://schemas.microsoft.com/office/drawing/2010/main">
-        <mc:Choice Requires="a14">
-          <p:sp>
-            <p:nvSpPr>
-              <p:cNvPr id="76" name="矩形: 圆角 75">
-                <a:extLst>
-                  <a:ext uri="{FF2B5EF4-FFF2-40B4-BE49-F238E27FC236}">
-                    <a16:creationId xmlns:a16="http://schemas.microsoft.com/office/drawing/2014/main" id="{120CDA24-70C1-C6F4-5F83-0BFA33F0E9B0}"/>
-                  </a:ext>
-                </a:extLst>
-              </p:cNvPr>
-              <p:cNvSpPr/>
-              <p:nvPr/>
-            </p:nvSpPr>
-            <p:spPr>
-              <a:xfrm>
-                <a:off x="7238057" y="4496011"/>
-                <a:ext cx="1258432" cy="655744"/>
-              </a:xfrm>
-              <a:prstGeom prst="roundRect">
-                <a:avLst/>
-              </a:prstGeom>
-            </p:spPr>
-            <p:style>
-              <a:lnRef idx="2">
-                <a:schemeClr val="accent1">
-                  <a:shade val="15000"/>
-                </a:schemeClr>
-              </a:lnRef>
-              <a:fillRef idx="1">
-                <a:schemeClr val="accent1"/>
-              </a:fillRef>
-              <a:effectRef idx="0">
-                <a:schemeClr val="accent1"/>
-              </a:effectRef>
-              <a:fontRef idx="minor">
-                <a:schemeClr val="lt1"/>
-              </a:fontRef>
-            </p:style>
-            <p:txBody>
-              <a:bodyPr rtlCol="0" anchor="ctr"/>
-              <a:lstStyle/>
-              <a:p>
-                <a:pPr algn="ctr"/>
-                <a14:m>
-                  <m:oMathPara xmlns:m="http://schemas.openxmlformats.org/officeDocument/2006/math">
-                    <m:oMathParaPr>
-                      <m:jc m:val="centerGroup"/>
-                    </m:oMathParaPr>
-                    <m:oMath xmlns:m="http://schemas.openxmlformats.org/officeDocument/2006/math">
-                      <m:sSub>
-                        <m:sSubPr>
-                          <m:ctrlPr>
-                            <a:rPr lang="en-US" altLang="zh-CN" sz="1400" i="1" smtClean="0">
-                              <a:latin typeface="Cambria Math" panose="02040503050406030204" pitchFamily="18" charset="0"/>
-                            </a:rPr>
-                          </m:ctrlPr>
-                        </m:sSubPr>
-                        <m:e>
-                          <m:r>
-                            <a:rPr lang="en-US" altLang="zh-CN" sz="1400" i="1">
-                              <a:latin typeface="Cambria Math" panose="02040503050406030204" pitchFamily="18" charset="0"/>
-                            </a:rPr>
-                            <m:t>𝑊</m:t>
-                          </m:r>
-                        </m:e>
-                        <m:sub>
-                          <m:r>
-                            <a:rPr lang="en-US" altLang="zh-CN" sz="1400" b="0" i="1" smtClean="0">
-                              <a:latin typeface="Cambria Math" panose="02040503050406030204" pitchFamily="18" charset="0"/>
-                            </a:rPr>
-                            <m:t>𝐿</m:t>
-                          </m:r>
-                        </m:sub>
-                      </m:sSub>
-                      <m:r>
-                        <a:rPr lang="en-US" altLang="zh-CN" sz="1400" i="1">
-                          <a:latin typeface="Cambria Math" panose="02040503050406030204" pitchFamily="18" charset="0"/>
-                        </a:rPr>
-                        <m:t>,</m:t>
-                      </m:r>
-                      <m:sSub>
-                        <m:sSubPr>
-                          <m:ctrlPr>
-                            <a:rPr lang="en-US" altLang="zh-CN" sz="1400" i="1">
-                              <a:latin typeface="Cambria Math" panose="02040503050406030204" pitchFamily="18" charset="0"/>
-                            </a:rPr>
-                          </m:ctrlPr>
-                        </m:sSubPr>
-                        <m:e>
-                          <m:r>
-                            <a:rPr lang="en-US" altLang="zh-CN" sz="1400" i="1">
-                              <a:latin typeface="Cambria Math" panose="02040503050406030204" pitchFamily="18" charset="0"/>
-                            </a:rPr>
-                            <m:t>𝑏</m:t>
-                          </m:r>
-                        </m:e>
-                        <m:sub>
-                          <m:r>
-                            <a:rPr lang="en-US" altLang="zh-CN" sz="1400" b="0" i="1" smtClean="0">
-                              <a:latin typeface="Cambria Math" panose="02040503050406030204" pitchFamily="18" charset="0"/>
-                            </a:rPr>
-                            <m:t>𝐿</m:t>
-                          </m:r>
-                        </m:sub>
-                      </m:sSub>
-                    </m:oMath>
-                  </m:oMathPara>
-                </a14:m>
-                <a:endParaRPr lang="zh-CN" altLang="en-US" sz="1400" dirty="0"/>
-              </a:p>
-            </p:txBody>
-          </p:sp>
-        </mc:Choice>
-        <mc:Fallback xmlns="">
-          <p:sp>
-            <p:nvSpPr>
-              <p:cNvPr id="76" name="矩形: 圆角 75">
-                <a:extLst>
-                  <a:ext uri="{FF2B5EF4-FFF2-40B4-BE49-F238E27FC236}">
-                    <a16:creationId xmlns:a16="http://schemas.microsoft.com/office/drawing/2014/main" id="{120CDA24-70C1-C6F4-5F83-0BFA33F0E9B0}"/>
-                  </a:ext>
-                </a:extLst>
-              </p:cNvPr>
-              <p:cNvSpPr>
-                <a:spLocks noRot="1" noChangeAspect="1" noMove="1" noResize="1" noEditPoints="1" noAdjustHandles="1" noChangeArrowheads="1" noChangeShapeType="1" noTextEdit="1"/>
-              </p:cNvSpPr>
-              <p:nvPr/>
-            </p:nvSpPr>
-            <p:spPr>
-              <a:xfrm>
-                <a:off x="7238057" y="4496011"/>
-                <a:ext cx="1258432" cy="655744"/>
-              </a:xfrm>
-              <a:prstGeom prst="roundRect">
-                <a:avLst/>
-              </a:prstGeom>
-              <a:blipFill>
-                <a:blip r:embed="rId16"/>
-                <a:stretch>
-                  <a:fillRect/>
-                </a:stretch>
-              </a:blipFill>
-            </p:spPr>
-            <p:txBody>
-              <a:bodyPr/>
-              <a:lstStyle/>
-              <a:p>
-                <a:r>
-                  <a:rPr lang="zh-CN" altLang="en-US">
-                    <a:noFill/>
-                  </a:rPr>
-                  <a:t> </a:t>
-                </a:r>
-              </a:p>
-            </p:txBody>
-          </p:sp>
-        </mc:Fallback>
-      </mc:AlternateContent>
-      <p:sp>
-        <p:nvSpPr>
-          <p:cNvPr id="77" name="箭头: 下 76">
-            <a:extLst>
-              <a:ext uri="{FF2B5EF4-FFF2-40B4-BE49-F238E27FC236}">
-                <a16:creationId xmlns:a16="http://schemas.microsoft.com/office/drawing/2014/main" id="{F06A44D0-C920-678B-11BA-CE2785D52EA5}"/>
-              </a:ext>
-            </a:extLst>
-          </p:cNvPr>
-          <p:cNvSpPr/>
-          <p:nvPr/>
-        </p:nvSpPr>
-        <p:spPr>
-          <a:xfrm>
-            <a:off x="7833343" y="4043779"/>
-            <a:ext cx="183104" cy="397911"/>
-          </a:xfrm>
-          <a:prstGeom prst="downArrow">
-            <a:avLst/>
-          </a:prstGeom>
-        </p:spPr>
-        <p:style>
-          <a:lnRef idx="2">
-            <a:schemeClr val="accent1">
-              <a:shade val="15000"/>
-            </a:schemeClr>
-          </a:lnRef>
-          <a:fillRef idx="1">
-            <a:schemeClr val="accent1"/>
-          </a:fillRef>
-          <a:effectRef idx="0">
-            <a:schemeClr val="accent1"/>
-          </a:effectRef>
-          <a:fontRef idx="minor">
-            <a:schemeClr val="lt1"/>
-          </a:fontRef>
-        </p:style>
-        <p:txBody>
-          <a:bodyPr rtlCol="0" anchor="ctr"/>
-          <a:lstStyle/>
-          <a:p>
-            <a:pPr algn="ctr"/>
-            <a:endParaRPr lang="zh-CN" altLang="en-US"/>
-          </a:p>
-        </p:txBody>
-      </p:sp>
-      <p:sp>
-        <p:nvSpPr>
-          <p:cNvPr id="78" name="箭头: 左 77">
-            <a:extLst>
-              <a:ext uri="{FF2B5EF4-FFF2-40B4-BE49-F238E27FC236}">
-                <a16:creationId xmlns:a16="http://schemas.microsoft.com/office/drawing/2014/main" id="{20391284-F7CA-0F8D-4F5F-46617268A376}"/>
-              </a:ext>
-            </a:extLst>
-          </p:cNvPr>
-          <p:cNvSpPr/>
-          <p:nvPr/>
-        </p:nvSpPr>
-        <p:spPr>
-          <a:xfrm rot="16200000">
-            <a:off x="7793222" y="5193992"/>
-            <a:ext cx="265388" cy="307777"/>
-          </a:xfrm>
-          <a:prstGeom prst="leftArrow">
-            <a:avLst/>
-          </a:prstGeom>
-          <a:solidFill>
-            <a:srgbClr val="FF0000"/>
-          </a:solidFill>
-        </p:spPr>
-        <p:style>
-          <a:lnRef idx="2">
-            <a:schemeClr val="accent1">
-              <a:shade val="15000"/>
-            </a:schemeClr>
-          </a:lnRef>
-          <a:fillRef idx="1">
-            <a:schemeClr val="accent1"/>
-          </a:fillRef>
-          <a:effectRef idx="0">
-            <a:schemeClr val="accent1"/>
-          </a:effectRef>
-          <a:fontRef idx="minor">
-            <a:schemeClr val="lt1"/>
-          </a:fontRef>
-        </p:style>
-        <p:txBody>
-          <a:bodyPr rtlCol="0" anchor="ctr"/>
-          <a:lstStyle/>
-          <a:p>
-            <a:pPr algn="ctr"/>
-            <a:endParaRPr lang="zh-CN" altLang="en-US"/>
-          </a:p>
-        </p:txBody>
-      </p:sp>
-      <mc:AlternateContent xmlns:mc="http://schemas.openxmlformats.org/markup-compatibility/2006" xmlns:a14="http://schemas.microsoft.com/office/drawing/2010/main">
-        <mc:Choice Requires="a14">
-          <p:sp>
-            <p:nvSpPr>
-              <p:cNvPr id="79" name="文本框 78">
-                <a:extLst>
-                  <a:ext uri="{FF2B5EF4-FFF2-40B4-BE49-F238E27FC236}">
-                    <a16:creationId xmlns:a16="http://schemas.microsoft.com/office/drawing/2014/main" id="{17E95686-A85D-2B29-FD33-51C6D2178627}"/>
-                  </a:ext>
-                </a:extLst>
-              </p:cNvPr>
-              <p:cNvSpPr txBox="1"/>
-              <p:nvPr/>
-            </p:nvSpPr>
-            <p:spPr>
-              <a:xfrm>
-                <a:off x="7128595" y="5458537"/>
-                <a:ext cx="1523223" cy="307777"/>
-              </a:xfrm>
-              <a:prstGeom prst="rect">
-                <a:avLst/>
-              </a:prstGeom>
-              <a:noFill/>
-            </p:spPr>
-            <p:txBody>
-              <a:bodyPr wrap="square">
-                <a:spAutoFit/>
-              </a:bodyPr>
-              <a:lstStyle/>
-              <a:p>
-                <a:pPr/>
-                <a14:m>
-                  <m:oMathPara xmlns:m="http://schemas.openxmlformats.org/officeDocument/2006/math">
-                    <m:oMathParaPr>
-                      <m:jc m:val="centerGroup"/>
-                    </m:oMathParaPr>
-                    <m:oMath xmlns:m="http://schemas.openxmlformats.org/officeDocument/2006/math">
-                      <m:sSub>
-                        <m:sSubPr>
-                          <m:ctrlPr>
-                            <a:rPr lang="en-US" altLang="zh-CN" sz="1400" i="1" smtClean="0">
-                              <a:latin typeface="Cambria Math" panose="02040503050406030204" pitchFamily="18" charset="0"/>
-                            </a:rPr>
-                          </m:ctrlPr>
-                        </m:sSubPr>
-                        <m:e>
-                          <m:r>
-                            <a:rPr lang="en-US" altLang="zh-CN" sz="1400" b="0" i="1" smtClean="0">
-                              <a:latin typeface="Cambria Math" panose="02040503050406030204" pitchFamily="18" charset="0"/>
-                            </a:rPr>
-                            <m:t>𝑑</m:t>
-                          </m:r>
-                          <m:r>
-                            <a:rPr lang="en-US" altLang="zh-CN" sz="1400" i="1">
-                              <a:latin typeface="Cambria Math" panose="02040503050406030204" pitchFamily="18" charset="0"/>
-                            </a:rPr>
-                            <m:t>𝑊</m:t>
-                          </m:r>
-                        </m:e>
-                        <m:sub>
-                          <m:r>
-                            <a:rPr lang="en-US" altLang="zh-CN" sz="1400" b="0" i="1" smtClean="0">
-                              <a:latin typeface="Cambria Math" panose="02040503050406030204" pitchFamily="18" charset="0"/>
-                            </a:rPr>
-                            <m:t>𝐿</m:t>
-                          </m:r>
-                        </m:sub>
-                      </m:sSub>
-                      <m:r>
-                        <a:rPr lang="en-US" altLang="zh-CN" sz="1400" i="1">
-                          <a:latin typeface="Cambria Math" panose="02040503050406030204" pitchFamily="18" charset="0"/>
-                        </a:rPr>
-                        <m:t>,</m:t>
-                      </m:r>
-                      <m:sSub>
-                        <m:sSubPr>
-                          <m:ctrlPr>
-                            <a:rPr lang="en-US" altLang="zh-CN" sz="1400" i="1">
-                              <a:latin typeface="Cambria Math" panose="02040503050406030204" pitchFamily="18" charset="0"/>
-                            </a:rPr>
-                          </m:ctrlPr>
-                        </m:sSubPr>
-                        <m:e>
-                          <m:r>
-                            <a:rPr lang="en-US" altLang="zh-CN" sz="1400" b="0" i="1" smtClean="0">
-                              <a:latin typeface="Cambria Math" panose="02040503050406030204" pitchFamily="18" charset="0"/>
-                            </a:rPr>
-                            <m:t>𝑑</m:t>
-                          </m:r>
-                          <m:r>
-                            <a:rPr lang="en-US" altLang="zh-CN" sz="1400" i="1">
-                              <a:latin typeface="Cambria Math" panose="02040503050406030204" pitchFamily="18" charset="0"/>
-                            </a:rPr>
-                            <m:t>𝑏</m:t>
-                          </m:r>
-                        </m:e>
-                        <m:sub>
-                          <m:r>
-                            <a:rPr lang="en-US" altLang="zh-CN" sz="1400" b="0" i="1" smtClean="0">
-                              <a:latin typeface="Cambria Math" panose="02040503050406030204" pitchFamily="18" charset="0"/>
-                            </a:rPr>
-                            <m:t>𝐿</m:t>
-                          </m:r>
-                        </m:sub>
-                      </m:sSub>
-                    </m:oMath>
-                  </m:oMathPara>
-                </a14:m>
-                <a:endParaRPr lang="zh-CN" altLang="en-US" sz="1400" dirty="0"/>
-              </a:p>
-            </p:txBody>
-          </p:sp>
-        </mc:Choice>
-        <mc:Fallback xmlns="">
-          <p:sp>
-            <p:nvSpPr>
-              <p:cNvPr id="79" name="文本框 78">
-                <a:extLst>
-                  <a:ext uri="{FF2B5EF4-FFF2-40B4-BE49-F238E27FC236}">
-                    <a16:creationId xmlns:a16="http://schemas.microsoft.com/office/drawing/2014/main" id="{17E95686-A85D-2B29-FD33-51C6D2178627}"/>
-                  </a:ext>
-                </a:extLst>
-              </p:cNvPr>
-              <p:cNvSpPr txBox="1">
-                <a:spLocks noRot="1" noChangeAspect="1" noMove="1" noResize="1" noEditPoints="1" noAdjustHandles="1" noChangeArrowheads="1" noChangeShapeType="1" noTextEdit="1"/>
-              </p:cNvSpPr>
-              <p:nvPr/>
-            </p:nvSpPr>
-            <p:spPr>
-              <a:xfrm>
-                <a:off x="7128595" y="5458537"/>
-                <a:ext cx="1523223" cy="307777"/>
-              </a:xfrm>
-              <a:prstGeom prst="rect">
-                <a:avLst/>
-              </a:prstGeom>
-              <a:blipFill>
-                <a:blip r:embed="rId17"/>
-                <a:stretch>
-                  <a:fillRect/>
-                </a:stretch>
-              </a:blipFill>
-            </p:spPr>
-            <p:txBody>
-              <a:bodyPr/>
-              <a:lstStyle/>
-              <a:p>
-                <a:r>
-                  <a:rPr lang="zh-CN" altLang="en-US">
-                    <a:noFill/>
-                  </a:rPr>
-                  <a:t> </a:t>
-                </a:r>
-              </a:p>
-            </p:txBody>
-          </p:sp>
-        </mc:Fallback>
-      </mc:AlternateContent>
-      <p:sp>
-        <p:nvSpPr>
-          <p:cNvPr id="80" name="箭头: 右 79">
-            <a:extLst>
-              <a:ext uri="{FF2B5EF4-FFF2-40B4-BE49-F238E27FC236}">
-                <a16:creationId xmlns:a16="http://schemas.microsoft.com/office/drawing/2014/main" id="{CD006314-F816-48B8-5231-5F56E2645FCC}"/>
-              </a:ext>
-            </a:extLst>
-          </p:cNvPr>
-          <p:cNvSpPr/>
-          <p:nvPr/>
-        </p:nvSpPr>
-        <p:spPr>
-          <a:xfrm>
-            <a:off x="6759455" y="3507698"/>
-            <a:ext cx="424443" cy="307777"/>
-          </a:xfrm>
-          <a:prstGeom prst="rightArrow">
-            <a:avLst/>
-          </a:prstGeom>
-        </p:spPr>
-        <p:style>
-          <a:lnRef idx="2">
-            <a:schemeClr val="accent1">
-              <a:shade val="15000"/>
-            </a:schemeClr>
-          </a:lnRef>
-          <a:fillRef idx="1">
-            <a:schemeClr val="accent1"/>
-          </a:fillRef>
-          <a:effectRef idx="0">
-            <a:schemeClr val="accent1"/>
-          </a:effectRef>
-          <a:fontRef idx="minor">
-            <a:schemeClr val="lt1"/>
-          </a:fontRef>
-        </p:style>
-        <p:txBody>
-          <a:bodyPr rtlCol="0" anchor="ctr"/>
-          <a:lstStyle/>
-          <a:p>
-            <a:pPr algn="ctr"/>
-            <a:endParaRPr lang="zh-CN" altLang="en-US"/>
-          </a:p>
-        </p:txBody>
-      </p:sp>
-      <mc:AlternateContent xmlns:mc="http://schemas.openxmlformats.org/markup-compatibility/2006" xmlns:a14="http://schemas.microsoft.com/office/drawing/2010/main">
-        <mc:Choice Requires="a14">
-          <p:sp>
-            <p:nvSpPr>
-              <p:cNvPr id="81" name="文本框 80">
-                <a:extLst>
-                  <a:ext uri="{FF2B5EF4-FFF2-40B4-BE49-F238E27FC236}">
-                    <a16:creationId xmlns:a16="http://schemas.microsoft.com/office/drawing/2014/main" id="{94FD4DEB-E3B0-8D36-3D2B-A3CF69C2DF56}"/>
-                  </a:ext>
-                </a:extLst>
-              </p:cNvPr>
-              <p:cNvSpPr txBox="1"/>
-              <p:nvPr/>
-            </p:nvSpPr>
-            <p:spPr>
-              <a:xfrm>
-                <a:off x="6724824" y="4047594"/>
-                <a:ext cx="1331923" cy="338554"/>
-              </a:xfrm>
-              <a:prstGeom prst="rect">
-                <a:avLst/>
-              </a:prstGeom>
-              <a:noFill/>
-            </p:spPr>
-            <p:txBody>
-              <a:bodyPr wrap="square">
-                <a:spAutoFit/>
-              </a:bodyPr>
-              <a:lstStyle/>
-              <a:p>
-                <a:r>
-                  <a:rPr lang="zh-CN" altLang="en-US" sz="1200" b="1" dirty="0">
-                    <a:latin typeface="+mn-ea"/>
-                  </a:rPr>
-                  <a:t>中间变量</a:t>
-                </a:r>
-                <a14:m>
-                  <m:oMath xmlns:m="http://schemas.openxmlformats.org/officeDocument/2006/math">
-                    <m:r>
-                      <m:rPr>
-                        <m:sty m:val="p"/>
-                      </m:rPr>
-                      <a:rPr lang="en-US" altLang="zh-CN" sz="1600" b="0" i="0" smtClean="0">
-                        <a:latin typeface="Cambria Math" panose="02040503050406030204" pitchFamily="18" charset="0"/>
-                      </a:rPr>
-                      <m:t>d</m:t>
-                    </m:r>
-                    <m:sSub>
-                      <m:sSubPr>
-                        <m:ctrlPr>
-                          <a:rPr lang="en-US" altLang="zh-CN" sz="1600" b="0" i="1" smtClean="0">
-                            <a:latin typeface="Cambria Math" panose="02040503050406030204" pitchFamily="18" charset="0"/>
-                          </a:rPr>
-                        </m:ctrlPr>
-                      </m:sSubPr>
-                      <m:e>
-                        <m:r>
-                          <a:rPr lang="en-US" altLang="zh-CN" sz="1600" b="0" i="1" smtClean="0">
-                            <a:latin typeface="Cambria Math" panose="02040503050406030204" pitchFamily="18" charset="0"/>
-                          </a:rPr>
-                          <m:t>𝑧</m:t>
-                        </m:r>
-                      </m:e>
-                      <m:sub>
-                        <m:r>
-                          <a:rPr lang="en-US" altLang="zh-CN" sz="1600" b="0" i="1" smtClean="0">
-                            <a:latin typeface="Cambria Math" panose="02040503050406030204" pitchFamily="18" charset="0"/>
-                          </a:rPr>
-                          <m:t>𝐿</m:t>
-                        </m:r>
-                      </m:sub>
-                    </m:sSub>
-                  </m:oMath>
-                </a14:m>
-                <a:endParaRPr lang="zh-CN" altLang="en-US" sz="1600" dirty="0"/>
-              </a:p>
-            </p:txBody>
-          </p:sp>
-        </mc:Choice>
-        <mc:Fallback xmlns="">
-          <p:sp>
-            <p:nvSpPr>
-              <p:cNvPr id="81" name="文本框 80">
-                <a:extLst>
-                  <a:ext uri="{FF2B5EF4-FFF2-40B4-BE49-F238E27FC236}">
-                    <a16:creationId xmlns:a16="http://schemas.microsoft.com/office/drawing/2014/main" id="{94FD4DEB-E3B0-8D36-3D2B-A3CF69C2DF56}"/>
-                  </a:ext>
-                </a:extLst>
-              </p:cNvPr>
-              <p:cNvSpPr txBox="1">
-                <a:spLocks noRot="1" noChangeAspect="1" noMove="1" noResize="1" noEditPoints="1" noAdjustHandles="1" noChangeArrowheads="1" noChangeShapeType="1" noTextEdit="1"/>
-              </p:cNvSpPr>
-              <p:nvPr/>
-            </p:nvSpPr>
-            <p:spPr>
-              <a:xfrm>
-                <a:off x="6724824" y="4047594"/>
-                <a:ext cx="1331923" cy="338554"/>
-              </a:xfrm>
-              <a:prstGeom prst="rect">
-                <a:avLst/>
-              </a:prstGeom>
-              <a:blipFill>
-                <a:blip r:embed="rId18"/>
-                <a:stretch>
-                  <a:fillRect b="-5357"/>
-                </a:stretch>
-              </a:blipFill>
-            </p:spPr>
-            <p:txBody>
-              <a:bodyPr/>
-              <a:lstStyle/>
-              <a:p>
-                <a:r>
-                  <a:rPr lang="zh-CN" altLang="en-US">
-                    <a:noFill/>
-                  </a:rPr>
-                  <a:t> </a:t>
-                </a:r>
-              </a:p>
-            </p:txBody>
-          </p:sp>
-        </mc:Fallback>
-      </mc:AlternateContent>
-      <p:sp>
-        <p:nvSpPr>
-          <p:cNvPr id="82" name="箭头: 左 81">
-            <a:extLst>
-              <a:ext uri="{FF2B5EF4-FFF2-40B4-BE49-F238E27FC236}">
-                <a16:creationId xmlns:a16="http://schemas.microsoft.com/office/drawing/2014/main" id="{AE535400-05BD-D3E7-95FF-7A9727945959}"/>
-              </a:ext>
-            </a:extLst>
-          </p:cNvPr>
-          <p:cNvSpPr/>
-          <p:nvPr/>
-        </p:nvSpPr>
-        <p:spPr>
-          <a:xfrm>
-            <a:off x="6740006" y="4716285"/>
-            <a:ext cx="424443" cy="307174"/>
-          </a:xfrm>
-          <a:prstGeom prst="leftArrow">
-            <a:avLst/>
-          </a:prstGeom>
-          <a:solidFill>
-            <a:srgbClr val="FF0000"/>
-          </a:solidFill>
-        </p:spPr>
-        <p:style>
-          <a:lnRef idx="2">
-            <a:schemeClr val="accent1">
-              <a:shade val="15000"/>
-            </a:schemeClr>
-          </a:lnRef>
-          <a:fillRef idx="1">
-            <a:schemeClr val="accent1"/>
-          </a:fillRef>
-          <a:effectRef idx="0">
-            <a:schemeClr val="accent1"/>
-          </a:effectRef>
-          <a:fontRef idx="minor">
-            <a:schemeClr val="lt1"/>
-          </a:fontRef>
-        </p:style>
-        <p:txBody>
-          <a:bodyPr rtlCol="0" anchor="ctr"/>
-          <a:lstStyle/>
-          <a:p>
-            <a:pPr algn="ctr"/>
-            <a:endParaRPr lang="zh-CN" altLang="en-US"/>
-          </a:p>
-        </p:txBody>
-      </p:sp>
-      <p:sp>
-        <p:nvSpPr>
-          <p:cNvPr id="83" name="箭头: 左 82">
-            <a:extLst>
-              <a:ext uri="{FF2B5EF4-FFF2-40B4-BE49-F238E27FC236}">
-                <a16:creationId xmlns:a16="http://schemas.microsoft.com/office/drawing/2014/main" id="{96A0208B-F5E8-9911-158E-852E8BD21407}"/>
-              </a:ext>
-            </a:extLst>
-          </p:cNvPr>
-          <p:cNvSpPr/>
-          <p:nvPr/>
-        </p:nvSpPr>
-        <p:spPr>
-          <a:xfrm rot="16200000">
-            <a:off x="7836583" y="5745664"/>
-            <a:ext cx="224256" cy="307777"/>
-          </a:xfrm>
-          <a:prstGeom prst="leftArrow">
-            <a:avLst/>
-          </a:prstGeom>
-          <a:solidFill>
-            <a:srgbClr val="FF0000"/>
-          </a:solidFill>
-        </p:spPr>
-        <p:style>
-          <a:lnRef idx="2">
-            <a:schemeClr val="accent1">
-              <a:shade val="15000"/>
-            </a:schemeClr>
-          </a:lnRef>
-          <a:fillRef idx="1">
-            <a:schemeClr val="accent1"/>
-          </a:fillRef>
-          <a:effectRef idx="0">
-            <a:schemeClr val="accent1"/>
-          </a:effectRef>
-          <a:fontRef idx="minor">
-            <a:schemeClr val="lt1"/>
-          </a:fontRef>
-        </p:style>
-        <p:txBody>
-          <a:bodyPr rtlCol="0" anchor="ctr"/>
-          <a:lstStyle/>
-          <a:p>
-            <a:pPr algn="ctr"/>
-            <a:endParaRPr lang="zh-CN" altLang="en-US"/>
-          </a:p>
-        </p:txBody>
-      </p:sp>
-      <mc:AlternateContent xmlns:mc="http://schemas.openxmlformats.org/markup-compatibility/2006" xmlns:a14="http://schemas.microsoft.com/office/drawing/2010/main">
-        <mc:Choice Requires="a14">
-          <p:sp>
-            <p:nvSpPr>
-              <p:cNvPr id="84" name="文本框 83">
-                <a:extLst>
-                  <a:ext uri="{FF2B5EF4-FFF2-40B4-BE49-F238E27FC236}">
-                    <a16:creationId xmlns:a16="http://schemas.microsoft.com/office/drawing/2014/main" id="{134A0E99-017A-A780-F815-7D2E7BAD278C}"/>
-                  </a:ext>
-                </a:extLst>
-              </p:cNvPr>
-              <p:cNvSpPr txBox="1"/>
-              <p:nvPr/>
-            </p:nvSpPr>
-            <p:spPr>
-              <a:xfrm>
-                <a:off x="6615176" y="6120689"/>
-                <a:ext cx="2667070" cy="523220"/>
-              </a:xfrm>
-              <a:prstGeom prst="rect">
-                <a:avLst/>
-              </a:prstGeom>
-              <a:noFill/>
-            </p:spPr>
-            <p:txBody>
-              <a:bodyPr wrap="square">
-                <a:spAutoFit/>
-              </a:bodyPr>
-              <a:lstStyle/>
-              <a:p>
-                <a:pPr/>
-                <a14:m>
-                  <m:oMathPara xmlns:m="http://schemas.openxmlformats.org/officeDocument/2006/math">
-                    <m:oMathParaPr>
-                      <m:jc m:val="centerGroup"/>
-                    </m:oMathParaPr>
-                    <m:oMath xmlns:m="http://schemas.openxmlformats.org/officeDocument/2006/math">
-                      <m:sSub>
-                        <m:sSubPr>
-                          <m:ctrlPr>
-                            <a:rPr lang="en-US" altLang="zh-CN" sz="1400" b="1" i="1" smtClean="0">
-                              <a:solidFill>
-                                <a:srgbClr val="FF0000"/>
-                              </a:solidFill>
-                              <a:latin typeface="Cambria Math" panose="02040503050406030204" pitchFamily="18" charset="0"/>
-                            </a:rPr>
-                          </m:ctrlPr>
-                        </m:sSubPr>
-                        <m:e>
-                          <m:r>
-                            <a:rPr lang="en-US" altLang="zh-CN" sz="1400" b="1" i="1">
-                              <a:solidFill>
-                                <a:srgbClr val="FF0000"/>
-                              </a:solidFill>
-                              <a:latin typeface="Cambria Math" panose="02040503050406030204" pitchFamily="18" charset="0"/>
-                            </a:rPr>
-                            <m:t>𝑾</m:t>
-                          </m:r>
-                        </m:e>
-                        <m:sub>
-                          <m:r>
-                            <a:rPr lang="en-US" altLang="zh-CN" sz="1400" b="1" i="1" smtClean="0">
-                              <a:solidFill>
-                                <a:srgbClr val="FF0000"/>
-                              </a:solidFill>
-                              <a:latin typeface="Cambria Math" panose="02040503050406030204" pitchFamily="18" charset="0"/>
-                            </a:rPr>
-                            <m:t>𝑳</m:t>
-                          </m:r>
-                        </m:sub>
-                      </m:sSub>
-                      <m:r>
-                        <a:rPr lang="en-US" altLang="zh-CN" sz="1400" b="0" i="1" smtClean="0">
-                          <a:latin typeface="Cambria Math" panose="02040503050406030204" pitchFamily="18" charset="0"/>
-                        </a:rPr>
-                        <m:t>=</m:t>
-                      </m:r>
-                      <m:sSub>
-                        <m:sSubPr>
-                          <m:ctrlPr>
-                            <a:rPr lang="en-US" altLang="zh-CN" sz="1400" i="1">
-                              <a:latin typeface="Cambria Math" panose="02040503050406030204" pitchFamily="18" charset="0"/>
-                            </a:rPr>
-                          </m:ctrlPr>
-                        </m:sSubPr>
-                        <m:e>
-                          <m:r>
-                            <a:rPr lang="en-US" altLang="zh-CN" sz="1400" i="1">
-                              <a:latin typeface="Cambria Math" panose="02040503050406030204" pitchFamily="18" charset="0"/>
-                            </a:rPr>
-                            <m:t>𝑊</m:t>
-                          </m:r>
-                        </m:e>
-                        <m:sub>
-                          <m:r>
-                            <a:rPr lang="en-US" altLang="zh-CN" sz="1400" b="0" i="1" smtClean="0">
-                              <a:latin typeface="Cambria Math" panose="02040503050406030204" pitchFamily="18" charset="0"/>
-                            </a:rPr>
-                            <m:t>𝐿</m:t>
-                          </m:r>
-                        </m:sub>
-                      </m:sSub>
-                      <m:r>
-                        <a:rPr lang="en-US" altLang="zh-CN" sz="1400" b="0" i="1" smtClean="0">
-                          <a:latin typeface="Cambria Math" panose="02040503050406030204" pitchFamily="18" charset="0"/>
-                        </a:rPr>
-                        <m:t>−</m:t>
-                      </m:r>
-                      <m:r>
-                        <a:rPr lang="zh-CN" altLang="en-US" sz="1400" b="0" i="1" smtClean="0">
-                          <a:latin typeface="Cambria Math" panose="02040503050406030204" pitchFamily="18" charset="0"/>
-                        </a:rPr>
-                        <m:t>𝛼</m:t>
-                      </m:r>
-                      <m:r>
-                        <a:rPr lang="zh-CN" altLang="en-US" sz="1400" b="0" i="1" smtClean="0">
-                          <a:latin typeface="Cambria Math" panose="02040503050406030204" pitchFamily="18" charset="0"/>
-                        </a:rPr>
-                        <m:t>∙</m:t>
-                      </m:r>
-                      <m:r>
-                        <a:rPr lang="en-US" altLang="zh-CN" sz="1400" b="0" i="1" smtClean="0">
-                          <a:latin typeface="Cambria Math" panose="02040503050406030204" pitchFamily="18" charset="0"/>
-                        </a:rPr>
-                        <m:t>𝑑</m:t>
-                      </m:r>
-                      <m:sSub>
-                        <m:sSubPr>
-                          <m:ctrlPr>
-                            <a:rPr lang="en-US" altLang="zh-CN" sz="1400" i="1">
-                              <a:latin typeface="Cambria Math" panose="02040503050406030204" pitchFamily="18" charset="0"/>
-                            </a:rPr>
-                          </m:ctrlPr>
-                        </m:sSubPr>
-                        <m:e>
-                          <m:r>
-                            <a:rPr lang="en-US" altLang="zh-CN" sz="1400" i="1">
-                              <a:latin typeface="Cambria Math" panose="02040503050406030204" pitchFamily="18" charset="0"/>
-                            </a:rPr>
-                            <m:t>𝑊</m:t>
-                          </m:r>
-                        </m:e>
-                        <m:sub>
-                          <m:r>
-                            <a:rPr lang="en-US" altLang="zh-CN" sz="1400" b="0" i="1" smtClean="0">
-                              <a:latin typeface="Cambria Math" panose="02040503050406030204" pitchFamily="18" charset="0"/>
-                            </a:rPr>
-                            <m:t>𝐿</m:t>
-                          </m:r>
-                        </m:sub>
-                      </m:sSub>
-                    </m:oMath>
-                  </m:oMathPara>
-                </a14:m>
-                <a:endParaRPr lang="en-US" altLang="zh-CN" sz="1400" i="1" dirty="0">
-                  <a:latin typeface="Cambria Math" panose="02040503050406030204" pitchFamily="18" charset="0"/>
-                </a:endParaRPr>
-              </a:p>
-              <a:p>
-                <a:pPr/>
-                <a14:m>
-                  <m:oMathPara xmlns:m="http://schemas.openxmlformats.org/officeDocument/2006/math">
-                    <m:oMathParaPr>
-                      <m:jc m:val="centerGroup"/>
-                    </m:oMathParaPr>
-                    <m:oMath xmlns:m="http://schemas.openxmlformats.org/officeDocument/2006/math">
-                      <m:sSub>
-                        <m:sSubPr>
-                          <m:ctrlPr>
-                            <a:rPr lang="en-US" altLang="zh-CN" sz="1400" b="1" i="1" smtClean="0">
-                              <a:solidFill>
-                                <a:srgbClr val="FF0000"/>
-                              </a:solidFill>
-                              <a:latin typeface="Cambria Math" panose="02040503050406030204" pitchFamily="18" charset="0"/>
-                            </a:rPr>
-                          </m:ctrlPr>
-                        </m:sSubPr>
-                        <m:e>
-                          <m:r>
-                            <a:rPr lang="en-US" altLang="zh-CN" sz="1400" b="1" i="1">
-                              <a:solidFill>
-                                <a:srgbClr val="FF0000"/>
-                              </a:solidFill>
-                              <a:latin typeface="Cambria Math" panose="02040503050406030204" pitchFamily="18" charset="0"/>
-                            </a:rPr>
-                            <m:t>𝒃</m:t>
-                          </m:r>
-                        </m:e>
-                        <m:sub>
-                          <m:r>
-                            <a:rPr lang="en-US" altLang="zh-CN" sz="1400" b="1" i="1" smtClean="0">
-                              <a:solidFill>
-                                <a:srgbClr val="FF0000"/>
-                              </a:solidFill>
-                              <a:latin typeface="Cambria Math" panose="02040503050406030204" pitchFamily="18" charset="0"/>
-                            </a:rPr>
-                            <m:t>𝑳</m:t>
-                          </m:r>
-                        </m:sub>
-                      </m:sSub>
-                      <m:r>
-                        <a:rPr lang="en-US" altLang="zh-CN" sz="1400" b="0" i="1" smtClean="0">
-                          <a:latin typeface="Cambria Math" panose="02040503050406030204" pitchFamily="18" charset="0"/>
-                        </a:rPr>
-                        <m:t>=</m:t>
-                      </m:r>
-                      <m:sSub>
-                        <m:sSubPr>
-                          <m:ctrlPr>
-                            <a:rPr lang="en-US" altLang="zh-CN" sz="1400" i="1" smtClean="0">
-                              <a:latin typeface="Cambria Math" panose="02040503050406030204" pitchFamily="18" charset="0"/>
-                            </a:rPr>
-                          </m:ctrlPr>
-                        </m:sSubPr>
-                        <m:e>
-                          <m:sSub>
-                            <m:sSubPr>
-                              <m:ctrlPr>
-                                <a:rPr lang="en-US" altLang="zh-CN" sz="1400" i="1">
-                                  <a:latin typeface="Cambria Math" panose="02040503050406030204" pitchFamily="18" charset="0"/>
-                                </a:rPr>
-                              </m:ctrlPr>
-                            </m:sSubPr>
-                            <m:e>
-                              <m:r>
-                                <a:rPr lang="en-US" altLang="zh-CN" sz="1400" i="1">
-                                  <a:latin typeface="Cambria Math" panose="02040503050406030204" pitchFamily="18" charset="0"/>
-                                </a:rPr>
-                                <m:t>𝑏</m:t>
-                              </m:r>
-                            </m:e>
-                            <m:sub>
-                              <m:r>
-                                <a:rPr lang="en-US" altLang="zh-CN" sz="1400" b="0" i="1" smtClean="0">
-                                  <a:latin typeface="Cambria Math" panose="02040503050406030204" pitchFamily="18" charset="0"/>
-                                </a:rPr>
-                                <m:t>𝐿</m:t>
-                              </m:r>
-                            </m:sub>
-                          </m:sSub>
-                          <m:r>
-                            <a:rPr lang="en-US" altLang="zh-CN" sz="1400" b="0" i="1" smtClean="0">
-                              <a:latin typeface="Cambria Math" panose="02040503050406030204" pitchFamily="18" charset="0"/>
-                            </a:rPr>
-                            <m:t>−</m:t>
-                          </m:r>
-                          <m:r>
-                            <a:rPr lang="zh-CN" altLang="en-US" sz="1400" b="0" i="1" smtClean="0">
-                              <a:latin typeface="Cambria Math" panose="02040503050406030204" pitchFamily="18" charset="0"/>
-                            </a:rPr>
-                            <m:t>𝛼</m:t>
-                          </m:r>
-                          <m:r>
-                            <a:rPr lang="zh-CN" altLang="en-US" sz="1400" b="0" i="1" smtClean="0">
-                              <a:latin typeface="Cambria Math" panose="02040503050406030204" pitchFamily="18" charset="0"/>
-                            </a:rPr>
-                            <m:t>∙</m:t>
-                          </m:r>
-                          <m:r>
-                            <a:rPr lang="en-US" altLang="zh-CN" sz="1400" b="0" i="1" smtClean="0">
-                              <a:latin typeface="Cambria Math" panose="02040503050406030204" pitchFamily="18" charset="0"/>
-                            </a:rPr>
-                            <m:t>𝑑</m:t>
-                          </m:r>
-                          <m:r>
-                            <a:rPr lang="en-US" altLang="zh-CN" sz="1400" i="1">
-                              <a:latin typeface="Cambria Math" panose="02040503050406030204" pitchFamily="18" charset="0"/>
-                            </a:rPr>
-                            <m:t>𝑏</m:t>
-                          </m:r>
-                        </m:e>
-                        <m:sub>
-                          <m:r>
-                            <a:rPr lang="en-US" altLang="zh-CN" sz="1400" b="0" i="1" smtClean="0">
-                              <a:latin typeface="Cambria Math" panose="02040503050406030204" pitchFamily="18" charset="0"/>
-                            </a:rPr>
-                            <m:t>𝐿</m:t>
-                          </m:r>
-                        </m:sub>
-                      </m:sSub>
-                    </m:oMath>
-                  </m:oMathPara>
-                </a14:m>
-                <a:endParaRPr lang="zh-CN" altLang="en-US" sz="1400" dirty="0"/>
-              </a:p>
-            </p:txBody>
-          </p:sp>
-        </mc:Choice>
-        <mc:Fallback xmlns="">
-          <p:sp>
-            <p:nvSpPr>
-              <p:cNvPr id="84" name="文本框 83">
-                <a:extLst>
-                  <a:ext uri="{FF2B5EF4-FFF2-40B4-BE49-F238E27FC236}">
-                    <a16:creationId xmlns:a16="http://schemas.microsoft.com/office/drawing/2014/main" id="{134A0E99-017A-A780-F815-7D2E7BAD278C}"/>
-                  </a:ext>
-                </a:extLst>
-              </p:cNvPr>
-              <p:cNvSpPr txBox="1">
-                <a:spLocks noRot="1" noChangeAspect="1" noMove="1" noResize="1" noEditPoints="1" noAdjustHandles="1" noChangeArrowheads="1" noChangeShapeType="1" noTextEdit="1"/>
-              </p:cNvSpPr>
-              <p:nvPr/>
-            </p:nvSpPr>
-            <p:spPr>
-              <a:xfrm>
-                <a:off x="6615176" y="6120689"/>
-                <a:ext cx="2667070" cy="523220"/>
-              </a:xfrm>
-              <a:prstGeom prst="rect">
-                <a:avLst/>
-              </a:prstGeom>
-              <a:blipFill>
-                <a:blip r:embed="rId19"/>
-                <a:stretch>
-                  <a:fillRect/>
-                </a:stretch>
-              </a:blipFill>
-            </p:spPr>
-            <p:txBody>
-              <a:bodyPr/>
-              <a:lstStyle/>
-              <a:p>
-                <a:r>
-                  <a:rPr lang="zh-CN" altLang="en-US">
-                    <a:noFill/>
-                  </a:rPr>
-                  <a:t> </a:t>
-                </a:r>
-              </a:p>
-            </p:txBody>
-          </p:sp>
-        </mc:Fallback>
-      </mc:AlternateContent>
-      <p:sp>
-        <p:nvSpPr>
-          <p:cNvPr id="85" name="箭头: 右 84">
-            <a:extLst>
-              <a:ext uri="{FF2B5EF4-FFF2-40B4-BE49-F238E27FC236}">
-                <a16:creationId xmlns:a16="http://schemas.microsoft.com/office/drawing/2014/main" id="{739197BC-E1D2-BA94-54AA-DAA7BF4F11FC}"/>
-              </a:ext>
-            </a:extLst>
-          </p:cNvPr>
-          <p:cNvSpPr/>
-          <p:nvPr/>
-        </p:nvSpPr>
-        <p:spPr>
-          <a:xfrm>
-            <a:off x="5701143" y="3481384"/>
-            <a:ext cx="424443" cy="307777"/>
-          </a:xfrm>
-          <a:prstGeom prst="rightArrow">
-            <a:avLst/>
-          </a:prstGeom>
-        </p:spPr>
-        <p:style>
-          <a:lnRef idx="2">
-            <a:schemeClr val="accent1">
-              <a:shade val="15000"/>
-            </a:schemeClr>
-          </a:lnRef>
-          <a:fillRef idx="1">
-            <a:schemeClr val="accent1"/>
-          </a:fillRef>
-          <a:effectRef idx="0">
-            <a:schemeClr val="accent1"/>
-          </a:effectRef>
-          <a:fontRef idx="minor">
-            <a:schemeClr val="lt1"/>
-          </a:fontRef>
-        </p:style>
-        <p:txBody>
-          <a:bodyPr rtlCol="0" anchor="ctr"/>
-          <a:lstStyle/>
-          <a:p>
-            <a:pPr algn="ctr"/>
-            <a:endParaRPr lang="zh-CN" altLang="en-US"/>
-          </a:p>
-        </p:txBody>
-      </p:sp>
-      <p:sp>
-        <p:nvSpPr>
-          <p:cNvPr id="86" name="箭头: 左 85">
-            <a:extLst>
-              <a:ext uri="{FF2B5EF4-FFF2-40B4-BE49-F238E27FC236}">
-                <a16:creationId xmlns:a16="http://schemas.microsoft.com/office/drawing/2014/main" id="{978C764C-3BC4-883A-E3BD-EC67E641F1C9}"/>
-              </a:ext>
-            </a:extLst>
-          </p:cNvPr>
-          <p:cNvSpPr/>
-          <p:nvPr/>
-        </p:nvSpPr>
-        <p:spPr>
-          <a:xfrm>
-            <a:off x="5679726" y="4690738"/>
-            <a:ext cx="424443" cy="307174"/>
-          </a:xfrm>
-          <a:prstGeom prst="leftArrow">
-            <a:avLst/>
-          </a:prstGeom>
-          <a:solidFill>
-            <a:srgbClr val="FF0000"/>
-          </a:solidFill>
-        </p:spPr>
-        <p:style>
-          <a:lnRef idx="2">
-            <a:schemeClr val="accent1">
-              <a:shade val="15000"/>
-            </a:schemeClr>
-          </a:lnRef>
-          <a:fillRef idx="1">
-            <a:schemeClr val="accent1"/>
-          </a:fillRef>
-          <a:effectRef idx="0">
-            <a:schemeClr val="accent1"/>
-          </a:effectRef>
-          <a:fontRef idx="minor">
-            <a:schemeClr val="lt1"/>
-          </a:fontRef>
-        </p:style>
-        <p:txBody>
-          <a:bodyPr rtlCol="0" anchor="ctr"/>
-          <a:lstStyle/>
-          <a:p>
-            <a:pPr algn="ctr"/>
-            <a:endParaRPr lang="zh-CN" altLang="en-US"/>
-          </a:p>
-        </p:txBody>
-      </p:sp>
-      <p:sp>
-        <p:nvSpPr>
-          <p:cNvPr id="87" name="箭头: 右 86">
-            <a:extLst>
-              <a:ext uri="{FF2B5EF4-FFF2-40B4-BE49-F238E27FC236}">
-                <a16:creationId xmlns:a16="http://schemas.microsoft.com/office/drawing/2014/main" id="{8E359BFE-2372-7FC7-F3F3-DC7731DA7015}"/>
-              </a:ext>
-            </a:extLst>
-          </p:cNvPr>
-          <p:cNvSpPr/>
-          <p:nvPr/>
-        </p:nvSpPr>
-        <p:spPr>
-          <a:xfrm>
-            <a:off x="6241832" y="3496223"/>
-            <a:ext cx="424443" cy="307777"/>
-          </a:xfrm>
-          <a:prstGeom prst="rightArrow">
-            <a:avLst/>
-          </a:prstGeom>
-        </p:spPr>
-        <p:style>
-          <a:lnRef idx="2">
-            <a:schemeClr val="accent1">
-              <a:shade val="15000"/>
-            </a:schemeClr>
-          </a:lnRef>
-          <a:fillRef idx="1">
-            <a:schemeClr val="accent1"/>
-          </a:fillRef>
-          <a:effectRef idx="0">
-            <a:schemeClr val="accent1"/>
-          </a:effectRef>
-          <a:fontRef idx="minor">
-            <a:schemeClr val="lt1"/>
-          </a:fontRef>
-        </p:style>
-        <p:txBody>
-          <a:bodyPr rtlCol="0" anchor="ctr"/>
-          <a:lstStyle/>
-          <a:p>
-            <a:pPr algn="ctr"/>
-            <a:endParaRPr lang="zh-CN" altLang="en-US"/>
-          </a:p>
-        </p:txBody>
-      </p:sp>
-      <p:sp>
-        <p:nvSpPr>
-          <p:cNvPr id="88" name="箭头: 左 87">
-            <a:extLst>
-              <a:ext uri="{FF2B5EF4-FFF2-40B4-BE49-F238E27FC236}">
-                <a16:creationId xmlns:a16="http://schemas.microsoft.com/office/drawing/2014/main" id="{2A0A5435-CD39-409E-554D-7EAB1309F0A1}"/>
-              </a:ext>
-            </a:extLst>
-          </p:cNvPr>
-          <p:cNvSpPr/>
-          <p:nvPr/>
-        </p:nvSpPr>
-        <p:spPr>
-          <a:xfrm>
-            <a:off x="6220415" y="4705577"/>
-            <a:ext cx="424443" cy="307174"/>
-          </a:xfrm>
-          <a:prstGeom prst="leftArrow">
-            <a:avLst/>
-          </a:prstGeom>
-          <a:solidFill>
-            <a:srgbClr val="FF0000"/>
-          </a:solidFill>
-        </p:spPr>
-        <p:style>
-          <a:lnRef idx="2">
-            <a:schemeClr val="accent1">
-              <a:shade val="15000"/>
-            </a:schemeClr>
-          </a:lnRef>
-          <a:fillRef idx="1">
-            <a:schemeClr val="accent1"/>
-          </a:fillRef>
-          <a:effectRef idx="0">
-            <a:schemeClr val="accent1"/>
-          </a:effectRef>
-          <a:fontRef idx="minor">
-            <a:schemeClr val="lt1"/>
-          </a:fontRef>
-        </p:style>
-        <p:txBody>
-          <a:bodyPr rtlCol="0" anchor="ctr"/>
-          <a:lstStyle/>
-          <a:p>
-            <a:pPr algn="ctr"/>
             <a:endParaRPr lang="zh-CN" altLang="en-US"/>
           </a:p>
         </p:txBody>
       </p:sp>
       <p:pic>
         <p:nvPicPr>
-          <p:cNvPr id="3" name="图片 2">
+          <p:cNvPr id="5" name="图片 4">
             <a:extLst>
               <a:ext uri="{FF2B5EF4-FFF2-40B4-BE49-F238E27FC236}">
-                <a16:creationId xmlns:a16="http://schemas.microsoft.com/office/drawing/2014/main" id="{F9DDC6F7-AB98-B815-D0A6-4B740A61723A}"/>
+                <a16:creationId xmlns:a16="http://schemas.microsoft.com/office/drawing/2014/main" id="{1B5DE04E-ACC3-DCFC-9C04-39CC09BD4411}"/>
               </a:ext>
             </a:extLst>
           </p:cNvPr>
@@ -11067,15 +6714,45 @@
           <p:nvPr/>
         </p:nvPicPr>
         <p:blipFill>
-          <a:blip r:embed="rId20"/>
+          <a:blip r:embed="rId2"/>
           <a:stretch>
             <a:fillRect/>
           </a:stretch>
         </p:blipFill>
         <p:spPr>
           <a:xfrm>
-            <a:off x="3500909" y="202073"/>
-            <a:ext cx="4447802" cy="2509517"/>
+            <a:off x="708353" y="779586"/>
+            <a:ext cx="10612331" cy="2057687"/>
+          </a:xfrm>
+          <a:prstGeom prst="rect">
+            <a:avLst/>
+          </a:prstGeom>
+        </p:spPr>
+      </p:pic>
+      <p:pic>
+        <p:nvPicPr>
+          <p:cNvPr id="7" name="图片 6">
+            <a:extLst>
+              <a:ext uri="{FF2B5EF4-FFF2-40B4-BE49-F238E27FC236}">
+                <a16:creationId xmlns:a16="http://schemas.microsoft.com/office/drawing/2014/main" id="{8D9C5F0E-D50F-A802-1939-C374A57A5682}"/>
+              </a:ext>
+            </a:extLst>
+          </p:cNvPr>
+          <p:cNvPicPr>
+            <a:picLocks noChangeAspect="1"/>
+          </p:cNvPicPr>
+          <p:nvPr/>
+        </p:nvPicPr>
+        <p:blipFill>
+          <a:blip r:embed="rId3"/>
+          <a:stretch>
+            <a:fillRect/>
+          </a:stretch>
+        </p:blipFill>
+        <p:spPr>
+          <a:xfrm>
+            <a:off x="2978589" y="3263028"/>
+            <a:ext cx="5881143" cy="2897538"/>
           </a:xfrm>
           <a:prstGeom prst="rect">
             <a:avLst/>
@@ -11085,21 +6762,13 @@
     </p:spTree>
     <p:extLst>
       <p:ext uri="{BB962C8B-B14F-4D97-AF65-F5344CB8AC3E}">
-        <p14:creationId xmlns:p14="http://schemas.microsoft.com/office/powerpoint/2010/main" val="1505766125"/>
+        <p14:creationId xmlns:p14="http://schemas.microsoft.com/office/powerpoint/2010/main" val="2787685473"/>
       </p:ext>
     </p:extLst>
   </p:cSld>
   <p:clrMapOvr>
     <a:masterClrMapping/>
   </p:clrMapOvr>
-  <mc:AlternateContent xmlns:mc="http://schemas.openxmlformats.org/markup-compatibility/2006" xmlns:p14="http://schemas.microsoft.com/office/powerpoint/2010/main">
-    <mc:Choice Requires="p14">
-      <p:transition p14:dur="10"/>
-    </mc:Choice>
-    <mc:Fallback xmlns="">
-      <p:transition/>
-    </mc:Fallback>
-  </mc:AlternateContent>
 </p:sld>
 </file>
 
@@ -11200,6 +6869,232 @@
                 <a:defRPr/>
               </a:pPr>
               <a:t>10</a:t>
+            </a:fld>
+            <a:endParaRPr lang="zh-CN" altLang="en-US"/>
+          </a:p>
+        </p:txBody>
+      </p:sp>
+      <p:pic>
+        <p:nvPicPr>
+          <p:cNvPr id="4" name="图片 3">
+            <a:extLst>
+              <a:ext uri="{FF2B5EF4-FFF2-40B4-BE49-F238E27FC236}">
+                <a16:creationId xmlns:a16="http://schemas.microsoft.com/office/drawing/2014/main" id="{F22C8C1F-C88D-646D-CD60-6CBDD986D08D}"/>
+              </a:ext>
+            </a:extLst>
+          </p:cNvPr>
+          <p:cNvPicPr>
+            <a:picLocks noChangeAspect="1"/>
+          </p:cNvPicPr>
+          <p:nvPr/>
+        </p:nvPicPr>
+        <p:blipFill>
+          <a:blip r:embed="rId3"/>
+          <a:stretch>
+            <a:fillRect/>
+          </a:stretch>
+        </p:blipFill>
+        <p:spPr>
+          <a:xfrm>
+            <a:off x="340217" y="1526604"/>
+            <a:ext cx="6938873" cy="2275851"/>
+          </a:xfrm>
+          <a:prstGeom prst="rect">
+            <a:avLst/>
+          </a:prstGeom>
+        </p:spPr>
+      </p:pic>
+      <p:pic>
+        <p:nvPicPr>
+          <p:cNvPr id="6" name="图片 5">
+            <a:extLst>
+              <a:ext uri="{FF2B5EF4-FFF2-40B4-BE49-F238E27FC236}">
+                <a16:creationId xmlns:a16="http://schemas.microsoft.com/office/drawing/2014/main" id="{EF54F6E1-19C5-559F-EC9B-8EC518072395}"/>
+              </a:ext>
+            </a:extLst>
+          </p:cNvPr>
+          <p:cNvPicPr>
+            <a:picLocks noChangeAspect="1"/>
+          </p:cNvPicPr>
+          <p:nvPr/>
+        </p:nvPicPr>
+        <p:blipFill>
+          <a:blip r:embed="rId4"/>
+          <a:stretch>
+            <a:fillRect/>
+          </a:stretch>
+        </p:blipFill>
+        <p:spPr>
+          <a:xfrm>
+            <a:off x="8183750" y="1121263"/>
+            <a:ext cx="3610479" cy="3086531"/>
+          </a:xfrm>
+          <a:prstGeom prst="rect">
+            <a:avLst/>
+          </a:prstGeom>
+        </p:spPr>
+      </p:pic>
+      <p:sp>
+        <p:nvSpPr>
+          <p:cNvPr id="7" name="文本框 6">
+            <a:extLst>
+              <a:ext uri="{FF2B5EF4-FFF2-40B4-BE49-F238E27FC236}">
+                <a16:creationId xmlns:a16="http://schemas.microsoft.com/office/drawing/2014/main" id="{9E632256-987C-B7C1-D24B-C570733CE634}"/>
+              </a:ext>
+            </a:extLst>
+          </p:cNvPr>
+          <p:cNvSpPr txBox="1"/>
+          <p:nvPr/>
+        </p:nvSpPr>
+        <p:spPr>
+          <a:xfrm>
+            <a:off x="688063" y="4706746"/>
+            <a:ext cx="3874883" cy="369332"/>
+          </a:xfrm>
+          <a:prstGeom prst="rect">
+            <a:avLst/>
+          </a:prstGeom>
+          <a:noFill/>
+        </p:spPr>
+        <p:txBody>
+          <a:bodyPr wrap="square" rtlCol="0">
+            <a:spAutoFit/>
+          </a:bodyPr>
+          <a:lstStyle/>
+          <a:p>
+            <a:r>
+              <a:rPr lang="zh-CN" altLang="en-US" dirty="0"/>
+              <a:t>解决方法：</a:t>
+            </a:r>
+            <a:r>
+              <a:rPr lang="zh-CN" altLang="en-US" b="1" dirty="0">
+                <a:solidFill>
+                  <a:srgbClr val="FF0000"/>
+                </a:solidFill>
+              </a:rPr>
+              <a:t>指数加权移动平均</a:t>
+            </a:r>
+          </a:p>
+        </p:txBody>
+      </p:sp>
+    </p:spTree>
+    <p:extLst>
+      <p:ext uri="{BB962C8B-B14F-4D97-AF65-F5344CB8AC3E}">
+        <p14:creationId xmlns:p14="http://schemas.microsoft.com/office/powerpoint/2010/main" val="3209028245"/>
+      </p:ext>
+    </p:extLst>
+  </p:cSld>
+  <p:clrMapOvr>
+    <a:masterClrMapping/>
+  </p:clrMapOvr>
+  <mc:AlternateContent xmlns:mc="http://schemas.openxmlformats.org/markup-compatibility/2006" xmlns:p14="http://schemas.microsoft.com/office/powerpoint/2010/main">
+    <mc:Choice Requires="p14">
+      <p:transition p14:dur="10"/>
+    </mc:Choice>
+    <mc:Fallback xmlns="">
+      <p:transition/>
+    </mc:Fallback>
+  </mc:AlternateContent>
+</p:sld>
+</file>
+
+<file path=ppt/slides/slide11.xml><?xml version="1.0" encoding="utf-8"?>
+<p:sld xmlns:a="http://schemas.openxmlformats.org/drawingml/2006/main" xmlns:r="http://schemas.openxmlformats.org/officeDocument/2006/relationships" xmlns:p="http://schemas.openxmlformats.org/presentationml/2006/main">
+  <p:cSld>
+    <p:spTree>
+      <p:nvGrpSpPr>
+        <p:cNvPr id="1" name=""/>
+        <p:cNvGrpSpPr/>
+        <p:nvPr/>
+      </p:nvGrpSpPr>
+      <p:grpSpPr>
+        <a:xfrm>
+          <a:off x="0" y="0"/>
+          <a:ext cx="0" cy="0"/>
+          <a:chOff x="0" y="0"/>
+          <a:chExt cx="0" cy="0"/>
+        </a:xfrm>
+      </p:grpSpPr>
+      <p:sp>
+        <p:nvSpPr>
+          <p:cNvPr id="8" name="文本框 7">
+            <a:extLst>
+              <a:ext uri="{FF2B5EF4-FFF2-40B4-BE49-F238E27FC236}">
+                <a16:creationId xmlns:a16="http://schemas.microsoft.com/office/drawing/2014/main" id="{F28F032E-55BD-E929-A8BC-650BB206702A}"/>
+              </a:ext>
+            </a:extLst>
+          </p:cNvPr>
+          <p:cNvSpPr txBox="1"/>
+          <p:nvPr/>
+        </p:nvSpPr>
+        <p:spPr>
+          <a:xfrm>
+            <a:off x="784860" y="325566"/>
+            <a:ext cx="7082601" cy="461665"/>
+          </a:xfrm>
+          <a:prstGeom prst="rect">
+            <a:avLst/>
+          </a:prstGeom>
+          <a:noFill/>
+        </p:spPr>
+        <p:txBody>
+          <a:bodyPr wrap="square">
+            <a:spAutoFit/>
+          </a:bodyPr>
+          <a:lstStyle/>
+          <a:p>
+            <a:r>
+              <a:rPr lang="en-US" altLang="zh-CN" sz="2400" b="1" dirty="0">
+                <a:latin typeface="微软雅黑" panose="020B0503020204020204" pitchFamily="34" charset="-122"/>
+                <a:ea typeface="微软雅黑" panose="020B0503020204020204" pitchFamily="34" charset="-122"/>
+              </a:rPr>
+              <a:t>Neural Network ——2</a:t>
+            </a:r>
+            <a:r>
+              <a:rPr lang="zh-CN" altLang="en-US" sz="2400" b="1" dirty="0">
+                <a:latin typeface="微软雅黑" panose="020B0503020204020204" pitchFamily="34" charset="-122"/>
+                <a:ea typeface="微软雅黑" panose="020B0503020204020204" pitchFamily="34" charset="-122"/>
+              </a:rPr>
+              <a:t>、优化算法</a:t>
+            </a:r>
+          </a:p>
+        </p:txBody>
+      </p:sp>
+      <p:sp>
+        <p:nvSpPr>
+          <p:cNvPr id="2" name="灯片编号占位符 1">
+            <a:extLst>
+              <a:ext uri="{FF2B5EF4-FFF2-40B4-BE49-F238E27FC236}">
+                <a16:creationId xmlns:a16="http://schemas.microsoft.com/office/drawing/2014/main" id="{FF87081A-8CD6-11E9-2E63-F9E2E8F9E2F3}"/>
+              </a:ext>
+            </a:extLst>
+          </p:cNvPr>
+          <p:cNvSpPr>
+            <a:spLocks noGrp="1"/>
+          </p:cNvSpPr>
+          <p:nvPr>
+            <p:ph type="sldNum" sz="quarter" idx="13"/>
+          </p:nvPr>
+        </p:nvSpPr>
+        <p:spPr>
+          <a:xfrm>
+            <a:off x="9362873" y="5993407"/>
+            <a:ext cx="2743200" cy="365125"/>
+          </a:xfrm>
+        </p:spPr>
+        <p:txBody>
+          <a:bodyPr/>
+          <a:lstStyle/>
+          <a:p>
+            <a:pPr>
+              <a:defRPr/>
+            </a:pPr>
+            <a:fld id="{FF39F2F5-AAEC-484E-8D1B-150359545A16}" type="slidenum">
+              <a:rPr lang="zh-CN" altLang="en-US" smtClean="0"/>
+              <a:pPr>
+                <a:defRPr/>
+              </a:pPr>
+              <a:t>11</a:t>
             </a:fld>
             <a:endParaRPr lang="zh-CN" altLang="en-US"/>
           </a:p>
@@ -12219,7 +8114,7 @@
 </p:sld>
 </file>
 
-<file path=ppt/slides/slide11.xml><?xml version="1.0" encoding="utf-8"?>
+<file path=ppt/slides/slide12.xml><?xml version="1.0" encoding="utf-8"?>
 <p:sld xmlns:a="http://schemas.openxmlformats.org/drawingml/2006/main" xmlns:r="http://schemas.openxmlformats.org/officeDocument/2006/relationships" xmlns:p="http://schemas.openxmlformats.org/presentationml/2006/main">
   <p:cSld>
     <p:spTree>
@@ -12315,7 +8210,7 @@
               <a:pPr>
                 <a:defRPr/>
               </a:pPr>
-              <a:t>11</a:t>
+              <a:t>12</a:t>
             </a:fld>
             <a:endParaRPr lang="zh-CN" altLang="en-US"/>
           </a:p>
@@ -13512,7 +9407,7 @@
 </p:sld>
 </file>
 
-<file path=ppt/slides/slide12.xml><?xml version="1.0" encoding="utf-8"?>
+<file path=ppt/slides/slide13.xml><?xml version="1.0" encoding="utf-8"?>
 <p:sld xmlns:a="http://schemas.openxmlformats.org/drawingml/2006/main" xmlns:r="http://schemas.openxmlformats.org/officeDocument/2006/relationships" xmlns:p="http://schemas.openxmlformats.org/presentationml/2006/main">
   <p:cSld>
     <p:spTree>
@@ -13608,7 +9503,7 @@
               <a:pPr>
                 <a:defRPr/>
               </a:pPr>
-              <a:t>12</a:t>
+              <a:t>13</a:t>
             </a:fld>
             <a:endParaRPr lang="zh-CN" altLang="en-US" dirty="0"/>
           </a:p>
@@ -13805,7 +9700,7 @@
 </p:sld>
 </file>
 
-<file path=ppt/slides/slide13.xml><?xml version="1.0" encoding="utf-8"?>
+<file path=ppt/slides/slide14.xml><?xml version="1.0" encoding="utf-8"?>
 <p:sld xmlns:a="http://schemas.openxmlformats.org/drawingml/2006/main" xmlns:r="http://schemas.openxmlformats.org/officeDocument/2006/relationships" xmlns:p="http://schemas.openxmlformats.org/presentationml/2006/main">
   <p:cSld>
     <p:spTree>
@@ -13901,7 +9796,7 @@
               <a:pPr>
                 <a:defRPr/>
               </a:pPr>
-              <a:t>13</a:t>
+              <a:t>14</a:t>
             </a:fld>
             <a:endParaRPr lang="zh-CN" altLang="en-US" dirty="0"/>
           </a:p>
@@ -14861,7 +10756,7 @@
 </p:sld>
 </file>
 
-<file path=ppt/slides/slide14.xml><?xml version="1.0" encoding="utf-8"?>
+<file path=ppt/slides/slide15.xml><?xml version="1.0" encoding="utf-8"?>
 <p:sld xmlns:a="http://schemas.openxmlformats.org/drawingml/2006/main" xmlns:r="http://schemas.openxmlformats.org/officeDocument/2006/relationships" xmlns:p="http://schemas.openxmlformats.org/presentationml/2006/main">
   <p:cSld>
     <p:spTree>
@@ -14957,7 +10852,7 @@
               <a:pPr>
                 <a:defRPr/>
               </a:pPr>
-              <a:t>14</a:t>
+              <a:t>15</a:t>
             </a:fld>
             <a:endParaRPr lang="zh-CN" altLang="en-US" dirty="0"/>
           </a:p>
@@ -17257,186 +13152,6 @@
 </p:sld>
 </file>
 
-<file path=ppt/slides/slide15.xml><?xml version="1.0" encoding="utf-8"?>
-<p:sld xmlns:a="http://schemas.openxmlformats.org/drawingml/2006/main" xmlns:r="http://schemas.openxmlformats.org/officeDocument/2006/relationships" xmlns:p="http://schemas.openxmlformats.org/presentationml/2006/main">
-  <p:cSld>
-    <p:spTree>
-      <p:nvGrpSpPr>
-        <p:cNvPr id="1" name=""/>
-        <p:cNvGrpSpPr/>
-        <p:nvPr/>
-      </p:nvGrpSpPr>
-      <p:grpSpPr>
-        <a:xfrm>
-          <a:off x="0" y="0"/>
-          <a:ext cx="0" cy="0"/>
-          <a:chOff x="0" y="0"/>
-          <a:chExt cx="0" cy="0"/>
-        </a:xfrm>
-      </p:grpSpPr>
-      <p:sp>
-        <p:nvSpPr>
-          <p:cNvPr id="8" name="文本框 7">
-            <a:extLst>
-              <a:ext uri="{FF2B5EF4-FFF2-40B4-BE49-F238E27FC236}">
-                <a16:creationId xmlns:a16="http://schemas.microsoft.com/office/drawing/2014/main" id="{F28F032E-55BD-E929-A8BC-650BB206702A}"/>
-              </a:ext>
-            </a:extLst>
-          </p:cNvPr>
-          <p:cNvSpPr txBox="1"/>
-          <p:nvPr/>
-        </p:nvSpPr>
-        <p:spPr>
-          <a:xfrm>
-            <a:off x="784860" y="325566"/>
-            <a:ext cx="6472588" cy="461665"/>
-          </a:xfrm>
-          <a:prstGeom prst="rect">
-            <a:avLst/>
-          </a:prstGeom>
-          <a:noFill/>
-        </p:spPr>
-        <p:txBody>
-          <a:bodyPr wrap="square">
-            <a:spAutoFit/>
-          </a:bodyPr>
-          <a:lstStyle/>
-          <a:p>
-            <a:r>
-              <a:rPr lang="en-US" altLang="zh-CN" sz="2400" b="1" dirty="0">
-                <a:latin typeface="微软雅黑" panose="020B0503020204020204" pitchFamily="34" charset="-122"/>
-                <a:ea typeface="微软雅黑" panose="020B0503020204020204" pitchFamily="34" charset="-122"/>
-              </a:rPr>
-              <a:t>Neural Network</a:t>
-            </a:r>
-            <a:endParaRPr lang="zh-CN" altLang="en-US" sz="2400" b="1" dirty="0">
-              <a:latin typeface="微软雅黑" panose="020B0503020204020204" pitchFamily="34" charset="-122"/>
-              <a:ea typeface="微软雅黑" panose="020B0503020204020204" pitchFamily="34" charset="-122"/>
-            </a:endParaRPr>
-          </a:p>
-        </p:txBody>
-      </p:sp>
-      <p:sp>
-        <p:nvSpPr>
-          <p:cNvPr id="2" name="灯片编号占位符 1">
-            <a:extLst>
-              <a:ext uri="{FF2B5EF4-FFF2-40B4-BE49-F238E27FC236}">
-                <a16:creationId xmlns:a16="http://schemas.microsoft.com/office/drawing/2014/main" id="{FF87081A-8CD6-11E9-2E63-F9E2E8F9E2F3}"/>
-              </a:ext>
-            </a:extLst>
-          </p:cNvPr>
-          <p:cNvSpPr>
-            <a:spLocks noGrp="1"/>
-          </p:cNvSpPr>
-          <p:nvPr>
-            <p:ph type="sldNum" sz="quarter" idx="13"/>
-          </p:nvPr>
-        </p:nvSpPr>
-        <p:spPr>
-          <a:xfrm>
-            <a:off x="9362873" y="5993407"/>
-            <a:ext cx="2743200" cy="365125"/>
-          </a:xfrm>
-        </p:spPr>
-        <p:txBody>
-          <a:bodyPr/>
-          <a:lstStyle/>
-          <a:p>
-            <a:pPr>
-              <a:defRPr/>
-            </a:pPr>
-            <a:fld id="{FF39F2F5-AAEC-484E-8D1B-150359545A16}" type="slidenum">
-              <a:rPr lang="zh-CN" altLang="en-US" smtClean="0"/>
-              <a:pPr>
-                <a:defRPr/>
-              </a:pPr>
-              <a:t>15</a:t>
-            </a:fld>
-            <a:endParaRPr lang="zh-CN" altLang="en-US" dirty="0"/>
-          </a:p>
-        </p:txBody>
-      </p:sp>
-      <p:pic>
-        <p:nvPicPr>
-          <p:cNvPr id="5" name="图片 4">
-            <a:extLst>
-              <a:ext uri="{FF2B5EF4-FFF2-40B4-BE49-F238E27FC236}">
-                <a16:creationId xmlns:a16="http://schemas.microsoft.com/office/drawing/2014/main" id="{520A05AB-B8DE-48BE-59FB-A3D465067513}"/>
-              </a:ext>
-            </a:extLst>
-          </p:cNvPr>
-          <p:cNvPicPr>
-            <a:picLocks noChangeAspect="1"/>
-          </p:cNvPicPr>
-          <p:nvPr/>
-        </p:nvPicPr>
-        <p:blipFill>
-          <a:blip r:embed="rId3"/>
-          <a:stretch>
-            <a:fillRect/>
-          </a:stretch>
-        </p:blipFill>
-        <p:spPr>
-          <a:xfrm>
-            <a:off x="1285484" y="933599"/>
-            <a:ext cx="9621032" cy="2376961"/>
-          </a:xfrm>
-          <a:prstGeom prst="rect">
-            <a:avLst/>
-          </a:prstGeom>
-        </p:spPr>
-      </p:pic>
-      <p:pic>
-        <p:nvPicPr>
-          <p:cNvPr id="9" name="图片 8">
-            <a:extLst>
-              <a:ext uri="{FF2B5EF4-FFF2-40B4-BE49-F238E27FC236}">
-                <a16:creationId xmlns:a16="http://schemas.microsoft.com/office/drawing/2014/main" id="{51E30E9C-F151-D657-F868-0EE5CE18A2A0}"/>
-              </a:ext>
-            </a:extLst>
-          </p:cNvPr>
-          <p:cNvPicPr>
-            <a:picLocks noChangeAspect="1"/>
-          </p:cNvPicPr>
-          <p:nvPr/>
-        </p:nvPicPr>
-        <p:blipFill>
-          <a:blip r:embed="rId4"/>
-          <a:stretch>
-            <a:fillRect/>
-          </a:stretch>
-        </p:blipFill>
-        <p:spPr>
-          <a:xfrm>
-            <a:off x="1194949" y="3601449"/>
-            <a:ext cx="10072118" cy="2757083"/>
-          </a:xfrm>
-          <a:prstGeom prst="rect">
-            <a:avLst/>
-          </a:prstGeom>
-        </p:spPr>
-      </p:pic>
-    </p:spTree>
-    <p:extLst>
-      <p:ext uri="{BB962C8B-B14F-4D97-AF65-F5344CB8AC3E}">
-        <p14:creationId xmlns:p14="http://schemas.microsoft.com/office/powerpoint/2010/main" val="189588389"/>
-      </p:ext>
-    </p:extLst>
-  </p:cSld>
-  <p:clrMapOvr>
-    <a:masterClrMapping/>
-  </p:clrMapOvr>
-  <mc:AlternateContent xmlns:mc="http://schemas.openxmlformats.org/markup-compatibility/2006" xmlns:p14="http://schemas.microsoft.com/office/powerpoint/2010/main">
-    <mc:Choice Requires="p14">
-      <p:transition p14:dur="10"/>
-    </mc:Choice>
-    <mc:Fallback xmlns="">
-      <p:transition/>
-    </mc:Fallback>
-  </mc:AlternateContent>
-</p:sld>
-</file>
-
 <file path=ppt/slides/slide16.xml><?xml version="1.0" encoding="utf-8"?>
 <p:sld xmlns:a="http://schemas.openxmlformats.org/drawingml/2006/main" xmlns:r="http://schemas.openxmlformats.org/officeDocument/2006/relationships" xmlns:p="http://schemas.openxmlformats.org/presentationml/2006/main">
   <p:cSld>
@@ -17531,6 +13246,186 @@
                 <a:defRPr/>
               </a:pPr>
               <a:t>16</a:t>
+            </a:fld>
+            <a:endParaRPr lang="zh-CN" altLang="en-US" dirty="0"/>
+          </a:p>
+        </p:txBody>
+      </p:sp>
+      <p:pic>
+        <p:nvPicPr>
+          <p:cNvPr id="5" name="图片 4">
+            <a:extLst>
+              <a:ext uri="{FF2B5EF4-FFF2-40B4-BE49-F238E27FC236}">
+                <a16:creationId xmlns:a16="http://schemas.microsoft.com/office/drawing/2014/main" id="{520A05AB-B8DE-48BE-59FB-A3D465067513}"/>
+              </a:ext>
+            </a:extLst>
+          </p:cNvPr>
+          <p:cNvPicPr>
+            <a:picLocks noChangeAspect="1"/>
+          </p:cNvPicPr>
+          <p:nvPr/>
+        </p:nvPicPr>
+        <p:blipFill>
+          <a:blip r:embed="rId3"/>
+          <a:stretch>
+            <a:fillRect/>
+          </a:stretch>
+        </p:blipFill>
+        <p:spPr>
+          <a:xfrm>
+            <a:off x="1285484" y="933599"/>
+            <a:ext cx="9621032" cy="2376961"/>
+          </a:xfrm>
+          <a:prstGeom prst="rect">
+            <a:avLst/>
+          </a:prstGeom>
+        </p:spPr>
+      </p:pic>
+      <p:pic>
+        <p:nvPicPr>
+          <p:cNvPr id="9" name="图片 8">
+            <a:extLst>
+              <a:ext uri="{FF2B5EF4-FFF2-40B4-BE49-F238E27FC236}">
+                <a16:creationId xmlns:a16="http://schemas.microsoft.com/office/drawing/2014/main" id="{51E30E9C-F151-D657-F868-0EE5CE18A2A0}"/>
+              </a:ext>
+            </a:extLst>
+          </p:cNvPr>
+          <p:cNvPicPr>
+            <a:picLocks noChangeAspect="1"/>
+          </p:cNvPicPr>
+          <p:nvPr/>
+        </p:nvPicPr>
+        <p:blipFill>
+          <a:blip r:embed="rId4"/>
+          <a:stretch>
+            <a:fillRect/>
+          </a:stretch>
+        </p:blipFill>
+        <p:spPr>
+          <a:xfrm>
+            <a:off x="1194949" y="3601449"/>
+            <a:ext cx="10072118" cy="2757083"/>
+          </a:xfrm>
+          <a:prstGeom prst="rect">
+            <a:avLst/>
+          </a:prstGeom>
+        </p:spPr>
+      </p:pic>
+    </p:spTree>
+    <p:extLst>
+      <p:ext uri="{BB962C8B-B14F-4D97-AF65-F5344CB8AC3E}">
+        <p14:creationId xmlns:p14="http://schemas.microsoft.com/office/powerpoint/2010/main" val="189588389"/>
+      </p:ext>
+    </p:extLst>
+  </p:cSld>
+  <p:clrMapOvr>
+    <a:masterClrMapping/>
+  </p:clrMapOvr>
+  <mc:AlternateContent xmlns:mc="http://schemas.openxmlformats.org/markup-compatibility/2006" xmlns:p14="http://schemas.microsoft.com/office/powerpoint/2010/main">
+    <mc:Choice Requires="p14">
+      <p:transition p14:dur="10"/>
+    </mc:Choice>
+    <mc:Fallback xmlns="">
+      <p:transition/>
+    </mc:Fallback>
+  </mc:AlternateContent>
+</p:sld>
+</file>
+
+<file path=ppt/slides/slide17.xml><?xml version="1.0" encoding="utf-8"?>
+<p:sld xmlns:a="http://schemas.openxmlformats.org/drawingml/2006/main" xmlns:r="http://schemas.openxmlformats.org/officeDocument/2006/relationships" xmlns:p="http://schemas.openxmlformats.org/presentationml/2006/main">
+  <p:cSld>
+    <p:spTree>
+      <p:nvGrpSpPr>
+        <p:cNvPr id="1" name=""/>
+        <p:cNvGrpSpPr/>
+        <p:nvPr/>
+      </p:nvGrpSpPr>
+      <p:grpSpPr>
+        <a:xfrm>
+          <a:off x="0" y="0"/>
+          <a:ext cx="0" cy="0"/>
+          <a:chOff x="0" y="0"/>
+          <a:chExt cx="0" cy="0"/>
+        </a:xfrm>
+      </p:grpSpPr>
+      <p:sp>
+        <p:nvSpPr>
+          <p:cNvPr id="8" name="文本框 7">
+            <a:extLst>
+              <a:ext uri="{FF2B5EF4-FFF2-40B4-BE49-F238E27FC236}">
+                <a16:creationId xmlns:a16="http://schemas.microsoft.com/office/drawing/2014/main" id="{F28F032E-55BD-E929-A8BC-650BB206702A}"/>
+              </a:ext>
+            </a:extLst>
+          </p:cNvPr>
+          <p:cNvSpPr txBox="1"/>
+          <p:nvPr/>
+        </p:nvSpPr>
+        <p:spPr>
+          <a:xfrm>
+            <a:off x="784860" y="325566"/>
+            <a:ext cx="6472588" cy="461665"/>
+          </a:xfrm>
+          <a:prstGeom prst="rect">
+            <a:avLst/>
+          </a:prstGeom>
+          <a:noFill/>
+        </p:spPr>
+        <p:txBody>
+          <a:bodyPr wrap="square">
+            <a:spAutoFit/>
+          </a:bodyPr>
+          <a:lstStyle/>
+          <a:p>
+            <a:r>
+              <a:rPr lang="en-US" altLang="zh-CN" sz="2400" b="1" dirty="0">
+                <a:latin typeface="微软雅黑" panose="020B0503020204020204" pitchFamily="34" charset="-122"/>
+                <a:ea typeface="微软雅黑" panose="020B0503020204020204" pitchFamily="34" charset="-122"/>
+              </a:rPr>
+              <a:t>Neural Network</a:t>
+            </a:r>
+            <a:endParaRPr lang="zh-CN" altLang="en-US" sz="2400" b="1" dirty="0">
+              <a:latin typeface="微软雅黑" panose="020B0503020204020204" pitchFamily="34" charset="-122"/>
+              <a:ea typeface="微软雅黑" panose="020B0503020204020204" pitchFamily="34" charset="-122"/>
+            </a:endParaRPr>
+          </a:p>
+        </p:txBody>
+      </p:sp>
+      <p:sp>
+        <p:nvSpPr>
+          <p:cNvPr id="2" name="灯片编号占位符 1">
+            <a:extLst>
+              <a:ext uri="{FF2B5EF4-FFF2-40B4-BE49-F238E27FC236}">
+                <a16:creationId xmlns:a16="http://schemas.microsoft.com/office/drawing/2014/main" id="{FF87081A-8CD6-11E9-2E63-F9E2E8F9E2F3}"/>
+              </a:ext>
+            </a:extLst>
+          </p:cNvPr>
+          <p:cNvSpPr>
+            <a:spLocks noGrp="1"/>
+          </p:cNvSpPr>
+          <p:nvPr>
+            <p:ph type="sldNum" sz="quarter" idx="13"/>
+          </p:nvPr>
+        </p:nvSpPr>
+        <p:spPr>
+          <a:xfrm>
+            <a:off x="9362873" y="5993407"/>
+            <a:ext cx="2743200" cy="365125"/>
+          </a:xfrm>
+        </p:spPr>
+        <p:txBody>
+          <a:bodyPr/>
+          <a:lstStyle/>
+          <a:p>
+            <a:pPr>
+              <a:defRPr/>
+            </a:pPr>
+            <a:fld id="{FF39F2F5-AAEC-484E-8D1B-150359545A16}" type="slidenum">
+              <a:rPr lang="zh-CN" altLang="en-US" smtClean="0"/>
+              <a:pPr>
+                <a:defRPr/>
+              </a:pPr>
+              <a:t>17</a:t>
             </a:fld>
             <a:endParaRPr lang="zh-CN" altLang="en-US" dirty="0"/>
           </a:p>
@@ -18805,7 +14700,7 @@
 </p:sld>
 </file>
 
-<file path=ppt/slides/slide17.xml><?xml version="1.0" encoding="utf-8"?>
+<file path=ppt/slides/slide18.xml><?xml version="1.0" encoding="utf-8"?>
 <p:sld xmlns:a="http://schemas.openxmlformats.org/drawingml/2006/main" xmlns:r="http://schemas.openxmlformats.org/officeDocument/2006/relationships" xmlns:p="http://schemas.openxmlformats.org/presentationml/2006/main">
   <p:cSld>
     <p:spTree>
@@ -18898,7 +14793,7 @@
               <a:pPr>
                 <a:defRPr/>
               </a:pPr>
-              <a:t>17</a:t>
+              <a:t>18</a:t>
             </a:fld>
             <a:endParaRPr lang="zh-CN" altLang="en-US" dirty="0"/>
           </a:p>
@@ -19638,7 +15533,7 @@
 </p:sld>
 </file>
 
-<file path=ppt/slides/slide18.xml><?xml version="1.0" encoding="utf-8"?>
+<file path=ppt/slides/slide19.xml><?xml version="1.0" encoding="utf-8"?>
 <p:sld xmlns:a="http://schemas.openxmlformats.org/drawingml/2006/main" xmlns:r="http://schemas.openxmlformats.org/officeDocument/2006/relationships" xmlns:p="http://schemas.openxmlformats.org/presentationml/2006/main">
   <p:cSld>
     <p:spTree>
@@ -19731,7 +15626,7 @@
               <a:pPr>
                 <a:defRPr/>
               </a:pPr>
-              <a:t>18</a:t>
+              <a:t>19</a:t>
             </a:fld>
             <a:endParaRPr lang="zh-CN" altLang="en-US" dirty="0"/>
           </a:p>
@@ -20691,7 +16586,187 @@
 </p:sld>
 </file>
 
-<file path=ppt/slides/slide19.xml><?xml version="1.0" encoding="utf-8"?>
+<file path=ppt/slides/slide2.xml><?xml version="1.0" encoding="utf-8"?>
+<p:sld xmlns:a="http://schemas.openxmlformats.org/drawingml/2006/main" xmlns:r="http://schemas.openxmlformats.org/officeDocument/2006/relationships" xmlns:p="http://schemas.openxmlformats.org/presentationml/2006/main">
+  <p:cSld>
+    <p:spTree>
+      <p:nvGrpSpPr>
+        <p:cNvPr id="1" name=""/>
+        <p:cNvGrpSpPr/>
+        <p:nvPr/>
+      </p:nvGrpSpPr>
+      <p:grpSpPr>
+        <a:xfrm>
+          <a:off x="0" y="0"/>
+          <a:ext cx="0" cy="0"/>
+          <a:chOff x="0" y="0"/>
+          <a:chExt cx="0" cy="0"/>
+        </a:xfrm>
+      </p:grpSpPr>
+      <p:sp>
+        <p:nvSpPr>
+          <p:cNvPr id="8" name="文本框 7">
+            <a:extLst>
+              <a:ext uri="{FF2B5EF4-FFF2-40B4-BE49-F238E27FC236}">
+                <a16:creationId xmlns:a16="http://schemas.microsoft.com/office/drawing/2014/main" id="{F28F032E-55BD-E929-A8BC-650BB206702A}"/>
+              </a:ext>
+            </a:extLst>
+          </p:cNvPr>
+          <p:cNvSpPr txBox="1"/>
+          <p:nvPr/>
+        </p:nvSpPr>
+        <p:spPr>
+          <a:xfrm>
+            <a:off x="684328" y="323729"/>
+            <a:ext cx="6472588" cy="461665"/>
+          </a:xfrm>
+          <a:prstGeom prst="rect">
+            <a:avLst/>
+          </a:prstGeom>
+          <a:noFill/>
+        </p:spPr>
+        <p:txBody>
+          <a:bodyPr wrap="square">
+            <a:spAutoFit/>
+          </a:bodyPr>
+          <a:lstStyle/>
+          <a:p>
+            <a:r>
+              <a:rPr lang="en-US" altLang="zh-CN" sz="2400" b="1" dirty="0">
+                <a:latin typeface="微软雅黑" panose="020B0503020204020204" pitchFamily="34" charset="-122"/>
+                <a:ea typeface="微软雅黑" panose="020B0503020204020204" pitchFamily="34" charset="-122"/>
+              </a:rPr>
+              <a:t>Neural Network to modeling </a:t>
+            </a:r>
+            <a:endParaRPr lang="zh-CN" altLang="en-US" sz="2400" b="1" dirty="0">
+              <a:latin typeface="微软雅黑" panose="020B0503020204020204" pitchFamily="34" charset="-122"/>
+              <a:ea typeface="微软雅黑" panose="020B0503020204020204" pitchFamily="34" charset="-122"/>
+            </a:endParaRPr>
+          </a:p>
+        </p:txBody>
+      </p:sp>
+      <p:sp>
+        <p:nvSpPr>
+          <p:cNvPr id="2" name="灯片编号占位符 1">
+            <a:extLst>
+              <a:ext uri="{FF2B5EF4-FFF2-40B4-BE49-F238E27FC236}">
+                <a16:creationId xmlns:a16="http://schemas.microsoft.com/office/drawing/2014/main" id="{FF87081A-8CD6-11E9-2E63-F9E2E8F9E2F3}"/>
+              </a:ext>
+            </a:extLst>
+          </p:cNvPr>
+          <p:cNvSpPr>
+            <a:spLocks noGrp="1"/>
+          </p:cNvSpPr>
+          <p:nvPr>
+            <p:ph type="sldNum" sz="quarter" idx="13"/>
+          </p:nvPr>
+        </p:nvSpPr>
+        <p:spPr>
+          <a:xfrm>
+            <a:off x="9332384" y="6028781"/>
+            <a:ext cx="2743200" cy="365125"/>
+          </a:xfrm>
+        </p:spPr>
+        <p:txBody>
+          <a:bodyPr/>
+          <a:lstStyle/>
+          <a:p>
+            <a:pPr>
+              <a:defRPr/>
+            </a:pPr>
+            <a:fld id="{FF39F2F5-AAEC-484E-8D1B-150359545A16}" type="slidenum">
+              <a:rPr lang="zh-CN" altLang="en-US" smtClean="0"/>
+              <a:pPr>
+                <a:defRPr/>
+              </a:pPr>
+              <a:t>2</a:t>
+            </a:fld>
+            <a:endParaRPr lang="zh-CN" altLang="en-US" dirty="0"/>
+          </a:p>
+        </p:txBody>
+      </p:sp>
+      <p:pic>
+        <p:nvPicPr>
+          <p:cNvPr id="5" name="图片 4">
+            <a:extLst>
+              <a:ext uri="{FF2B5EF4-FFF2-40B4-BE49-F238E27FC236}">
+                <a16:creationId xmlns:a16="http://schemas.microsoft.com/office/drawing/2014/main" id="{CF0CB593-E2F8-BB4A-A098-6F1D34FEE3ED}"/>
+              </a:ext>
+            </a:extLst>
+          </p:cNvPr>
+          <p:cNvPicPr>
+            <a:picLocks noChangeAspect="1"/>
+          </p:cNvPicPr>
+          <p:nvPr/>
+        </p:nvPicPr>
+        <p:blipFill>
+          <a:blip r:embed="rId3"/>
+          <a:stretch>
+            <a:fillRect/>
+          </a:stretch>
+        </p:blipFill>
+        <p:spPr>
+          <a:xfrm>
+            <a:off x="512698" y="967517"/>
+            <a:ext cx="2972888" cy="2224469"/>
+          </a:xfrm>
+          <a:prstGeom prst="rect">
+            <a:avLst/>
+          </a:prstGeom>
+        </p:spPr>
+      </p:pic>
+      <p:pic>
+        <p:nvPicPr>
+          <p:cNvPr id="7" name="图片 6">
+            <a:extLst>
+              <a:ext uri="{FF2B5EF4-FFF2-40B4-BE49-F238E27FC236}">
+                <a16:creationId xmlns:a16="http://schemas.microsoft.com/office/drawing/2014/main" id="{1C010EB2-DE16-F421-CB04-3E2492B79953}"/>
+              </a:ext>
+            </a:extLst>
+          </p:cNvPr>
+          <p:cNvPicPr>
+            <a:picLocks noChangeAspect="1"/>
+          </p:cNvPicPr>
+          <p:nvPr/>
+        </p:nvPicPr>
+        <p:blipFill>
+          <a:blip r:embed="rId4"/>
+          <a:stretch>
+            <a:fillRect/>
+          </a:stretch>
+        </p:blipFill>
+        <p:spPr>
+          <a:xfrm>
+            <a:off x="6812670" y="1190312"/>
+            <a:ext cx="5039428" cy="4477375"/>
+          </a:xfrm>
+          <a:prstGeom prst="rect">
+            <a:avLst/>
+          </a:prstGeom>
+        </p:spPr>
+      </p:pic>
+    </p:spTree>
+    <p:extLst>
+      <p:ext uri="{BB962C8B-B14F-4D97-AF65-F5344CB8AC3E}">
+        <p14:creationId xmlns:p14="http://schemas.microsoft.com/office/powerpoint/2010/main" val="1505766125"/>
+      </p:ext>
+    </p:extLst>
+  </p:cSld>
+  <p:clrMapOvr>
+    <a:masterClrMapping/>
+  </p:clrMapOvr>
+  <mc:AlternateContent xmlns:mc="http://schemas.openxmlformats.org/markup-compatibility/2006" xmlns:p14="http://schemas.microsoft.com/office/powerpoint/2010/main">
+    <mc:Choice Requires="p14">
+      <p:transition p14:dur="10"/>
+    </mc:Choice>
+    <mc:Fallback xmlns="">
+      <p:transition/>
+    </mc:Fallback>
+  </mc:AlternateContent>
+</p:sld>
+</file>
+
+<file path=ppt/slides/slide20.xml><?xml version="1.0" encoding="utf-8"?>
 <p:sld xmlns:a="http://schemas.openxmlformats.org/drawingml/2006/main" xmlns:r="http://schemas.openxmlformats.org/officeDocument/2006/relationships" xmlns:p="http://schemas.openxmlformats.org/presentationml/2006/main">
   <p:cSld>
     <p:spTree>
@@ -20784,7 +16859,7 @@
               <a:pPr>
                 <a:defRPr/>
               </a:pPr>
-              <a:t>19</a:t>
+              <a:t>20</a:t>
             </a:fld>
             <a:endParaRPr lang="zh-CN" altLang="en-US" dirty="0"/>
           </a:p>
@@ -22161,487 +18236,7 @@
 </p:sld>
 </file>
 
-<file path=ppt/slides/slide2.xml><?xml version="1.0" encoding="utf-8"?>
-<p:sld xmlns:a="http://schemas.openxmlformats.org/drawingml/2006/main" xmlns:r="http://schemas.openxmlformats.org/officeDocument/2006/relationships" xmlns:p="http://schemas.openxmlformats.org/presentationml/2006/main">
-  <p:cSld>
-    <p:spTree>
-      <p:nvGrpSpPr>
-        <p:cNvPr id="1" name=""/>
-        <p:cNvGrpSpPr/>
-        <p:nvPr/>
-      </p:nvGrpSpPr>
-      <p:grpSpPr>
-        <a:xfrm>
-          <a:off x="0" y="0"/>
-          <a:ext cx="0" cy="0"/>
-          <a:chOff x="0" y="0"/>
-          <a:chExt cx="0" cy="0"/>
-        </a:xfrm>
-      </p:grpSpPr>
-      <p:sp>
-        <p:nvSpPr>
-          <p:cNvPr id="8" name="文本框 7">
-            <a:extLst>
-              <a:ext uri="{FF2B5EF4-FFF2-40B4-BE49-F238E27FC236}">
-                <a16:creationId xmlns:a16="http://schemas.microsoft.com/office/drawing/2014/main" id="{F28F032E-55BD-E929-A8BC-650BB206702A}"/>
-              </a:ext>
-            </a:extLst>
-          </p:cNvPr>
-          <p:cNvSpPr txBox="1"/>
-          <p:nvPr/>
-        </p:nvSpPr>
-        <p:spPr>
-          <a:xfrm>
-            <a:off x="784860" y="325566"/>
-            <a:ext cx="6472588" cy="461665"/>
-          </a:xfrm>
-          <a:prstGeom prst="rect">
-            <a:avLst/>
-          </a:prstGeom>
-          <a:noFill/>
-        </p:spPr>
-        <p:txBody>
-          <a:bodyPr wrap="square">
-            <a:spAutoFit/>
-          </a:bodyPr>
-          <a:lstStyle/>
-          <a:p>
-            <a:r>
-              <a:rPr lang="en-US" altLang="zh-CN" sz="2400" b="1" dirty="0">
-                <a:latin typeface="微软雅黑" panose="020B0503020204020204" pitchFamily="34" charset="-122"/>
-                <a:ea typeface="微软雅黑" panose="020B0503020204020204" pitchFamily="34" charset="-122"/>
-              </a:rPr>
-              <a:t>Neural Network——1</a:t>
-            </a:r>
-            <a:r>
-              <a:rPr lang="zh-CN" altLang="en-US" sz="2400" b="1" dirty="0">
-                <a:latin typeface="微软雅黑" panose="020B0503020204020204" pitchFamily="34" charset="-122"/>
-                <a:ea typeface="微软雅黑" panose="020B0503020204020204" pitchFamily="34" charset="-122"/>
-              </a:rPr>
-              <a:t>、注意事项</a:t>
-            </a:r>
-          </a:p>
-        </p:txBody>
-      </p:sp>
-      <p:sp>
-        <p:nvSpPr>
-          <p:cNvPr id="2" name="灯片编号占位符 1">
-            <a:extLst>
-              <a:ext uri="{FF2B5EF4-FFF2-40B4-BE49-F238E27FC236}">
-                <a16:creationId xmlns:a16="http://schemas.microsoft.com/office/drawing/2014/main" id="{FF87081A-8CD6-11E9-2E63-F9E2E8F9E2F3}"/>
-              </a:ext>
-            </a:extLst>
-          </p:cNvPr>
-          <p:cNvSpPr>
-            <a:spLocks noGrp="1"/>
-          </p:cNvSpPr>
-          <p:nvPr>
-            <p:ph type="sldNum" sz="quarter" idx="13"/>
-          </p:nvPr>
-        </p:nvSpPr>
-        <p:spPr>
-          <a:xfrm>
-            <a:off x="9362873" y="5993407"/>
-            <a:ext cx="2743200" cy="365125"/>
-          </a:xfrm>
-        </p:spPr>
-        <p:txBody>
-          <a:bodyPr/>
-          <a:lstStyle/>
-          <a:p>
-            <a:pPr>
-              <a:defRPr/>
-            </a:pPr>
-            <a:fld id="{FF39F2F5-AAEC-484E-8D1B-150359545A16}" type="slidenum">
-              <a:rPr lang="zh-CN" altLang="en-US" smtClean="0"/>
-              <a:pPr>
-                <a:defRPr/>
-              </a:pPr>
-              <a:t>2</a:t>
-            </a:fld>
-            <a:endParaRPr lang="zh-CN" altLang="en-US"/>
-          </a:p>
-        </p:txBody>
-      </p:sp>
-      <p:sp>
-        <p:nvSpPr>
-          <p:cNvPr id="13" name="文本框 12">
-            <a:extLst>
-              <a:ext uri="{FF2B5EF4-FFF2-40B4-BE49-F238E27FC236}">
-                <a16:creationId xmlns:a16="http://schemas.microsoft.com/office/drawing/2014/main" id="{C3343C95-AF92-7FAD-760B-9173CD314BFB}"/>
-              </a:ext>
-            </a:extLst>
-          </p:cNvPr>
-          <p:cNvSpPr txBox="1"/>
-          <p:nvPr/>
-        </p:nvSpPr>
-        <p:spPr>
-          <a:xfrm>
-            <a:off x="170929" y="1024721"/>
-            <a:ext cx="8755788" cy="615553"/>
-          </a:xfrm>
-          <a:prstGeom prst="rect">
-            <a:avLst/>
-          </a:prstGeom>
-          <a:noFill/>
-        </p:spPr>
-        <p:txBody>
-          <a:bodyPr wrap="square" rtlCol="0">
-            <a:spAutoFit/>
-          </a:bodyPr>
-          <a:lstStyle/>
-          <a:p>
-            <a:r>
-              <a:rPr lang="zh-CN" altLang="en-US" b="1" dirty="0">
-                <a:latin typeface="+mn-ea"/>
-              </a:rPr>
-              <a:t>划分数据集：有助于加快神经网络选择、调优的循环效率。</a:t>
-            </a:r>
-            <a:endParaRPr lang="en-US" altLang="zh-CN" b="1" dirty="0">
-              <a:latin typeface="+mn-ea"/>
-            </a:endParaRPr>
-          </a:p>
-          <a:p>
-            <a:pPr marL="285750" indent="-285750">
-              <a:buFont typeface="Arial" panose="020B0604020202020204" pitchFamily="34" charset="0"/>
-              <a:buChar char="•"/>
-            </a:pPr>
-            <a:endParaRPr lang="en-US" altLang="zh-CN" sz="1600" dirty="0">
-              <a:latin typeface="+mn-ea"/>
-            </a:endParaRPr>
-          </a:p>
-        </p:txBody>
-      </p:sp>
-      <p:pic>
-        <p:nvPicPr>
-          <p:cNvPr id="5" name="图片 4">
-            <a:extLst>
-              <a:ext uri="{FF2B5EF4-FFF2-40B4-BE49-F238E27FC236}">
-                <a16:creationId xmlns:a16="http://schemas.microsoft.com/office/drawing/2014/main" id="{3182C4D4-BFAE-F551-38CD-33A18E401D42}"/>
-              </a:ext>
-            </a:extLst>
-          </p:cNvPr>
-          <p:cNvPicPr>
-            <a:picLocks noChangeAspect="1"/>
-          </p:cNvPicPr>
-          <p:nvPr/>
-        </p:nvPicPr>
-        <p:blipFill rotWithShape="1">
-          <a:blip r:embed="rId3"/>
-          <a:srcRect l="15149" r="34737"/>
-          <a:stretch/>
-        </p:blipFill>
-        <p:spPr>
-          <a:xfrm>
-            <a:off x="280657" y="1448613"/>
-            <a:ext cx="2498757" cy="425009"/>
-          </a:xfrm>
-          <a:prstGeom prst="rect">
-            <a:avLst/>
-          </a:prstGeom>
-        </p:spPr>
-      </p:pic>
-      <p:graphicFrame>
-        <p:nvGraphicFramePr>
-          <p:cNvPr id="7" name="表格 6">
-            <a:extLst>
-              <a:ext uri="{FF2B5EF4-FFF2-40B4-BE49-F238E27FC236}">
-                <a16:creationId xmlns:a16="http://schemas.microsoft.com/office/drawing/2014/main" id="{800C1466-79EE-B8A0-F8E0-715495B6B454}"/>
-              </a:ext>
-            </a:extLst>
-          </p:cNvPr>
-          <p:cNvGraphicFramePr>
-            <a:graphicFrameLocks noGrp="1"/>
-          </p:cNvGraphicFramePr>
-          <p:nvPr>
-            <p:extLst>
-              <p:ext uri="{D42A27DB-BD31-4B8C-83A1-F6EECF244321}">
-                <p14:modId xmlns:p14="http://schemas.microsoft.com/office/powerpoint/2010/main" val="1051976928"/>
-              </p:ext>
-            </p:extLst>
-          </p:nvPr>
-        </p:nvGraphicFramePr>
-        <p:xfrm>
-          <a:off x="1429360" y="1931754"/>
-          <a:ext cx="9434798" cy="365760"/>
-        </p:xfrm>
-        <a:graphic>
-          <a:graphicData uri="http://schemas.openxmlformats.org/drawingml/2006/table">
-            <a:tbl>
-              <a:tblPr firstRow="1" bandRow="1">
-                <a:tableStyleId>{5C22544A-7EE6-4342-B048-85BDC9FD1C3A}</a:tableStyleId>
-              </a:tblPr>
-              <a:tblGrid>
-                <a:gridCol w="5894893">
-                  <a:extLst>
-                    <a:ext uri="{9D8B030D-6E8A-4147-A177-3AD203B41FA5}">
-                      <a16:colId xmlns:a16="http://schemas.microsoft.com/office/drawing/2014/main" val="158219622"/>
-                    </a:ext>
-                  </a:extLst>
-                </a:gridCol>
-                <a:gridCol w="1683945">
-                  <a:extLst>
-                    <a:ext uri="{9D8B030D-6E8A-4147-A177-3AD203B41FA5}">
-                      <a16:colId xmlns:a16="http://schemas.microsoft.com/office/drawing/2014/main" val="3545657180"/>
-                    </a:ext>
-                  </a:extLst>
-                </a:gridCol>
-                <a:gridCol w="1855960">
-                  <a:extLst>
-                    <a:ext uri="{9D8B030D-6E8A-4147-A177-3AD203B41FA5}">
-                      <a16:colId xmlns:a16="http://schemas.microsoft.com/office/drawing/2014/main" val="3473787296"/>
-                    </a:ext>
-                  </a:extLst>
-                </a:gridCol>
-              </a:tblGrid>
-              <a:tr h="0">
-                <a:tc>
-                  <a:txBody>
-                    <a:bodyPr/>
-                    <a:lstStyle/>
-                    <a:p>
-                      <a:pPr algn="ctr"/>
-                      <a:r>
-                        <a:rPr lang="zh-CN" altLang="en-US" dirty="0"/>
-                        <a:t>训练集</a:t>
-                      </a:r>
-                      <a:r>
-                        <a:rPr lang="en-US" altLang="zh-CN" dirty="0"/>
-                        <a:t>(70%)</a:t>
-                      </a:r>
-                      <a:endParaRPr lang="zh-CN" altLang="en-US" dirty="0"/>
-                    </a:p>
-                  </a:txBody>
-                  <a:tcPr/>
-                </a:tc>
-                <a:tc>
-                  <a:txBody>
-                    <a:bodyPr/>
-                    <a:lstStyle/>
-                    <a:p>
-                      <a:pPr algn="ctr"/>
-                      <a:r>
-                        <a:rPr lang="zh-CN" altLang="en-US" dirty="0"/>
-                        <a:t>验证集</a:t>
-                      </a:r>
-                      <a:r>
-                        <a:rPr lang="en-US" altLang="zh-CN" dirty="0"/>
-                        <a:t>(15%)</a:t>
-                      </a:r>
-                      <a:endParaRPr lang="zh-CN" altLang="en-US" dirty="0"/>
-                    </a:p>
-                  </a:txBody>
-                  <a:tcPr/>
-                </a:tc>
-                <a:tc>
-                  <a:txBody>
-                    <a:bodyPr/>
-                    <a:lstStyle/>
-                    <a:p>
-                      <a:pPr algn="ctr"/>
-                      <a:r>
-                        <a:rPr lang="zh-CN" altLang="en-US" dirty="0"/>
-                        <a:t>测试集</a:t>
-                      </a:r>
-                      <a:r>
-                        <a:rPr lang="en-US" altLang="zh-CN" dirty="0"/>
-                        <a:t>(15%)</a:t>
-                      </a:r>
-                      <a:endParaRPr lang="zh-CN" altLang="en-US" dirty="0"/>
-                    </a:p>
-                  </a:txBody>
-                  <a:tcPr/>
-                </a:tc>
-                <a:extLst>
-                  <a:ext uri="{0D108BD9-81ED-4DB2-BD59-A6C34878D82A}">
-                    <a16:rowId xmlns:a16="http://schemas.microsoft.com/office/drawing/2014/main" val="1366770642"/>
-                  </a:ext>
-                </a:extLst>
-              </a:tr>
-            </a:tbl>
-          </a:graphicData>
-        </a:graphic>
-      </p:graphicFrame>
-      <p:sp>
-        <p:nvSpPr>
-          <p:cNvPr id="9" name="文本框 8">
-            <a:extLst>
-              <a:ext uri="{FF2B5EF4-FFF2-40B4-BE49-F238E27FC236}">
-                <a16:creationId xmlns:a16="http://schemas.microsoft.com/office/drawing/2014/main" id="{497F84D4-6B65-5E56-2EA6-10FA006A11B3}"/>
-              </a:ext>
-            </a:extLst>
-          </p:cNvPr>
-          <p:cNvSpPr txBox="1"/>
-          <p:nvPr/>
-        </p:nvSpPr>
-        <p:spPr>
-          <a:xfrm>
-            <a:off x="170929" y="2771249"/>
-            <a:ext cx="10485000" cy="2554545"/>
-          </a:xfrm>
-          <a:prstGeom prst="rect">
-            <a:avLst/>
-          </a:prstGeom>
-          <a:noFill/>
-        </p:spPr>
-        <p:txBody>
-          <a:bodyPr wrap="square" rtlCol="0">
-            <a:spAutoFit/>
-          </a:bodyPr>
-          <a:lstStyle/>
-          <a:p>
-            <a:pPr marL="285750" indent="-285750">
-              <a:buFont typeface="Arial" panose="020B0604020202020204" pitchFamily="34" charset="0"/>
-              <a:buChar char="•"/>
-            </a:pPr>
-            <a:r>
-              <a:rPr lang="zh-CN" altLang="en-US" sz="1600" b="1" dirty="0">
-                <a:latin typeface="+mn-ea"/>
-              </a:rPr>
-              <a:t>训练集（</a:t>
-            </a:r>
-            <a:r>
-              <a:rPr lang="en-US" altLang="zh-CN" sz="1600" b="1" dirty="0">
-                <a:latin typeface="+mn-ea"/>
-              </a:rPr>
-              <a:t>Training set</a:t>
-            </a:r>
-            <a:r>
-              <a:rPr lang="zh-CN" altLang="en-US" sz="1600" b="1" dirty="0">
-                <a:latin typeface="+mn-ea"/>
-              </a:rPr>
-              <a:t>）</a:t>
-            </a:r>
-            <a:r>
-              <a:rPr lang="zh-CN" altLang="en-US" sz="1600" dirty="0">
-                <a:latin typeface="+mn-ea"/>
-              </a:rPr>
-              <a:t>：在训练过程中，模型通过反向传播算法和优化方法来调整参数，使其逐渐适应训练集中的样本。</a:t>
-            </a:r>
-            <a:endParaRPr lang="en-US" altLang="zh-CN" sz="1600" dirty="0">
-              <a:latin typeface="+mn-ea"/>
-            </a:endParaRPr>
-          </a:p>
-          <a:p>
-            <a:endParaRPr lang="en-US" altLang="zh-CN" sz="1600" dirty="0">
-              <a:latin typeface="+mn-ea"/>
-            </a:endParaRPr>
-          </a:p>
-          <a:p>
-            <a:pPr marL="285750" indent="-285750">
-              <a:buFont typeface="Arial" panose="020B0604020202020204" pitchFamily="34" charset="0"/>
-              <a:buChar char="•"/>
-            </a:pPr>
-            <a:r>
-              <a:rPr lang="zh-CN" altLang="en-US" sz="1600" b="1" dirty="0">
-                <a:latin typeface="+mn-ea"/>
-              </a:rPr>
-              <a:t>验证集（</a:t>
-            </a:r>
-            <a:r>
-              <a:rPr lang="en-US" altLang="zh-CN" sz="1600" b="1" dirty="0">
-                <a:latin typeface="+mn-ea"/>
-              </a:rPr>
-              <a:t>Dev set</a:t>
-            </a:r>
-            <a:r>
-              <a:rPr lang="zh-CN" altLang="en-US" sz="1600" b="1" dirty="0">
-                <a:latin typeface="+mn-ea"/>
-              </a:rPr>
-              <a:t>）</a:t>
-            </a:r>
-            <a:r>
-              <a:rPr lang="zh-CN" altLang="en-US" sz="1600" dirty="0">
-                <a:latin typeface="+mn-ea"/>
-              </a:rPr>
-              <a:t>：</a:t>
-            </a:r>
-            <a:r>
-              <a:rPr lang="zh-CN" altLang="en-US" sz="1600" b="0" i="0" dirty="0">
-                <a:solidFill>
-                  <a:srgbClr val="24292F"/>
-                </a:solidFill>
-                <a:effectLst/>
-                <a:latin typeface="-apple-system"/>
-              </a:rPr>
-              <a:t>验证集是用于调整神经网络模型超参数（如学习率、正则化参数等）和进行模型选择的数据集。验证集在训练过程中与训练集独立，没有参与模型参数的调整。通过在验证集上评估不同模型的性能，可以选出表现最好的模型。验证集的作用是帮助我们调整模型的复杂度，防止过拟合，同时也可以提供一个早期的性能指标，指导模型训练过程中的调优。</a:t>
-            </a:r>
-            <a:endParaRPr lang="en-US" altLang="zh-CN" sz="1600" dirty="0">
-              <a:latin typeface="+mn-ea"/>
-            </a:endParaRPr>
-          </a:p>
-          <a:p>
-            <a:endParaRPr lang="en-US" altLang="zh-CN" sz="1600" dirty="0">
-              <a:latin typeface="+mn-ea"/>
-            </a:endParaRPr>
-          </a:p>
-          <a:p>
-            <a:pPr marL="285750" indent="-285750">
-              <a:buFont typeface="Arial" panose="020B0604020202020204" pitchFamily="34" charset="0"/>
-              <a:buChar char="•"/>
-            </a:pPr>
-            <a:r>
-              <a:rPr lang="zh-CN" altLang="en-US" sz="1600" b="1" dirty="0">
-                <a:latin typeface="+mn-ea"/>
-              </a:rPr>
-              <a:t>测试集（</a:t>
-            </a:r>
-            <a:r>
-              <a:rPr lang="en-US" altLang="zh-CN" sz="1600" b="1" dirty="0">
-                <a:latin typeface="+mn-ea"/>
-              </a:rPr>
-              <a:t>Test set</a:t>
-            </a:r>
-            <a:r>
-              <a:rPr lang="zh-CN" altLang="en-US" sz="1600" b="1" dirty="0">
-                <a:latin typeface="+mn-ea"/>
-              </a:rPr>
-              <a:t>）</a:t>
-            </a:r>
-            <a:r>
-              <a:rPr lang="zh-CN" altLang="en-US" sz="1600" dirty="0">
-                <a:latin typeface="+mn-ea"/>
-              </a:rPr>
-              <a:t>：</a:t>
-            </a:r>
-            <a:r>
-              <a:rPr lang="zh-CN" altLang="en-US" sz="1600" b="0" i="0" dirty="0">
-                <a:solidFill>
-                  <a:srgbClr val="24292F"/>
-                </a:solidFill>
-                <a:effectLst/>
-                <a:latin typeface="-apple-system"/>
-              </a:rPr>
-              <a:t>用于最终评估训练好的模型性能的数据集。测试集在整个训练过程中没有被使用过，可以客观地衡量模型的泛化能力和对新样本的预测准确度。</a:t>
-            </a:r>
-            <a:endParaRPr lang="en-US" altLang="zh-CN" sz="1600" dirty="0">
-              <a:latin typeface="+mn-ea"/>
-            </a:endParaRPr>
-          </a:p>
-        </p:txBody>
-      </p:sp>
-    </p:spTree>
-    <p:extLst>
-      <p:ext uri="{BB962C8B-B14F-4D97-AF65-F5344CB8AC3E}">
-        <p14:creationId xmlns:p14="http://schemas.microsoft.com/office/powerpoint/2010/main" val="2530972316"/>
-      </p:ext>
-    </p:extLst>
-  </p:cSld>
-  <p:clrMapOvr>
-    <a:masterClrMapping/>
-  </p:clrMapOvr>
-  <mc:AlternateContent xmlns:mc="http://schemas.openxmlformats.org/markup-compatibility/2006" xmlns:p14="http://schemas.microsoft.com/office/powerpoint/2010/main">
-    <mc:Choice Requires="p14">
-      <p:transition p14:dur="10"/>
-    </mc:Choice>
-    <mc:Fallback xmlns="">
-      <p:transition/>
-    </mc:Fallback>
-  </mc:AlternateContent>
-</p:sld>
-</file>
-
-<file path=ppt/slides/slide20.xml><?xml version="1.0" encoding="utf-8"?>
+<file path=ppt/slides/slide21.xml><?xml version="1.0" encoding="utf-8"?>
 <p:sld xmlns:a="http://schemas.openxmlformats.org/drawingml/2006/main" xmlns:r="http://schemas.openxmlformats.org/officeDocument/2006/relationships" xmlns:p="http://schemas.openxmlformats.org/presentationml/2006/main">
   <p:cSld>
     <p:spTree>
@@ -22734,7 +18329,7 @@
               <a:pPr>
                 <a:defRPr/>
               </a:pPr>
-              <a:t>20</a:t>
+              <a:t>21</a:t>
             </a:fld>
             <a:endParaRPr lang="zh-CN" altLang="en-US" dirty="0"/>
           </a:p>
@@ -23116,7 +18711,7 @@
 </p:sld>
 </file>
 
-<file path=ppt/slides/slide21.xml><?xml version="1.0" encoding="utf-8"?>
+<file path=ppt/slides/slide22.xml><?xml version="1.0" encoding="utf-8"?>
 <p:sld xmlns:a="http://schemas.openxmlformats.org/drawingml/2006/main" xmlns:r="http://schemas.openxmlformats.org/officeDocument/2006/relationships" xmlns:p="http://schemas.openxmlformats.org/presentationml/2006/main">
   <p:cSld>
     <p:spTree>
@@ -23209,7 +18804,7 @@
               <a:pPr>
                 <a:defRPr/>
               </a:pPr>
-              <a:t>21</a:t>
+              <a:t>22</a:t>
             </a:fld>
             <a:endParaRPr lang="zh-CN" altLang="en-US" dirty="0"/>
           </a:p>
@@ -23856,7 +19451,7 @@
 </p:sld>
 </file>
 
-<file path=ppt/slides/slide22.xml><?xml version="1.0" encoding="utf-8"?>
+<file path=ppt/slides/slide23.xml><?xml version="1.0" encoding="utf-8"?>
 <p:sld xmlns:a="http://schemas.openxmlformats.org/drawingml/2006/main" xmlns:r="http://schemas.openxmlformats.org/officeDocument/2006/relationships" xmlns:p="http://schemas.openxmlformats.org/presentationml/2006/main">
   <p:cSld>
     <p:spTree>
@@ -23949,7 +19544,7 @@
               <a:pPr>
                 <a:defRPr/>
               </a:pPr>
-              <a:t>22</a:t>
+              <a:t>23</a:t>
             </a:fld>
             <a:endParaRPr lang="zh-CN" altLang="en-US" dirty="0"/>
           </a:p>
@@ -24615,7 +20210,7 @@
 </p:sld>
 </file>
 
-<file path=ppt/slides/slide23.xml><?xml version="1.0" encoding="utf-8"?>
+<file path=ppt/slides/slide24.xml><?xml version="1.0" encoding="utf-8"?>
 <p:sld xmlns:a="http://schemas.openxmlformats.org/drawingml/2006/main" xmlns:r="http://schemas.openxmlformats.org/officeDocument/2006/relationships" xmlns:p="http://schemas.openxmlformats.org/presentationml/2006/main">
   <p:cSld>
     <p:spTree>
@@ -24708,7 +20303,7 @@
               <a:pPr>
                 <a:defRPr/>
               </a:pPr>
-              <a:t>23</a:t>
+              <a:t>24</a:t>
             </a:fld>
             <a:endParaRPr lang="zh-CN" altLang="en-US" dirty="0"/>
           </a:p>
@@ -25319,6 +20914,486 @@
                 <a:latin typeface="微软雅黑" panose="020B0503020204020204" pitchFamily="34" charset="-122"/>
                 <a:ea typeface="微软雅黑" panose="020B0503020204020204" pitchFamily="34" charset="-122"/>
               </a:rPr>
+              <a:t>Neural Network——1</a:t>
+            </a:r>
+            <a:r>
+              <a:rPr lang="zh-CN" altLang="en-US" sz="2400" b="1" dirty="0">
+                <a:latin typeface="微软雅黑" panose="020B0503020204020204" pitchFamily="34" charset="-122"/>
+                <a:ea typeface="微软雅黑" panose="020B0503020204020204" pitchFamily="34" charset="-122"/>
+              </a:rPr>
+              <a:t>、注意事项</a:t>
+            </a:r>
+          </a:p>
+        </p:txBody>
+      </p:sp>
+      <p:sp>
+        <p:nvSpPr>
+          <p:cNvPr id="2" name="灯片编号占位符 1">
+            <a:extLst>
+              <a:ext uri="{FF2B5EF4-FFF2-40B4-BE49-F238E27FC236}">
+                <a16:creationId xmlns:a16="http://schemas.microsoft.com/office/drawing/2014/main" id="{FF87081A-8CD6-11E9-2E63-F9E2E8F9E2F3}"/>
+              </a:ext>
+            </a:extLst>
+          </p:cNvPr>
+          <p:cNvSpPr>
+            <a:spLocks noGrp="1"/>
+          </p:cNvSpPr>
+          <p:nvPr>
+            <p:ph type="sldNum" sz="quarter" idx="13"/>
+          </p:nvPr>
+        </p:nvSpPr>
+        <p:spPr>
+          <a:xfrm>
+            <a:off x="9362873" y="5993407"/>
+            <a:ext cx="2743200" cy="365125"/>
+          </a:xfrm>
+        </p:spPr>
+        <p:txBody>
+          <a:bodyPr/>
+          <a:lstStyle/>
+          <a:p>
+            <a:pPr>
+              <a:defRPr/>
+            </a:pPr>
+            <a:fld id="{FF39F2F5-AAEC-484E-8D1B-150359545A16}" type="slidenum">
+              <a:rPr lang="zh-CN" altLang="en-US" smtClean="0"/>
+              <a:pPr>
+                <a:defRPr/>
+              </a:pPr>
+              <a:t>3</a:t>
+            </a:fld>
+            <a:endParaRPr lang="zh-CN" altLang="en-US"/>
+          </a:p>
+        </p:txBody>
+      </p:sp>
+      <p:sp>
+        <p:nvSpPr>
+          <p:cNvPr id="13" name="文本框 12">
+            <a:extLst>
+              <a:ext uri="{FF2B5EF4-FFF2-40B4-BE49-F238E27FC236}">
+                <a16:creationId xmlns:a16="http://schemas.microsoft.com/office/drawing/2014/main" id="{C3343C95-AF92-7FAD-760B-9173CD314BFB}"/>
+              </a:ext>
+            </a:extLst>
+          </p:cNvPr>
+          <p:cNvSpPr txBox="1"/>
+          <p:nvPr/>
+        </p:nvSpPr>
+        <p:spPr>
+          <a:xfrm>
+            <a:off x="170929" y="1024721"/>
+            <a:ext cx="8755788" cy="615553"/>
+          </a:xfrm>
+          <a:prstGeom prst="rect">
+            <a:avLst/>
+          </a:prstGeom>
+          <a:noFill/>
+        </p:spPr>
+        <p:txBody>
+          <a:bodyPr wrap="square" rtlCol="0">
+            <a:spAutoFit/>
+          </a:bodyPr>
+          <a:lstStyle/>
+          <a:p>
+            <a:r>
+              <a:rPr lang="zh-CN" altLang="en-US" b="1" dirty="0">
+                <a:latin typeface="+mn-ea"/>
+              </a:rPr>
+              <a:t>划分数据集：有助于加快神经网络选择、调优的循环效率。</a:t>
+            </a:r>
+            <a:endParaRPr lang="en-US" altLang="zh-CN" b="1" dirty="0">
+              <a:latin typeface="+mn-ea"/>
+            </a:endParaRPr>
+          </a:p>
+          <a:p>
+            <a:pPr marL="285750" indent="-285750">
+              <a:buFont typeface="Arial" panose="020B0604020202020204" pitchFamily="34" charset="0"/>
+              <a:buChar char="•"/>
+            </a:pPr>
+            <a:endParaRPr lang="en-US" altLang="zh-CN" sz="1600" dirty="0">
+              <a:latin typeface="+mn-ea"/>
+            </a:endParaRPr>
+          </a:p>
+        </p:txBody>
+      </p:sp>
+      <p:pic>
+        <p:nvPicPr>
+          <p:cNvPr id="5" name="图片 4">
+            <a:extLst>
+              <a:ext uri="{FF2B5EF4-FFF2-40B4-BE49-F238E27FC236}">
+                <a16:creationId xmlns:a16="http://schemas.microsoft.com/office/drawing/2014/main" id="{3182C4D4-BFAE-F551-38CD-33A18E401D42}"/>
+              </a:ext>
+            </a:extLst>
+          </p:cNvPr>
+          <p:cNvPicPr>
+            <a:picLocks noChangeAspect="1"/>
+          </p:cNvPicPr>
+          <p:nvPr/>
+        </p:nvPicPr>
+        <p:blipFill rotWithShape="1">
+          <a:blip r:embed="rId3"/>
+          <a:srcRect l="15149" r="34737"/>
+          <a:stretch/>
+        </p:blipFill>
+        <p:spPr>
+          <a:xfrm>
+            <a:off x="280657" y="1448613"/>
+            <a:ext cx="2498757" cy="425009"/>
+          </a:xfrm>
+          <a:prstGeom prst="rect">
+            <a:avLst/>
+          </a:prstGeom>
+        </p:spPr>
+      </p:pic>
+      <p:graphicFrame>
+        <p:nvGraphicFramePr>
+          <p:cNvPr id="7" name="表格 6">
+            <a:extLst>
+              <a:ext uri="{FF2B5EF4-FFF2-40B4-BE49-F238E27FC236}">
+                <a16:creationId xmlns:a16="http://schemas.microsoft.com/office/drawing/2014/main" id="{800C1466-79EE-B8A0-F8E0-715495B6B454}"/>
+              </a:ext>
+            </a:extLst>
+          </p:cNvPr>
+          <p:cNvGraphicFramePr>
+            <a:graphicFrameLocks noGrp="1"/>
+          </p:cNvGraphicFramePr>
+          <p:nvPr>
+            <p:extLst>
+              <p:ext uri="{D42A27DB-BD31-4B8C-83A1-F6EECF244321}">
+                <p14:modId xmlns:p14="http://schemas.microsoft.com/office/powerpoint/2010/main" val="1051976928"/>
+              </p:ext>
+            </p:extLst>
+          </p:nvPr>
+        </p:nvGraphicFramePr>
+        <p:xfrm>
+          <a:off x="1429360" y="1931754"/>
+          <a:ext cx="9434798" cy="365760"/>
+        </p:xfrm>
+        <a:graphic>
+          <a:graphicData uri="http://schemas.openxmlformats.org/drawingml/2006/table">
+            <a:tbl>
+              <a:tblPr firstRow="1" bandRow="1">
+                <a:tableStyleId>{5C22544A-7EE6-4342-B048-85BDC9FD1C3A}</a:tableStyleId>
+              </a:tblPr>
+              <a:tblGrid>
+                <a:gridCol w="5894893">
+                  <a:extLst>
+                    <a:ext uri="{9D8B030D-6E8A-4147-A177-3AD203B41FA5}">
+                      <a16:colId xmlns:a16="http://schemas.microsoft.com/office/drawing/2014/main" val="158219622"/>
+                    </a:ext>
+                  </a:extLst>
+                </a:gridCol>
+                <a:gridCol w="1683945">
+                  <a:extLst>
+                    <a:ext uri="{9D8B030D-6E8A-4147-A177-3AD203B41FA5}">
+                      <a16:colId xmlns:a16="http://schemas.microsoft.com/office/drawing/2014/main" val="3545657180"/>
+                    </a:ext>
+                  </a:extLst>
+                </a:gridCol>
+                <a:gridCol w="1855960">
+                  <a:extLst>
+                    <a:ext uri="{9D8B030D-6E8A-4147-A177-3AD203B41FA5}">
+                      <a16:colId xmlns:a16="http://schemas.microsoft.com/office/drawing/2014/main" val="3473787296"/>
+                    </a:ext>
+                  </a:extLst>
+                </a:gridCol>
+              </a:tblGrid>
+              <a:tr h="0">
+                <a:tc>
+                  <a:txBody>
+                    <a:bodyPr/>
+                    <a:lstStyle/>
+                    <a:p>
+                      <a:pPr algn="ctr"/>
+                      <a:r>
+                        <a:rPr lang="zh-CN" altLang="en-US" dirty="0"/>
+                        <a:t>训练集</a:t>
+                      </a:r>
+                      <a:r>
+                        <a:rPr lang="en-US" altLang="zh-CN" dirty="0"/>
+                        <a:t>(70%)</a:t>
+                      </a:r>
+                      <a:endParaRPr lang="zh-CN" altLang="en-US" dirty="0"/>
+                    </a:p>
+                  </a:txBody>
+                  <a:tcPr/>
+                </a:tc>
+                <a:tc>
+                  <a:txBody>
+                    <a:bodyPr/>
+                    <a:lstStyle/>
+                    <a:p>
+                      <a:pPr algn="ctr"/>
+                      <a:r>
+                        <a:rPr lang="zh-CN" altLang="en-US" dirty="0"/>
+                        <a:t>验证集</a:t>
+                      </a:r>
+                      <a:r>
+                        <a:rPr lang="en-US" altLang="zh-CN" dirty="0"/>
+                        <a:t>(15%)</a:t>
+                      </a:r>
+                      <a:endParaRPr lang="zh-CN" altLang="en-US" dirty="0"/>
+                    </a:p>
+                  </a:txBody>
+                  <a:tcPr/>
+                </a:tc>
+                <a:tc>
+                  <a:txBody>
+                    <a:bodyPr/>
+                    <a:lstStyle/>
+                    <a:p>
+                      <a:pPr algn="ctr"/>
+                      <a:r>
+                        <a:rPr lang="zh-CN" altLang="en-US" dirty="0"/>
+                        <a:t>测试集</a:t>
+                      </a:r>
+                      <a:r>
+                        <a:rPr lang="en-US" altLang="zh-CN" dirty="0"/>
+                        <a:t>(15%)</a:t>
+                      </a:r>
+                      <a:endParaRPr lang="zh-CN" altLang="en-US" dirty="0"/>
+                    </a:p>
+                  </a:txBody>
+                  <a:tcPr/>
+                </a:tc>
+                <a:extLst>
+                  <a:ext uri="{0D108BD9-81ED-4DB2-BD59-A6C34878D82A}">
+                    <a16:rowId xmlns:a16="http://schemas.microsoft.com/office/drawing/2014/main" val="1366770642"/>
+                  </a:ext>
+                </a:extLst>
+              </a:tr>
+            </a:tbl>
+          </a:graphicData>
+        </a:graphic>
+      </p:graphicFrame>
+      <p:sp>
+        <p:nvSpPr>
+          <p:cNvPr id="9" name="文本框 8">
+            <a:extLst>
+              <a:ext uri="{FF2B5EF4-FFF2-40B4-BE49-F238E27FC236}">
+                <a16:creationId xmlns:a16="http://schemas.microsoft.com/office/drawing/2014/main" id="{497F84D4-6B65-5E56-2EA6-10FA006A11B3}"/>
+              </a:ext>
+            </a:extLst>
+          </p:cNvPr>
+          <p:cNvSpPr txBox="1"/>
+          <p:nvPr/>
+        </p:nvSpPr>
+        <p:spPr>
+          <a:xfrm>
+            <a:off x="170929" y="2771249"/>
+            <a:ext cx="10485000" cy="2554545"/>
+          </a:xfrm>
+          <a:prstGeom prst="rect">
+            <a:avLst/>
+          </a:prstGeom>
+          <a:noFill/>
+        </p:spPr>
+        <p:txBody>
+          <a:bodyPr wrap="square" rtlCol="0">
+            <a:spAutoFit/>
+          </a:bodyPr>
+          <a:lstStyle/>
+          <a:p>
+            <a:pPr marL="285750" indent="-285750">
+              <a:buFont typeface="Arial" panose="020B0604020202020204" pitchFamily="34" charset="0"/>
+              <a:buChar char="•"/>
+            </a:pPr>
+            <a:r>
+              <a:rPr lang="zh-CN" altLang="en-US" sz="1600" b="1" dirty="0">
+                <a:latin typeface="+mn-ea"/>
+              </a:rPr>
+              <a:t>训练集（</a:t>
+            </a:r>
+            <a:r>
+              <a:rPr lang="en-US" altLang="zh-CN" sz="1600" b="1" dirty="0">
+                <a:latin typeface="+mn-ea"/>
+              </a:rPr>
+              <a:t>Training set</a:t>
+            </a:r>
+            <a:r>
+              <a:rPr lang="zh-CN" altLang="en-US" sz="1600" b="1" dirty="0">
+                <a:latin typeface="+mn-ea"/>
+              </a:rPr>
+              <a:t>）</a:t>
+            </a:r>
+            <a:r>
+              <a:rPr lang="zh-CN" altLang="en-US" sz="1600" dirty="0">
+                <a:latin typeface="+mn-ea"/>
+              </a:rPr>
+              <a:t>：在训练过程中，模型通过反向传播算法和优化方法来调整参数，使其逐渐适应训练集中的样本。</a:t>
+            </a:r>
+            <a:endParaRPr lang="en-US" altLang="zh-CN" sz="1600" dirty="0">
+              <a:latin typeface="+mn-ea"/>
+            </a:endParaRPr>
+          </a:p>
+          <a:p>
+            <a:endParaRPr lang="en-US" altLang="zh-CN" sz="1600" dirty="0">
+              <a:latin typeface="+mn-ea"/>
+            </a:endParaRPr>
+          </a:p>
+          <a:p>
+            <a:pPr marL="285750" indent="-285750">
+              <a:buFont typeface="Arial" panose="020B0604020202020204" pitchFamily="34" charset="0"/>
+              <a:buChar char="•"/>
+            </a:pPr>
+            <a:r>
+              <a:rPr lang="zh-CN" altLang="en-US" sz="1600" b="1" dirty="0">
+                <a:latin typeface="+mn-ea"/>
+              </a:rPr>
+              <a:t>验证集（</a:t>
+            </a:r>
+            <a:r>
+              <a:rPr lang="en-US" altLang="zh-CN" sz="1600" b="1" dirty="0">
+                <a:latin typeface="+mn-ea"/>
+              </a:rPr>
+              <a:t>Dev set</a:t>
+            </a:r>
+            <a:r>
+              <a:rPr lang="zh-CN" altLang="en-US" sz="1600" b="1" dirty="0">
+                <a:latin typeface="+mn-ea"/>
+              </a:rPr>
+              <a:t>）</a:t>
+            </a:r>
+            <a:r>
+              <a:rPr lang="zh-CN" altLang="en-US" sz="1600" dirty="0">
+                <a:latin typeface="+mn-ea"/>
+              </a:rPr>
+              <a:t>：</a:t>
+            </a:r>
+            <a:r>
+              <a:rPr lang="zh-CN" altLang="en-US" sz="1600" b="0" i="0" dirty="0">
+                <a:solidFill>
+                  <a:srgbClr val="24292F"/>
+                </a:solidFill>
+                <a:effectLst/>
+                <a:latin typeface="-apple-system"/>
+              </a:rPr>
+              <a:t>验证集是用于调整神经网络模型超参数（如学习率、正则化参数等）和进行模型选择的数据集。验证集在训练过程中与训练集独立，没有参与模型参数的调整。通过在验证集上评估不同模型的性能，可以选出表现最好的模型。验证集的作用是帮助我们调整模型的复杂度，防止过拟合，同时也可以提供一个早期的性能指标，指导模型训练过程中的调优。</a:t>
+            </a:r>
+            <a:endParaRPr lang="en-US" altLang="zh-CN" sz="1600" dirty="0">
+              <a:latin typeface="+mn-ea"/>
+            </a:endParaRPr>
+          </a:p>
+          <a:p>
+            <a:endParaRPr lang="en-US" altLang="zh-CN" sz="1600" dirty="0">
+              <a:latin typeface="+mn-ea"/>
+            </a:endParaRPr>
+          </a:p>
+          <a:p>
+            <a:pPr marL="285750" indent="-285750">
+              <a:buFont typeface="Arial" panose="020B0604020202020204" pitchFamily="34" charset="0"/>
+              <a:buChar char="•"/>
+            </a:pPr>
+            <a:r>
+              <a:rPr lang="zh-CN" altLang="en-US" sz="1600" b="1" dirty="0">
+                <a:latin typeface="+mn-ea"/>
+              </a:rPr>
+              <a:t>测试集（</a:t>
+            </a:r>
+            <a:r>
+              <a:rPr lang="en-US" altLang="zh-CN" sz="1600" b="1" dirty="0">
+                <a:latin typeface="+mn-ea"/>
+              </a:rPr>
+              <a:t>Test set</a:t>
+            </a:r>
+            <a:r>
+              <a:rPr lang="zh-CN" altLang="en-US" sz="1600" b="1" dirty="0">
+                <a:latin typeface="+mn-ea"/>
+              </a:rPr>
+              <a:t>）</a:t>
+            </a:r>
+            <a:r>
+              <a:rPr lang="zh-CN" altLang="en-US" sz="1600" dirty="0">
+                <a:latin typeface="+mn-ea"/>
+              </a:rPr>
+              <a:t>：</a:t>
+            </a:r>
+            <a:r>
+              <a:rPr lang="zh-CN" altLang="en-US" sz="1600" b="0" i="0" dirty="0">
+                <a:solidFill>
+                  <a:srgbClr val="24292F"/>
+                </a:solidFill>
+                <a:effectLst/>
+                <a:latin typeface="-apple-system"/>
+              </a:rPr>
+              <a:t>用于最终评估训练好的模型性能的数据集。测试集在整个训练过程中没有被使用过，可以客观地衡量模型的泛化能力和对新样本的预测准确度。</a:t>
+            </a:r>
+            <a:endParaRPr lang="en-US" altLang="zh-CN" sz="1600" dirty="0">
+              <a:latin typeface="+mn-ea"/>
+            </a:endParaRPr>
+          </a:p>
+        </p:txBody>
+      </p:sp>
+    </p:spTree>
+    <p:extLst>
+      <p:ext uri="{BB962C8B-B14F-4D97-AF65-F5344CB8AC3E}">
+        <p14:creationId xmlns:p14="http://schemas.microsoft.com/office/powerpoint/2010/main" val="2530972316"/>
+      </p:ext>
+    </p:extLst>
+  </p:cSld>
+  <p:clrMapOvr>
+    <a:masterClrMapping/>
+  </p:clrMapOvr>
+  <mc:AlternateContent xmlns:mc="http://schemas.openxmlformats.org/markup-compatibility/2006" xmlns:p14="http://schemas.microsoft.com/office/powerpoint/2010/main">
+    <mc:Choice Requires="p14">
+      <p:transition p14:dur="10"/>
+    </mc:Choice>
+    <mc:Fallback xmlns="">
+      <p:transition/>
+    </mc:Fallback>
+  </mc:AlternateContent>
+</p:sld>
+</file>
+
+<file path=ppt/slides/slide4.xml><?xml version="1.0" encoding="utf-8"?>
+<p:sld xmlns:a="http://schemas.openxmlformats.org/drawingml/2006/main" xmlns:r="http://schemas.openxmlformats.org/officeDocument/2006/relationships" xmlns:p="http://schemas.openxmlformats.org/presentationml/2006/main">
+  <p:cSld>
+    <p:spTree>
+      <p:nvGrpSpPr>
+        <p:cNvPr id="1" name=""/>
+        <p:cNvGrpSpPr/>
+        <p:nvPr/>
+      </p:nvGrpSpPr>
+      <p:grpSpPr>
+        <a:xfrm>
+          <a:off x="0" y="0"/>
+          <a:ext cx="0" cy="0"/>
+          <a:chOff x="0" y="0"/>
+          <a:chExt cx="0" cy="0"/>
+        </a:xfrm>
+      </p:grpSpPr>
+      <p:sp>
+        <p:nvSpPr>
+          <p:cNvPr id="8" name="文本框 7">
+            <a:extLst>
+              <a:ext uri="{FF2B5EF4-FFF2-40B4-BE49-F238E27FC236}">
+                <a16:creationId xmlns:a16="http://schemas.microsoft.com/office/drawing/2014/main" id="{F28F032E-55BD-E929-A8BC-650BB206702A}"/>
+              </a:ext>
+            </a:extLst>
+          </p:cNvPr>
+          <p:cNvSpPr txBox="1"/>
+          <p:nvPr/>
+        </p:nvSpPr>
+        <p:spPr>
+          <a:xfrm>
+            <a:off x="784860" y="325566"/>
+            <a:ext cx="6472588" cy="461665"/>
+          </a:xfrm>
+          <a:prstGeom prst="rect">
+            <a:avLst/>
+          </a:prstGeom>
+          <a:noFill/>
+        </p:spPr>
+        <p:txBody>
+          <a:bodyPr wrap="square">
+            <a:spAutoFit/>
+          </a:bodyPr>
+          <a:lstStyle/>
+          <a:p>
+            <a:r>
+              <a:rPr lang="en-US" altLang="zh-CN" sz="2400" b="1" dirty="0">
+                <a:latin typeface="微软雅黑" panose="020B0503020204020204" pitchFamily="34" charset="-122"/>
+                <a:ea typeface="微软雅黑" panose="020B0503020204020204" pitchFamily="34" charset="-122"/>
+              </a:rPr>
               <a:t>Neural Network ——1</a:t>
             </a:r>
             <a:r>
@@ -25365,7 +21440,7 @@
               <a:pPr>
                 <a:defRPr/>
               </a:pPr>
-              <a:t>3</a:t>
+              <a:t>4</a:t>
             </a:fld>
             <a:endParaRPr lang="zh-CN" altLang="en-US"/>
           </a:p>
@@ -25797,7 +21872,7 @@
 </p:sld>
 </file>
 
-<file path=ppt/slides/slide4.xml><?xml version="1.0" encoding="utf-8"?>
+<file path=ppt/slides/slide5.xml><?xml version="1.0" encoding="utf-8"?>
 <p:sld xmlns:a="http://schemas.openxmlformats.org/drawingml/2006/main" xmlns:r="http://schemas.openxmlformats.org/officeDocument/2006/relationships" xmlns:p="http://schemas.openxmlformats.org/presentationml/2006/main">
   <p:cSld>
     <p:spTree>
@@ -25893,7 +21968,7 @@
               <a:pPr>
                 <a:defRPr/>
               </a:pPr>
-              <a:t>4</a:t>
+              <a:t>5</a:t>
             </a:fld>
             <a:endParaRPr lang="zh-CN" altLang="en-US"/>
           </a:p>
@@ -26534,7 +22609,7 @@
 </p:sld>
 </file>
 
-<file path=ppt/slides/slide5.xml><?xml version="1.0" encoding="utf-8"?>
+<file path=ppt/slides/slide6.xml><?xml version="1.0" encoding="utf-8"?>
 <p:sld xmlns:a="http://schemas.openxmlformats.org/drawingml/2006/main" xmlns:r="http://schemas.openxmlformats.org/officeDocument/2006/relationships" xmlns:p="http://schemas.openxmlformats.org/presentationml/2006/main">
   <p:cSld>
     <p:spTree>
@@ -26630,7 +22705,7 @@
               <a:pPr>
                 <a:defRPr/>
               </a:pPr>
-              <a:t>5</a:t>
+              <a:t>6</a:t>
             </a:fld>
             <a:endParaRPr lang="zh-CN" altLang="en-US"/>
           </a:p>
@@ -28692,7 +24767,7 @@
 </p:sld>
 </file>
 
-<file path=ppt/slides/slide6.xml><?xml version="1.0" encoding="utf-8"?>
+<file path=ppt/slides/slide7.xml><?xml version="1.0" encoding="utf-8"?>
 <p:sld xmlns:a="http://schemas.openxmlformats.org/drawingml/2006/main" xmlns:r="http://schemas.openxmlformats.org/officeDocument/2006/relationships" xmlns:p="http://schemas.openxmlformats.org/presentationml/2006/main">
   <p:cSld>
     <p:spTree>
@@ -28788,7 +24863,7 @@
               <a:pPr>
                 <a:defRPr/>
               </a:pPr>
-              <a:t>6</a:t>
+              <a:t>7</a:t>
             </a:fld>
             <a:endParaRPr lang="zh-CN" altLang="en-US"/>
           </a:p>
@@ -29648,7 +25723,7 @@
 </p:sld>
 </file>
 
-<file path=ppt/slides/slide7.xml><?xml version="1.0" encoding="utf-8"?>
+<file path=ppt/slides/slide8.xml><?xml version="1.0" encoding="utf-8"?>
 <p:sld xmlns:a="http://schemas.openxmlformats.org/drawingml/2006/main" xmlns:r="http://schemas.openxmlformats.org/officeDocument/2006/relationships" xmlns:p="http://schemas.openxmlformats.org/presentationml/2006/main">
   <p:cSld>
     <p:spTree>
@@ -29744,7 +25819,7 @@
               <a:pPr>
                 <a:defRPr/>
               </a:pPr>
-              <a:t>7</a:t>
+              <a:t>8</a:t>
             </a:fld>
             <a:endParaRPr lang="zh-CN" altLang="en-US"/>
           </a:p>
@@ -31724,7 +27799,7 @@
 </p:sld>
 </file>
 
-<file path=ppt/slides/slide8.xml><?xml version="1.0" encoding="utf-8"?>
+<file path=ppt/slides/slide9.xml><?xml version="1.0" encoding="utf-8"?>
 <p:sld xmlns:a="http://schemas.openxmlformats.org/drawingml/2006/main" xmlns:r="http://schemas.openxmlformats.org/officeDocument/2006/relationships" xmlns:p="http://schemas.openxmlformats.org/presentationml/2006/main">
   <p:cSld>
     <p:spTree>
@@ -31820,7 +27895,7 @@
               <a:pPr>
                 <a:defRPr/>
               </a:pPr>
-              <a:t>8</a:t>
+              <a:t>9</a:t>
             </a:fld>
             <a:endParaRPr lang="zh-CN" altLang="en-US"/>
           </a:p>
@@ -32927,232 +29002,6 @@
     <p:extLst>
       <p:ext uri="{BB962C8B-B14F-4D97-AF65-F5344CB8AC3E}">
         <p14:creationId xmlns:p14="http://schemas.microsoft.com/office/powerpoint/2010/main" val="3237515246"/>
-      </p:ext>
-    </p:extLst>
-  </p:cSld>
-  <p:clrMapOvr>
-    <a:masterClrMapping/>
-  </p:clrMapOvr>
-  <mc:AlternateContent xmlns:mc="http://schemas.openxmlformats.org/markup-compatibility/2006" xmlns:p14="http://schemas.microsoft.com/office/powerpoint/2010/main">
-    <mc:Choice Requires="p14">
-      <p:transition p14:dur="10"/>
-    </mc:Choice>
-    <mc:Fallback xmlns="">
-      <p:transition/>
-    </mc:Fallback>
-  </mc:AlternateContent>
-</p:sld>
-</file>
-
-<file path=ppt/slides/slide9.xml><?xml version="1.0" encoding="utf-8"?>
-<p:sld xmlns:a="http://schemas.openxmlformats.org/drawingml/2006/main" xmlns:r="http://schemas.openxmlformats.org/officeDocument/2006/relationships" xmlns:p="http://schemas.openxmlformats.org/presentationml/2006/main">
-  <p:cSld>
-    <p:spTree>
-      <p:nvGrpSpPr>
-        <p:cNvPr id="1" name=""/>
-        <p:cNvGrpSpPr/>
-        <p:nvPr/>
-      </p:nvGrpSpPr>
-      <p:grpSpPr>
-        <a:xfrm>
-          <a:off x="0" y="0"/>
-          <a:ext cx="0" cy="0"/>
-          <a:chOff x="0" y="0"/>
-          <a:chExt cx="0" cy="0"/>
-        </a:xfrm>
-      </p:grpSpPr>
-      <p:sp>
-        <p:nvSpPr>
-          <p:cNvPr id="8" name="文本框 7">
-            <a:extLst>
-              <a:ext uri="{FF2B5EF4-FFF2-40B4-BE49-F238E27FC236}">
-                <a16:creationId xmlns:a16="http://schemas.microsoft.com/office/drawing/2014/main" id="{F28F032E-55BD-E929-A8BC-650BB206702A}"/>
-              </a:ext>
-            </a:extLst>
-          </p:cNvPr>
-          <p:cNvSpPr txBox="1"/>
-          <p:nvPr/>
-        </p:nvSpPr>
-        <p:spPr>
-          <a:xfrm>
-            <a:off x="784860" y="325566"/>
-            <a:ext cx="7082601" cy="461665"/>
-          </a:xfrm>
-          <a:prstGeom prst="rect">
-            <a:avLst/>
-          </a:prstGeom>
-          <a:noFill/>
-        </p:spPr>
-        <p:txBody>
-          <a:bodyPr wrap="square">
-            <a:spAutoFit/>
-          </a:bodyPr>
-          <a:lstStyle/>
-          <a:p>
-            <a:r>
-              <a:rPr lang="en-US" altLang="zh-CN" sz="2400" b="1" dirty="0">
-                <a:latin typeface="微软雅黑" panose="020B0503020204020204" pitchFamily="34" charset="-122"/>
-                <a:ea typeface="微软雅黑" panose="020B0503020204020204" pitchFamily="34" charset="-122"/>
-              </a:rPr>
-              <a:t>Neural Network ——2</a:t>
-            </a:r>
-            <a:r>
-              <a:rPr lang="zh-CN" altLang="en-US" sz="2400" b="1" dirty="0">
-                <a:latin typeface="微软雅黑" panose="020B0503020204020204" pitchFamily="34" charset="-122"/>
-                <a:ea typeface="微软雅黑" panose="020B0503020204020204" pitchFamily="34" charset="-122"/>
-              </a:rPr>
-              <a:t>、优化算法</a:t>
-            </a:r>
-          </a:p>
-        </p:txBody>
-      </p:sp>
-      <p:sp>
-        <p:nvSpPr>
-          <p:cNvPr id="2" name="灯片编号占位符 1">
-            <a:extLst>
-              <a:ext uri="{FF2B5EF4-FFF2-40B4-BE49-F238E27FC236}">
-                <a16:creationId xmlns:a16="http://schemas.microsoft.com/office/drawing/2014/main" id="{FF87081A-8CD6-11E9-2E63-F9E2E8F9E2F3}"/>
-              </a:ext>
-            </a:extLst>
-          </p:cNvPr>
-          <p:cNvSpPr>
-            <a:spLocks noGrp="1"/>
-          </p:cNvSpPr>
-          <p:nvPr>
-            <p:ph type="sldNum" sz="quarter" idx="13"/>
-          </p:nvPr>
-        </p:nvSpPr>
-        <p:spPr>
-          <a:xfrm>
-            <a:off x="9362873" y="5993407"/>
-            <a:ext cx="2743200" cy="365125"/>
-          </a:xfrm>
-        </p:spPr>
-        <p:txBody>
-          <a:bodyPr/>
-          <a:lstStyle/>
-          <a:p>
-            <a:pPr>
-              <a:defRPr/>
-            </a:pPr>
-            <a:fld id="{FF39F2F5-AAEC-484E-8D1B-150359545A16}" type="slidenum">
-              <a:rPr lang="zh-CN" altLang="en-US" smtClean="0"/>
-              <a:pPr>
-                <a:defRPr/>
-              </a:pPr>
-              <a:t>9</a:t>
-            </a:fld>
-            <a:endParaRPr lang="zh-CN" altLang="en-US"/>
-          </a:p>
-        </p:txBody>
-      </p:sp>
-      <p:pic>
-        <p:nvPicPr>
-          <p:cNvPr id="4" name="图片 3">
-            <a:extLst>
-              <a:ext uri="{FF2B5EF4-FFF2-40B4-BE49-F238E27FC236}">
-                <a16:creationId xmlns:a16="http://schemas.microsoft.com/office/drawing/2014/main" id="{F22C8C1F-C88D-646D-CD60-6CBDD986D08D}"/>
-              </a:ext>
-            </a:extLst>
-          </p:cNvPr>
-          <p:cNvPicPr>
-            <a:picLocks noChangeAspect="1"/>
-          </p:cNvPicPr>
-          <p:nvPr/>
-        </p:nvPicPr>
-        <p:blipFill>
-          <a:blip r:embed="rId3"/>
-          <a:stretch>
-            <a:fillRect/>
-          </a:stretch>
-        </p:blipFill>
-        <p:spPr>
-          <a:xfrm>
-            <a:off x="340217" y="1526604"/>
-            <a:ext cx="6938873" cy="2275851"/>
-          </a:xfrm>
-          <a:prstGeom prst="rect">
-            <a:avLst/>
-          </a:prstGeom>
-        </p:spPr>
-      </p:pic>
-      <p:pic>
-        <p:nvPicPr>
-          <p:cNvPr id="6" name="图片 5">
-            <a:extLst>
-              <a:ext uri="{FF2B5EF4-FFF2-40B4-BE49-F238E27FC236}">
-                <a16:creationId xmlns:a16="http://schemas.microsoft.com/office/drawing/2014/main" id="{EF54F6E1-19C5-559F-EC9B-8EC518072395}"/>
-              </a:ext>
-            </a:extLst>
-          </p:cNvPr>
-          <p:cNvPicPr>
-            <a:picLocks noChangeAspect="1"/>
-          </p:cNvPicPr>
-          <p:nvPr/>
-        </p:nvPicPr>
-        <p:blipFill>
-          <a:blip r:embed="rId4"/>
-          <a:stretch>
-            <a:fillRect/>
-          </a:stretch>
-        </p:blipFill>
-        <p:spPr>
-          <a:xfrm>
-            <a:off x="8183750" y="1121263"/>
-            <a:ext cx="3610479" cy="3086531"/>
-          </a:xfrm>
-          <a:prstGeom prst="rect">
-            <a:avLst/>
-          </a:prstGeom>
-        </p:spPr>
-      </p:pic>
-      <p:sp>
-        <p:nvSpPr>
-          <p:cNvPr id="7" name="文本框 6">
-            <a:extLst>
-              <a:ext uri="{FF2B5EF4-FFF2-40B4-BE49-F238E27FC236}">
-                <a16:creationId xmlns:a16="http://schemas.microsoft.com/office/drawing/2014/main" id="{9E632256-987C-B7C1-D24B-C570733CE634}"/>
-              </a:ext>
-            </a:extLst>
-          </p:cNvPr>
-          <p:cNvSpPr txBox="1"/>
-          <p:nvPr/>
-        </p:nvSpPr>
-        <p:spPr>
-          <a:xfrm>
-            <a:off x="688063" y="4706746"/>
-            <a:ext cx="3874883" cy="369332"/>
-          </a:xfrm>
-          <a:prstGeom prst="rect">
-            <a:avLst/>
-          </a:prstGeom>
-          <a:noFill/>
-        </p:spPr>
-        <p:txBody>
-          <a:bodyPr wrap="square" rtlCol="0">
-            <a:spAutoFit/>
-          </a:bodyPr>
-          <a:lstStyle/>
-          <a:p>
-            <a:r>
-              <a:rPr lang="zh-CN" altLang="en-US" dirty="0"/>
-              <a:t>解决方法：</a:t>
-            </a:r>
-            <a:r>
-              <a:rPr lang="zh-CN" altLang="en-US" b="1" dirty="0">
-                <a:solidFill>
-                  <a:srgbClr val="FF0000"/>
-                </a:solidFill>
-              </a:rPr>
-              <a:t>指数加权移动平均</a:t>
-            </a:r>
-          </a:p>
-        </p:txBody>
-      </p:sp>
-    </p:spTree>
-    <p:extLst>
-      <p:ext uri="{BB962C8B-B14F-4D97-AF65-F5344CB8AC3E}">
-        <p14:creationId xmlns:p14="http://schemas.microsoft.com/office/powerpoint/2010/main" val="3209028245"/>
       </p:ext>
     </p:extLst>
   </p:cSld>

--- a/YXQ.pptx
+++ b/YXQ.pptx
@@ -5,10 +5,10 @@
     <p:sldMasterId id="2147483678" r:id="rId1"/>
   </p:sldMasterIdLst>
   <p:notesMasterIdLst>
-    <p:notesMasterId r:id="rId19"/>
+    <p:notesMasterId r:id="rId21"/>
   </p:notesMasterIdLst>
   <p:handoutMasterIdLst>
-    <p:handoutMasterId r:id="rId20"/>
+    <p:handoutMasterId r:id="rId22"/>
   </p:handoutMasterIdLst>
   <p:sldIdLst>
     <p:sldId id="343" r:id="rId2"/>
@@ -28,6 +28,8 @@
     <p:sldId id="365" r:id="rId16"/>
     <p:sldId id="393" r:id="rId17"/>
     <p:sldId id="394" r:id="rId18"/>
+    <p:sldId id="395" r:id="rId19"/>
+    <p:sldId id="396" r:id="rId20"/>
   </p:sldIdLst>
   <p:sldSz cx="12192000" cy="6858000"/>
   <p:notesSz cx="6797675" cy="9928225"/>
@@ -279,7 +281,7 @@
           <a:p>
             <a:fld id="{3B01D737-D33A-49D8-A445-9C157DBC0D12}" type="datetimeFigureOut">
               <a:rPr lang="zh-CN" altLang="en-US" smtClean="0"/>
-              <a:t>2023/11/16</a:t>
+              <a:t>2023/11/22</a:t>
             </a:fld>
             <a:endParaRPr lang="zh-CN" altLang="en-US"/>
           </a:p>
@@ -477,7 +479,7 @@
               <a:pPr>
                 <a:defRPr/>
               </a:pPr>
-              <a:t>2023/11/16</a:t>
+              <a:t>2023/11/22</a:t>
             </a:fld>
             <a:endParaRPr lang="zh-CN" altLang="en-US"/>
           </a:p>
@@ -1508,6 +1510,184 @@
     <p:extLst>
       <p:ext uri="{BB962C8B-B14F-4D97-AF65-F5344CB8AC3E}">
         <p14:creationId xmlns:p14="http://schemas.microsoft.com/office/powerpoint/2010/main" val="142495731"/>
+      </p:ext>
+    </p:extLst>
+  </p:cSld>
+  <p:clrMapOvr>
+    <a:masterClrMapping/>
+  </p:clrMapOvr>
+</p:notes>
+</file>
+
+<file path=ppt/notesSlides/notesSlide17.xml><?xml version="1.0" encoding="utf-8"?>
+<p:notes xmlns:a="http://schemas.openxmlformats.org/drawingml/2006/main" xmlns:r="http://schemas.openxmlformats.org/officeDocument/2006/relationships" xmlns:p="http://schemas.openxmlformats.org/presentationml/2006/main">
+  <p:cSld>
+    <p:spTree>
+      <p:nvGrpSpPr>
+        <p:cNvPr id="1" name=""/>
+        <p:cNvGrpSpPr/>
+        <p:nvPr/>
+      </p:nvGrpSpPr>
+      <p:grpSpPr>
+        <a:xfrm>
+          <a:off x="0" y="0"/>
+          <a:ext cx="0" cy="0"/>
+          <a:chOff x="0" y="0"/>
+          <a:chExt cx="0" cy="0"/>
+        </a:xfrm>
+      </p:grpSpPr>
+      <p:sp>
+        <p:nvSpPr>
+          <p:cNvPr id="2" name="Slide Image Placeholder 1"/>
+          <p:cNvSpPr>
+            <a:spLocks noGrp="1" noRot="1" noChangeAspect="1"/>
+          </p:cNvSpPr>
+          <p:nvPr>
+            <p:ph type="sldImg"/>
+          </p:nvPr>
+        </p:nvSpPr>
+        <p:spPr>
+          <a:xfrm>
+            <a:off x="381000" y="685800"/>
+            <a:ext cx="6096000" cy="3429000"/>
+          </a:xfrm>
+        </p:spPr>
+      </p:sp>
+      <p:sp>
+        <p:nvSpPr>
+          <p:cNvPr id="3" name="Notes Placeholder 2"/>
+          <p:cNvSpPr>
+            <a:spLocks noGrp="1"/>
+          </p:cNvSpPr>
+          <p:nvPr>
+            <p:ph type="body" idx="1"/>
+          </p:nvPr>
+        </p:nvSpPr>
+        <p:spPr/>
+        <p:txBody>
+          <a:bodyPr/>
+          <a:lstStyle/>
+          <a:p>
+            <a:endParaRPr lang="en-US" dirty="0"/>
+          </a:p>
+        </p:txBody>
+      </p:sp>
+      <p:sp>
+        <p:nvSpPr>
+          <p:cNvPr id="4" name="Slide Number Placeholder 3"/>
+          <p:cNvSpPr>
+            <a:spLocks noGrp="1"/>
+          </p:cNvSpPr>
+          <p:nvPr>
+            <p:ph type="sldNum" sz="quarter" idx="10"/>
+          </p:nvPr>
+        </p:nvSpPr>
+        <p:spPr/>
+        <p:txBody>
+          <a:bodyPr/>
+          <a:lstStyle/>
+          <a:p>
+            <a:fld id="{80027EFA-29CC-A246-980C-45E8B3219095}" type="slidenum">
+              <a:rPr lang="en-US" smtClean="0"/>
+              <a:t>18</a:t>
+            </a:fld>
+            <a:endParaRPr lang="en-US"/>
+          </a:p>
+        </p:txBody>
+      </p:sp>
+    </p:spTree>
+    <p:extLst>
+      <p:ext uri="{BB962C8B-B14F-4D97-AF65-F5344CB8AC3E}">
+        <p14:creationId xmlns:p14="http://schemas.microsoft.com/office/powerpoint/2010/main" val="1028532252"/>
+      </p:ext>
+    </p:extLst>
+  </p:cSld>
+  <p:clrMapOvr>
+    <a:masterClrMapping/>
+  </p:clrMapOvr>
+</p:notes>
+</file>
+
+<file path=ppt/notesSlides/notesSlide18.xml><?xml version="1.0" encoding="utf-8"?>
+<p:notes xmlns:a="http://schemas.openxmlformats.org/drawingml/2006/main" xmlns:r="http://schemas.openxmlformats.org/officeDocument/2006/relationships" xmlns:p="http://schemas.openxmlformats.org/presentationml/2006/main">
+  <p:cSld>
+    <p:spTree>
+      <p:nvGrpSpPr>
+        <p:cNvPr id="1" name=""/>
+        <p:cNvGrpSpPr/>
+        <p:nvPr/>
+      </p:nvGrpSpPr>
+      <p:grpSpPr>
+        <a:xfrm>
+          <a:off x="0" y="0"/>
+          <a:ext cx="0" cy="0"/>
+          <a:chOff x="0" y="0"/>
+          <a:chExt cx="0" cy="0"/>
+        </a:xfrm>
+      </p:grpSpPr>
+      <p:sp>
+        <p:nvSpPr>
+          <p:cNvPr id="2" name="Slide Image Placeholder 1"/>
+          <p:cNvSpPr>
+            <a:spLocks noGrp="1" noRot="1" noChangeAspect="1"/>
+          </p:cNvSpPr>
+          <p:nvPr>
+            <p:ph type="sldImg"/>
+          </p:nvPr>
+        </p:nvSpPr>
+        <p:spPr>
+          <a:xfrm>
+            <a:off x="381000" y="685800"/>
+            <a:ext cx="6096000" cy="3429000"/>
+          </a:xfrm>
+        </p:spPr>
+      </p:sp>
+      <p:sp>
+        <p:nvSpPr>
+          <p:cNvPr id="3" name="Notes Placeholder 2"/>
+          <p:cNvSpPr>
+            <a:spLocks noGrp="1"/>
+          </p:cNvSpPr>
+          <p:nvPr>
+            <p:ph type="body" idx="1"/>
+          </p:nvPr>
+        </p:nvSpPr>
+        <p:spPr/>
+        <p:txBody>
+          <a:bodyPr/>
+          <a:lstStyle/>
+          <a:p>
+            <a:endParaRPr lang="en-US" dirty="0"/>
+          </a:p>
+        </p:txBody>
+      </p:sp>
+      <p:sp>
+        <p:nvSpPr>
+          <p:cNvPr id="4" name="Slide Number Placeholder 3"/>
+          <p:cNvSpPr>
+            <a:spLocks noGrp="1"/>
+          </p:cNvSpPr>
+          <p:nvPr>
+            <p:ph type="sldNum" sz="quarter" idx="10"/>
+          </p:nvPr>
+        </p:nvSpPr>
+        <p:spPr/>
+        <p:txBody>
+          <a:bodyPr/>
+          <a:lstStyle/>
+          <a:p>
+            <a:fld id="{80027EFA-29CC-A246-980C-45E8B3219095}" type="slidenum">
+              <a:rPr lang="en-US" smtClean="0"/>
+              <a:t>19</a:t>
+            </a:fld>
+            <a:endParaRPr lang="en-US"/>
+          </a:p>
+        </p:txBody>
+      </p:sp>
+    </p:spTree>
+    <p:extLst>
+      <p:ext uri="{BB962C8B-B14F-4D97-AF65-F5344CB8AC3E}">
+        <p14:creationId xmlns:p14="http://schemas.microsoft.com/office/powerpoint/2010/main" val="2153701165"/>
       </p:ext>
     </p:extLst>
   </p:cSld>
@@ -8324,6 +8504,35 @@
           </a:prstGeom>
         </p:spPr>
       </p:pic>
+      <p:pic>
+        <p:nvPicPr>
+          <p:cNvPr id="3" name="图片 2">
+            <a:extLst>
+              <a:ext uri="{FF2B5EF4-FFF2-40B4-BE49-F238E27FC236}">
+                <a16:creationId xmlns:a16="http://schemas.microsoft.com/office/drawing/2014/main" id="{167973E3-53CE-48E4-CB97-5F8EE783C573}"/>
+              </a:ext>
+            </a:extLst>
+          </p:cNvPr>
+          <p:cNvPicPr>
+            <a:picLocks noChangeAspect="1"/>
+          </p:cNvPicPr>
+          <p:nvPr/>
+        </p:nvPicPr>
+        <p:blipFill rotWithShape="1">
+          <a:blip r:embed="rId7"/>
+          <a:srcRect b="61316"/>
+          <a:stretch/>
+        </p:blipFill>
+        <p:spPr>
+          <a:xfrm>
+            <a:off x="6096000" y="4187976"/>
+            <a:ext cx="6014916" cy="533164"/>
+          </a:xfrm>
+          <a:prstGeom prst="rect">
+            <a:avLst/>
+          </a:prstGeom>
+        </p:spPr>
+      </p:pic>
     </p:spTree>
     <p:extLst>
       <p:ext uri="{BB962C8B-B14F-4D97-AF65-F5344CB8AC3E}">
@@ -9652,6 +9861,998 @@
     <p:extLst>
       <p:ext uri="{BB962C8B-B14F-4D97-AF65-F5344CB8AC3E}">
         <p14:creationId xmlns:p14="http://schemas.microsoft.com/office/powerpoint/2010/main" val="880710523"/>
+      </p:ext>
+    </p:extLst>
+  </p:cSld>
+  <p:clrMapOvr>
+    <a:masterClrMapping/>
+  </p:clrMapOvr>
+  <mc:AlternateContent xmlns:mc="http://schemas.openxmlformats.org/markup-compatibility/2006" xmlns:p14="http://schemas.microsoft.com/office/powerpoint/2010/main">
+    <mc:Choice Requires="p14">
+      <p:transition p14:dur="10"/>
+    </mc:Choice>
+    <mc:Fallback xmlns="">
+      <p:transition/>
+    </mc:Fallback>
+  </mc:AlternateContent>
+</p:sld>
+</file>
+
+<file path=ppt/slides/slide18.xml><?xml version="1.0" encoding="utf-8"?>
+<p:sld xmlns:a="http://schemas.openxmlformats.org/drawingml/2006/main" xmlns:r="http://schemas.openxmlformats.org/officeDocument/2006/relationships" xmlns:p="http://schemas.openxmlformats.org/presentationml/2006/main">
+  <p:cSld>
+    <p:spTree>
+      <p:nvGrpSpPr>
+        <p:cNvPr id="1" name=""/>
+        <p:cNvGrpSpPr/>
+        <p:nvPr/>
+      </p:nvGrpSpPr>
+      <p:grpSpPr>
+        <a:xfrm>
+          <a:off x="0" y="0"/>
+          <a:ext cx="0" cy="0"/>
+          <a:chOff x="0" y="0"/>
+          <a:chExt cx="0" cy="0"/>
+        </a:xfrm>
+      </p:grpSpPr>
+      <p:sp>
+        <p:nvSpPr>
+          <p:cNvPr id="8" name="文本框 7">
+            <a:extLst>
+              <a:ext uri="{FF2B5EF4-FFF2-40B4-BE49-F238E27FC236}">
+                <a16:creationId xmlns:a16="http://schemas.microsoft.com/office/drawing/2014/main" id="{F28F032E-55BD-E929-A8BC-650BB206702A}"/>
+              </a:ext>
+            </a:extLst>
+          </p:cNvPr>
+          <p:cNvSpPr txBox="1"/>
+          <p:nvPr/>
+        </p:nvSpPr>
+        <p:spPr>
+          <a:xfrm>
+            <a:off x="784860" y="325566"/>
+            <a:ext cx="6472588" cy="461665"/>
+          </a:xfrm>
+          <a:prstGeom prst="rect">
+            <a:avLst/>
+          </a:prstGeom>
+          <a:noFill/>
+        </p:spPr>
+        <p:txBody>
+          <a:bodyPr wrap="square">
+            <a:spAutoFit/>
+          </a:bodyPr>
+          <a:lstStyle/>
+          <a:p>
+            <a:r>
+              <a:rPr lang="en-US" altLang="zh-CN" sz="2400" b="1" dirty="0">
+                <a:latin typeface="微软雅黑" panose="020B0503020204020204" pitchFamily="34" charset="-122"/>
+                <a:ea typeface="微软雅黑" panose="020B0503020204020204" pitchFamily="34" charset="-122"/>
+              </a:rPr>
+              <a:t>Neural Network for modeling </a:t>
+            </a:r>
+            <a:endParaRPr lang="zh-CN" altLang="en-US" sz="2400" b="1" dirty="0">
+              <a:latin typeface="微软雅黑" panose="020B0503020204020204" pitchFamily="34" charset="-122"/>
+              <a:ea typeface="微软雅黑" panose="020B0503020204020204" pitchFamily="34" charset="-122"/>
+            </a:endParaRPr>
+          </a:p>
+        </p:txBody>
+      </p:sp>
+      <p:sp>
+        <p:nvSpPr>
+          <p:cNvPr id="2" name="灯片编号占位符 1">
+            <a:extLst>
+              <a:ext uri="{FF2B5EF4-FFF2-40B4-BE49-F238E27FC236}">
+                <a16:creationId xmlns:a16="http://schemas.microsoft.com/office/drawing/2014/main" id="{FF87081A-8CD6-11E9-2E63-F9E2E8F9E2F3}"/>
+              </a:ext>
+            </a:extLst>
+          </p:cNvPr>
+          <p:cNvSpPr>
+            <a:spLocks noGrp="1"/>
+          </p:cNvSpPr>
+          <p:nvPr>
+            <p:ph type="sldNum" sz="quarter" idx="13"/>
+          </p:nvPr>
+        </p:nvSpPr>
+        <p:spPr>
+          <a:xfrm>
+            <a:off x="9362873" y="5993407"/>
+            <a:ext cx="2743200" cy="365125"/>
+          </a:xfrm>
+        </p:spPr>
+        <p:txBody>
+          <a:bodyPr/>
+          <a:lstStyle/>
+          <a:p>
+            <a:pPr>
+              <a:defRPr/>
+            </a:pPr>
+            <a:fld id="{FF39F2F5-AAEC-484E-8D1B-150359545A16}" type="slidenum">
+              <a:rPr lang="zh-CN" altLang="en-US" smtClean="0"/>
+              <a:pPr>
+                <a:defRPr/>
+              </a:pPr>
+              <a:t>18</a:t>
+            </a:fld>
+            <a:endParaRPr lang="zh-CN" altLang="en-US"/>
+          </a:p>
+        </p:txBody>
+      </p:sp>
+      <p:sp>
+        <p:nvSpPr>
+          <p:cNvPr id="11" name="文本框 10">
+            <a:extLst>
+              <a:ext uri="{FF2B5EF4-FFF2-40B4-BE49-F238E27FC236}">
+                <a16:creationId xmlns:a16="http://schemas.microsoft.com/office/drawing/2014/main" id="{E19D3F3E-0E9A-6CDC-DDC6-42D6BB9AA9E5}"/>
+              </a:ext>
+            </a:extLst>
+          </p:cNvPr>
+          <p:cNvSpPr txBox="1"/>
+          <p:nvPr/>
+        </p:nvSpPr>
+        <p:spPr>
+          <a:xfrm>
+            <a:off x="160034" y="982734"/>
+            <a:ext cx="8476972" cy="369332"/>
+          </a:xfrm>
+          <a:prstGeom prst="rect">
+            <a:avLst/>
+          </a:prstGeom>
+          <a:noFill/>
+        </p:spPr>
+        <p:txBody>
+          <a:bodyPr wrap="square" rtlCol="0">
+            <a:spAutoFit/>
+          </a:bodyPr>
+          <a:lstStyle/>
+          <a:p>
+            <a:r>
+              <a:rPr lang="zh-CN" altLang="en-US" b="1" dirty="0">
+                <a:latin typeface="+mn-ea"/>
+              </a:rPr>
+              <a:t>神经网络的搭建与训练：</a:t>
+            </a:r>
+            <a:r>
+              <a:rPr lang="en-US" altLang="zh-CN" b="1" dirty="0">
+                <a:latin typeface="+mn-ea"/>
+              </a:rPr>
+              <a:t>RVRNN</a:t>
+            </a:r>
+            <a:r>
+              <a:rPr lang="zh-CN" altLang="en-US" b="1" dirty="0">
+                <a:latin typeface="+mn-ea"/>
+              </a:rPr>
+              <a:t>（实值递归神经网络）</a:t>
+            </a:r>
+            <a:r>
+              <a:rPr lang="en-US" altLang="zh-CN" b="1" dirty="0">
+                <a:latin typeface="+mn-ea"/>
+              </a:rPr>
+              <a:t>,TDL = 3,RTDL = 1</a:t>
+            </a:r>
+            <a:endParaRPr lang="en-US" altLang="zh-CN" dirty="0">
+              <a:latin typeface="+mn-ea"/>
+            </a:endParaRPr>
+          </a:p>
+        </p:txBody>
+      </p:sp>
+      <p:pic>
+        <p:nvPicPr>
+          <p:cNvPr id="17" name="图片 16">
+            <a:extLst>
+              <a:ext uri="{FF2B5EF4-FFF2-40B4-BE49-F238E27FC236}">
+                <a16:creationId xmlns:a16="http://schemas.microsoft.com/office/drawing/2014/main" id="{9972AF5B-0E6E-1969-47D1-6D8F4792720C}"/>
+              </a:ext>
+            </a:extLst>
+          </p:cNvPr>
+          <p:cNvPicPr>
+            <a:picLocks noChangeAspect="1"/>
+          </p:cNvPicPr>
+          <p:nvPr/>
+        </p:nvPicPr>
+        <p:blipFill>
+          <a:blip r:embed="rId3"/>
+          <a:stretch>
+            <a:fillRect/>
+          </a:stretch>
+        </p:blipFill>
+        <p:spPr>
+          <a:xfrm>
+            <a:off x="6443102" y="1747474"/>
+            <a:ext cx="1182986" cy="236597"/>
+          </a:xfrm>
+          <a:prstGeom prst="rect">
+            <a:avLst/>
+          </a:prstGeom>
+        </p:spPr>
+      </p:pic>
+      <p:pic>
+        <p:nvPicPr>
+          <p:cNvPr id="23" name="图片 22">
+            <a:extLst>
+              <a:ext uri="{FF2B5EF4-FFF2-40B4-BE49-F238E27FC236}">
+                <a16:creationId xmlns:a16="http://schemas.microsoft.com/office/drawing/2014/main" id="{127A61C5-EE7C-88DC-3746-AEE0DB1D47E3}"/>
+              </a:ext>
+            </a:extLst>
+          </p:cNvPr>
+          <p:cNvPicPr>
+            <a:picLocks noChangeAspect="1"/>
+          </p:cNvPicPr>
+          <p:nvPr/>
+        </p:nvPicPr>
+        <p:blipFill>
+          <a:blip r:embed="rId4"/>
+          <a:stretch>
+            <a:fillRect/>
+          </a:stretch>
+        </p:blipFill>
+        <p:spPr>
+          <a:xfrm>
+            <a:off x="6443102" y="2076073"/>
+            <a:ext cx="2025370" cy="485836"/>
+          </a:xfrm>
+          <a:prstGeom prst="rect">
+            <a:avLst/>
+          </a:prstGeom>
+        </p:spPr>
+      </p:pic>
+      <p:pic>
+        <p:nvPicPr>
+          <p:cNvPr id="4" name="图片 3">
+            <a:extLst>
+              <a:ext uri="{FF2B5EF4-FFF2-40B4-BE49-F238E27FC236}">
+                <a16:creationId xmlns:a16="http://schemas.microsoft.com/office/drawing/2014/main" id="{02D2E9BF-0BBC-2FFE-524C-2A02370A27B2}"/>
+              </a:ext>
+            </a:extLst>
+          </p:cNvPr>
+          <p:cNvPicPr>
+            <a:picLocks noChangeAspect="1"/>
+          </p:cNvPicPr>
+          <p:nvPr/>
+        </p:nvPicPr>
+        <p:blipFill>
+          <a:blip r:embed="rId5"/>
+          <a:stretch>
+            <a:fillRect/>
+          </a:stretch>
+        </p:blipFill>
+        <p:spPr>
+          <a:xfrm>
+            <a:off x="210142" y="1352066"/>
+            <a:ext cx="6232960" cy="4113049"/>
+          </a:xfrm>
+          <a:prstGeom prst="rect">
+            <a:avLst/>
+          </a:prstGeom>
+        </p:spPr>
+      </p:pic>
+      <p:pic>
+        <p:nvPicPr>
+          <p:cNvPr id="6" name="图片 5">
+            <a:extLst>
+              <a:ext uri="{FF2B5EF4-FFF2-40B4-BE49-F238E27FC236}">
+                <a16:creationId xmlns:a16="http://schemas.microsoft.com/office/drawing/2014/main" id="{A04BBFC2-BC20-C128-3F14-2C8DE9822762}"/>
+              </a:ext>
+            </a:extLst>
+          </p:cNvPr>
+          <p:cNvPicPr>
+            <a:picLocks noChangeAspect="1"/>
+          </p:cNvPicPr>
+          <p:nvPr/>
+        </p:nvPicPr>
+        <p:blipFill>
+          <a:blip r:embed="rId6"/>
+          <a:stretch>
+            <a:fillRect/>
+          </a:stretch>
+        </p:blipFill>
+        <p:spPr>
+          <a:xfrm>
+            <a:off x="6443102" y="2636102"/>
+            <a:ext cx="5224921" cy="3393831"/>
+          </a:xfrm>
+          <a:prstGeom prst="rect">
+            <a:avLst/>
+          </a:prstGeom>
+        </p:spPr>
+      </p:pic>
+      <p:pic>
+        <p:nvPicPr>
+          <p:cNvPr id="7" name="图片 6">
+            <a:extLst>
+              <a:ext uri="{FF2B5EF4-FFF2-40B4-BE49-F238E27FC236}">
+                <a16:creationId xmlns:a16="http://schemas.microsoft.com/office/drawing/2014/main" id="{C9A5BA50-E545-18B4-1CF2-DB000281AC21}"/>
+              </a:ext>
+            </a:extLst>
+          </p:cNvPr>
+          <p:cNvPicPr>
+            <a:picLocks noChangeAspect="1"/>
+          </p:cNvPicPr>
+          <p:nvPr/>
+        </p:nvPicPr>
+        <p:blipFill>
+          <a:blip r:embed="rId7"/>
+          <a:stretch>
+            <a:fillRect/>
+          </a:stretch>
+        </p:blipFill>
+        <p:spPr>
+          <a:xfrm>
+            <a:off x="7928621" y="580173"/>
+            <a:ext cx="3255678" cy="950170"/>
+          </a:xfrm>
+          <a:prstGeom prst="rect">
+            <a:avLst/>
+          </a:prstGeom>
+        </p:spPr>
+      </p:pic>
+    </p:spTree>
+    <p:extLst>
+      <p:ext uri="{BB962C8B-B14F-4D97-AF65-F5344CB8AC3E}">
+        <p14:creationId xmlns:p14="http://schemas.microsoft.com/office/powerpoint/2010/main" val="3029944703"/>
+      </p:ext>
+    </p:extLst>
+  </p:cSld>
+  <p:clrMapOvr>
+    <a:masterClrMapping/>
+  </p:clrMapOvr>
+  <mc:AlternateContent xmlns:mc="http://schemas.openxmlformats.org/markup-compatibility/2006" xmlns:p14="http://schemas.microsoft.com/office/powerpoint/2010/main">
+    <mc:Choice Requires="p14">
+      <p:transition p14:dur="10"/>
+    </mc:Choice>
+    <mc:Fallback xmlns="">
+      <p:transition/>
+    </mc:Fallback>
+  </mc:AlternateContent>
+</p:sld>
+</file>
+
+<file path=ppt/slides/slide19.xml><?xml version="1.0" encoding="utf-8"?>
+<p:sld xmlns:a="http://schemas.openxmlformats.org/drawingml/2006/main" xmlns:r="http://schemas.openxmlformats.org/officeDocument/2006/relationships" xmlns:p="http://schemas.openxmlformats.org/presentationml/2006/main">
+  <p:cSld>
+    <p:spTree>
+      <p:nvGrpSpPr>
+        <p:cNvPr id="1" name=""/>
+        <p:cNvGrpSpPr/>
+        <p:nvPr/>
+      </p:nvGrpSpPr>
+      <p:grpSpPr>
+        <a:xfrm>
+          <a:off x="0" y="0"/>
+          <a:ext cx="0" cy="0"/>
+          <a:chOff x="0" y="0"/>
+          <a:chExt cx="0" cy="0"/>
+        </a:xfrm>
+      </p:grpSpPr>
+      <p:sp>
+        <p:nvSpPr>
+          <p:cNvPr id="8" name="文本框 7">
+            <a:extLst>
+              <a:ext uri="{FF2B5EF4-FFF2-40B4-BE49-F238E27FC236}">
+                <a16:creationId xmlns:a16="http://schemas.microsoft.com/office/drawing/2014/main" id="{F28F032E-55BD-E929-A8BC-650BB206702A}"/>
+              </a:ext>
+            </a:extLst>
+          </p:cNvPr>
+          <p:cNvSpPr txBox="1"/>
+          <p:nvPr/>
+        </p:nvSpPr>
+        <p:spPr>
+          <a:xfrm>
+            <a:off x="784860" y="325566"/>
+            <a:ext cx="6472588" cy="461665"/>
+          </a:xfrm>
+          <a:prstGeom prst="rect">
+            <a:avLst/>
+          </a:prstGeom>
+          <a:noFill/>
+        </p:spPr>
+        <p:txBody>
+          <a:bodyPr wrap="square">
+            <a:spAutoFit/>
+          </a:bodyPr>
+          <a:lstStyle/>
+          <a:p>
+            <a:r>
+              <a:rPr lang="en-US" altLang="zh-CN" sz="2400" b="1" dirty="0">
+                <a:latin typeface="微软雅黑" panose="020B0503020204020204" pitchFamily="34" charset="-122"/>
+                <a:ea typeface="微软雅黑" panose="020B0503020204020204" pitchFamily="34" charset="-122"/>
+              </a:rPr>
+              <a:t>Neural Network for modeling </a:t>
+            </a:r>
+            <a:endParaRPr lang="zh-CN" altLang="en-US" sz="2400" b="1" dirty="0">
+              <a:latin typeface="微软雅黑" panose="020B0503020204020204" pitchFamily="34" charset="-122"/>
+              <a:ea typeface="微软雅黑" panose="020B0503020204020204" pitchFamily="34" charset="-122"/>
+            </a:endParaRPr>
+          </a:p>
+        </p:txBody>
+      </p:sp>
+      <p:sp>
+        <p:nvSpPr>
+          <p:cNvPr id="2" name="灯片编号占位符 1">
+            <a:extLst>
+              <a:ext uri="{FF2B5EF4-FFF2-40B4-BE49-F238E27FC236}">
+                <a16:creationId xmlns:a16="http://schemas.microsoft.com/office/drawing/2014/main" id="{FF87081A-8CD6-11E9-2E63-F9E2E8F9E2F3}"/>
+              </a:ext>
+            </a:extLst>
+          </p:cNvPr>
+          <p:cNvSpPr>
+            <a:spLocks noGrp="1"/>
+          </p:cNvSpPr>
+          <p:nvPr>
+            <p:ph type="sldNum" sz="quarter" idx="13"/>
+          </p:nvPr>
+        </p:nvSpPr>
+        <p:spPr>
+          <a:xfrm>
+            <a:off x="9362873" y="6229611"/>
+            <a:ext cx="2743200" cy="365125"/>
+          </a:xfrm>
+        </p:spPr>
+        <p:txBody>
+          <a:bodyPr/>
+          <a:lstStyle/>
+          <a:p>
+            <a:pPr>
+              <a:defRPr/>
+            </a:pPr>
+            <a:fld id="{FF39F2F5-AAEC-484E-8D1B-150359545A16}" type="slidenum">
+              <a:rPr lang="zh-CN" altLang="en-US" smtClean="0"/>
+              <a:pPr>
+                <a:defRPr/>
+              </a:pPr>
+              <a:t>19</a:t>
+            </a:fld>
+            <a:endParaRPr lang="zh-CN" altLang="en-US"/>
+          </a:p>
+        </p:txBody>
+      </p:sp>
+      <p:sp>
+        <p:nvSpPr>
+          <p:cNvPr id="11" name="文本框 10">
+            <a:extLst>
+              <a:ext uri="{FF2B5EF4-FFF2-40B4-BE49-F238E27FC236}">
+                <a16:creationId xmlns:a16="http://schemas.microsoft.com/office/drawing/2014/main" id="{E19D3F3E-0E9A-6CDC-DDC6-42D6BB9AA9E5}"/>
+              </a:ext>
+            </a:extLst>
+          </p:cNvPr>
+          <p:cNvSpPr txBox="1"/>
+          <p:nvPr/>
+        </p:nvSpPr>
+        <p:spPr>
+          <a:xfrm>
+            <a:off x="160034" y="798068"/>
+            <a:ext cx="8476972" cy="369332"/>
+          </a:xfrm>
+          <a:prstGeom prst="rect">
+            <a:avLst/>
+          </a:prstGeom>
+          <a:noFill/>
+        </p:spPr>
+        <p:txBody>
+          <a:bodyPr wrap="square" rtlCol="0">
+            <a:spAutoFit/>
+          </a:bodyPr>
+          <a:lstStyle/>
+          <a:p>
+            <a:r>
+              <a:rPr lang="en-US" altLang="zh-CN" b="1" dirty="0">
+                <a:latin typeface="+mn-ea"/>
+              </a:rPr>
+              <a:t>RVTDFNN</a:t>
+            </a:r>
+            <a:r>
+              <a:rPr lang="zh-CN" altLang="en-US" b="1" dirty="0">
+                <a:latin typeface="+mn-ea"/>
+              </a:rPr>
+              <a:t>（实值时延神经网络），</a:t>
+            </a:r>
+            <a:r>
+              <a:rPr lang="en-US" altLang="zh-CN" b="1" dirty="0">
+                <a:latin typeface="+mn-ea"/>
+              </a:rPr>
+              <a:t>TDL</a:t>
+            </a:r>
+            <a:r>
+              <a:rPr lang="zh-CN" altLang="en-US" b="1" dirty="0">
+                <a:latin typeface="+mn-ea"/>
+              </a:rPr>
+              <a:t>数目</a:t>
+            </a:r>
+            <a:r>
+              <a:rPr lang="en-US" altLang="zh-CN" b="1" dirty="0">
+                <a:latin typeface="+mn-ea"/>
+              </a:rPr>
+              <a:t>m = 3</a:t>
+            </a:r>
+            <a:endParaRPr lang="en-US" altLang="zh-CN" dirty="0">
+              <a:latin typeface="+mn-ea"/>
+            </a:endParaRPr>
+          </a:p>
+        </p:txBody>
+      </p:sp>
+      <p:pic>
+        <p:nvPicPr>
+          <p:cNvPr id="5" name="图片 4">
+            <a:extLst>
+              <a:ext uri="{FF2B5EF4-FFF2-40B4-BE49-F238E27FC236}">
+                <a16:creationId xmlns:a16="http://schemas.microsoft.com/office/drawing/2014/main" id="{E138B802-E607-7B4E-2D6E-A960E47C0E74}"/>
+              </a:ext>
+            </a:extLst>
+          </p:cNvPr>
+          <p:cNvPicPr>
+            <a:picLocks noChangeAspect="1"/>
+          </p:cNvPicPr>
+          <p:nvPr/>
+        </p:nvPicPr>
+        <p:blipFill>
+          <a:blip r:embed="rId3"/>
+          <a:stretch>
+            <a:fillRect/>
+          </a:stretch>
+        </p:blipFill>
+        <p:spPr>
+          <a:xfrm>
+            <a:off x="160034" y="1296741"/>
+            <a:ext cx="8192643" cy="371527"/>
+          </a:xfrm>
+          <a:prstGeom prst="rect">
+            <a:avLst/>
+          </a:prstGeom>
+        </p:spPr>
+      </p:pic>
+      <p:pic>
+        <p:nvPicPr>
+          <p:cNvPr id="7" name="图片 6">
+            <a:extLst>
+              <a:ext uri="{FF2B5EF4-FFF2-40B4-BE49-F238E27FC236}">
+                <a16:creationId xmlns:a16="http://schemas.microsoft.com/office/drawing/2014/main" id="{C0C1DBD5-631E-52E5-61BD-501917692848}"/>
+              </a:ext>
+            </a:extLst>
+          </p:cNvPr>
+          <p:cNvPicPr>
+            <a:picLocks noChangeAspect="1"/>
+          </p:cNvPicPr>
+          <p:nvPr/>
+        </p:nvPicPr>
+        <p:blipFill>
+          <a:blip r:embed="rId4"/>
+          <a:stretch>
+            <a:fillRect/>
+          </a:stretch>
+        </p:blipFill>
+        <p:spPr>
+          <a:xfrm>
+            <a:off x="669954" y="3904235"/>
+            <a:ext cx="2135211" cy="977204"/>
+          </a:xfrm>
+          <a:prstGeom prst="rect">
+            <a:avLst/>
+          </a:prstGeom>
+        </p:spPr>
+      </p:pic>
+      <p:pic>
+        <p:nvPicPr>
+          <p:cNvPr id="13" name="图片 12">
+            <a:extLst>
+              <a:ext uri="{FF2B5EF4-FFF2-40B4-BE49-F238E27FC236}">
+                <a16:creationId xmlns:a16="http://schemas.microsoft.com/office/drawing/2014/main" id="{CF3B3364-73DC-2927-B6BC-28944B4C46BE}"/>
+              </a:ext>
+            </a:extLst>
+          </p:cNvPr>
+          <p:cNvPicPr>
+            <a:picLocks noChangeAspect="1"/>
+          </p:cNvPicPr>
+          <p:nvPr/>
+        </p:nvPicPr>
+        <p:blipFill>
+          <a:blip r:embed="rId5"/>
+          <a:stretch>
+            <a:fillRect/>
+          </a:stretch>
+        </p:blipFill>
+        <p:spPr>
+          <a:xfrm>
+            <a:off x="1027319" y="1905151"/>
+            <a:ext cx="990738" cy="704948"/>
+          </a:xfrm>
+          <a:prstGeom prst="rect">
+            <a:avLst/>
+          </a:prstGeom>
+        </p:spPr>
+      </p:pic>
+      <p:pic>
+        <p:nvPicPr>
+          <p:cNvPr id="16" name="图片 15">
+            <a:extLst>
+              <a:ext uri="{FF2B5EF4-FFF2-40B4-BE49-F238E27FC236}">
+                <a16:creationId xmlns:a16="http://schemas.microsoft.com/office/drawing/2014/main" id="{596B194B-5373-DF32-F91E-3C175B77B907}"/>
+              </a:ext>
+            </a:extLst>
+          </p:cNvPr>
+          <p:cNvPicPr>
+            <a:picLocks noChangeAspect="1"/>
+          </p:cNvPicPr>
+          <p:nvPr/>
+        </p:nvPicPr>
+        <p:blipFill>
+          <a:blip r:embed="rId6"/>
+          <a:stretch>
+            <a:fillRect/>
+          </a:stretch>
+        </p:blipFill>
+        <p:spPr>
+          <a:xfrm>
+            <a:off x="0" y="2846982"/>
+            <a:ext cx="3045377" cy="761344"/>
+          </a:xfrm>
+          <a:prstGeom prst="rect">
+            <a:avLst/>
+          </a:prstGeom>
+        </p:spPr>
+      </p:pic>
+      <p:cxnSp>
+        <p:nvCxnSpPr>
+          <p:cNvPr id="18" name="直接箭头连接符 17">
+            <a:extLst>
+              <a:ext uri="{FF2B5EF4-FFF2-40B4-BE49-F238E27FC236}">
+                <a16:creationId xmlns:a16="http://schemas.microsoft.com/office/drawing/2014/main" id="{2C78C9A4-072D-3A1C-CBB0-30472736D6EA}"/>
+              </a:ext>
+            </a:extLst>
+          </p:cNvPr>
+          <p:cNvCxnSpPr>
+            <a:stCxn id="13" idx="2"/>
+            <a:endCxn id="16" idx="0"/>
+          </p:cNvCxnSpPr>
+          <p:nvPr/>
+        </p:nvCxnSpPr>
+        <p:spPr>
+          <a:xfrm>
+            <a:off x="1522688" y="2610099"/>
+            <a:ext cx="1" cy="236883"/>
+          </a:xfrm>
+          <a:prstGeom prst="straightConnector1">
+            <a:avLst/>
+          </a:prstGeom>
+          <a:ln>
+            <a:tailEnd type="triangle"/>
+          </a:ln>
+        </p:spPr>
+        <p:style>
+          <a:lnRef idx="1">
+            <a:schemeClr val="accent1"/>
+          </a:lnRef>
+          <a:fillRef idx="0">
+            <a:schemeClr val="accent1"/>
+          </a:fillRef>
+          <a:effectRef idx="0">
+            <a:schemeClr val="accent1"/>
+          </a:effectRef>
+          <a:fontRef idx="minor">
+            <a:schemeClr val="tx1"/>
+          </a:fontRef>
+        </p:style>
+      </p:cxnSp>
+      <p:cxnSp>
+        <p:nvCxnSpPr>
+          <p:cNvPr id="19" name="直接箭头连接符 18">
+            <a:extLst>
+              <a:ext uri="{FF2B5EF4-FFF2-40B4-BE49-F238E27FC236}">
+                <a16:creationId xmlns:a16="http://schemas.microsoft.com/office/drawing/2014/main" id="{778E9594-16C9-0D6D-BF0F-FEE1D08767AB}"/>
+              </a:ext>
+            </a:extLst>
+          </p:cNvPr>
+          <p:cNvCxnSpPr>
+            <a:cxnSpLocks/>
+          </p:cNvCxnSpPr>
+          <p:nvPr/>
+        </p:nvCxnSpPr>
+        <p:spPr>
+          <a:xfrm>
+            <a:off x="1522687" y="3433488"/>
+            <a:ext cx="0" cy="470747"/>
+          </a:xfrm>
+          <a:prstGeom prst="straightConnector1">
+            <a:avLst/>
+          </a:prstGeom>
+          <a:ln>
+            <a:tailEnd type="triangle"/>
+          </a:ln>
+        </p:spPr>
+        <p:style>
+          <a:lnRef idx="1">
+            <a:schemeClr val="accent1"/>
+          </a:lnRef>
+          <a:fillRef idx="0">
+            <a:schemeClr val="accent1"/>
+          </a:fillRef>
+          <a:effectRef idx="0">
+            <a:schemeClr val="accent1"/>
+          </a:effectRef>
+          <a:fontRef idx="minor">
+            <a:schemeClr val="tx1"/>
+          </a:fontRef>
+        </p:style>
+      </p:cxnSp>
+      <p:sp>
+        <p:nvSpPr>
+          <p:cNvPr id="41" name="文本框 40">
+            <a:extLst>
+              <a:ext uri="{FF2B5EF4-FFF2-40B4-BE49-F238E27FC236}">
+                <a16:creationId xmlns:a16="http://schemas.microsoft.com/office/drawing/2014/main" id="{31C3797E-8BF9-703E-FDD3-01A3EC949D81}"/>
+              </a:ext>
+            </a:extLst>
+          </p:cNvPr>
+          <p:cNvSpPr txBox="1"/>
+          <p:nvPr/>
+        </p:nvSpPr>
+        <p:spPr>
+          <a:xfrm>
+            <a:off x="6887126" y="6239243"/>
+            <a:ext cx="2475747" cy="369332"/>
+          </a:xfrm>
+          <a:prstGeom prst="rect">
+            <a:avLst/>
+          </a:prstGeom>
+          <a:noFill/>
+        </p:spPr>
+        <p:txBody>
+          <a:bodyPr wrap="square" rtlCol="0">
+            <a:spAutoFit/>
+          </a:bodyPr>
+          <a:lstStyle/>
+          <a:p>
+            <a:r>
+              <a:rPr lang="en-US" altLang="zh-CN" b="1" dirty="0">
+                <a:latin typeface="+mn-ea"/>
+              </a:rPr>
+              <a:t>Neuron num = 15</a:t>
+            </a:r>
+          </a:p>
+        </p:txBody>
+      </p:sp>
+      <p:pic>
+        <p:nvPicPr>
+          <p:cNvPr id="3" name="图片 2">
+            <a:extLst>
+              <a:ext uri="{FF2B5EF4-FFF2-40B4-BE49-F238E27FC236}">
+                <a16:creationId xmlns:a16="http://schemas.microsoft.com/office/drawing/2014/main" id="{0219B334-8A11-663A-D462-70A8DD62B33B}"/>
+              </a:ext>
+            </a:extLst>
+          </p:cNvPr>
+          <p:cNvPicPr>
+            <a:picLocks noChangeAspect="1"/>
+          </p:cNvPicPr>
+          <p:nvPr/>
+        </p:nvPicPr>
+        <p:blipFill>
+          <a:blip r:embed="rId7"/>
+          <a:stretch>
+            <a:fillRect/>
+          </a:stretch>
+        </p:blipFill>
+        <p:spPr>
+          <a:xfrm>
+            <a:off x="160034" y="5287908"/>
+            <a:ext cx="3899570" cy="1178138"/>
+          </a:xfrm>
+          <a:prstGeom prst="rect">
+            <a:avLst/>
+          </a:prstGeom>
+        </p:spPr>
+      </p:pic>
+      <p:pic>
+        <p:nvPicPr>
+          <p:cNvPr id="4" name="图片 3">
+            <a:extLst>
+              <a:ext uri="{FF2B5EF4-FFF2-40B4-BE49-F238E27FC236}">
+                <a16:creationId xmlns:a16="http://schemas.microsoft.com/office/drawing/2014/main" id="{A919F280-50AB-B52B-A0DB-CF3E7C315A30}"/>
+              </a:ext>
+            </a:extLst>
+          </p:cNvPr>
+          <p:cNvPicPr>
+            <a:picLocks noChangeAspect="1"/>
+          </p:cNvPicPr>
+          <p:nvPr/>
+        </p:nvPicPr>
+        <p:blipFill>
+          <a:blip r:embed="rId8"/>
+          <a:stretch>
+            <a:fillRect/>
+          </a:stretch>
+        </p:blipFill>
+        <p:spPr>
+          <a:xfrm>
+            <a:off x="3572443" y="1680307"/>
+            <a:ext cx="2436659" cy="1795549"/>
+          </a:xfrm>
+          <a:prstGeom prst="rect">
+            <a:avLst/>
+          </a:prstGeom>
+        </p:spPr>
+      </p:pic>
+      <p:pic>
+        <p:nvPicPr>
+          <p:cNvPr id="6" name="图片 5">
+            <a:extLst>
+              <a:ext uri="{FF2B5EF4-FFF2-40B4-BE49-F238E27FC236}">
+                <a16:creationId xmlns:a16="http://schemas.microsoft.com/office/drawing/2014/main" id="{DBBB3EF1-4BAC-9B60-1C5F-07EB721BD033}"/>
+              </a:ext>
+            </a:extLst>
+          </p:cNvPr>
+          <p:cNvPicPr>
+            <a:picLocks noChangeAspect="1"/>
+          </p:cNvPicPr>
+          <p:nvPr/>
+        </p:nvPicPr>
+        <p:blipFill>
+          <a:blip r:embed="rId9"/>
+          <a:stretch>
+            <a:fillRect/>
+          </a:stretch>
+        </p:blipFill>
+        <p:spPr>
+          <a:xfrm>
+            <a:off x="6347924" y="1668268"/>
+            <a:ext cx="2252437" cy="1807588"/>
+          </a:xfrm>
+          <a:prstGeom prst="rect">
+            <a:avLst/>
+          </a:prstGeom>
+        </p:spPr>
+      </p:pic>
+      <p:pic>
+        <p:nvPicPr>
+          <p:cNvPr id="9" name="图片 8">
+            <a:extLst>
+              <a:ext uri="{FF2B5EF4-FFF2-40B4-BE49-F238E27FC236}">
+                <a16:creationId xmlns:a16="http://schemas.microsoft.com/office/drawing/2014/main" id="{EAC42FC7-0345-03A6-6671-92F7C45AE334}"/>
+              </a:ext>
+            </a:extLst>
+          </p:cNvPr>
+          <p:cNvPicPr>
+            <a:picLocks noChangeAspect="1"/>
+          </p:cNvPicPr>
+          <p:nvPr/>
+        </p:nvPicPr>
+        <p:blipFill>
+          <a:blip r:embed="rId10"/>
+          <a:stretch>
+            <a:fillRect/>
+          </a:stretch>
+        </p:blipFill>
+        <p:spPr>
+          <a:xfrm>
+            <a:off x="8879743" y="1633383"/>
+            <a:ext cx="2252437" cy="1902921"/>
+          </a:xfrm>
+          <a:prstGeom prst="rect">
+            <a:avLst/>
+          </a:prstGeom>
+        </p:spPr>
+      </p:pic>
+      <p:pic>
+        <p:nvPicPr>
+          <p:cNvPr id="10" name="图片 9">
+            <a:extLst>
+              <a:ext uri="{FF2B5EF4-FFF2-40B4-BE49-F238E27FC236}">
+                <a16:creationId xmlns:a16="http://schemas.microsoft.com/office/drawing/2014/main" id="{8C806554-1650-A0DB-50E0-3EEA5091DE79}"/>
+              </a:ext>
+            </a:extLst>
+          </p:cNvPr>
+          <p:cNvPicPr>
+            <a:picLocks noChangeAspect="1"/>
+          </p:cNvPicPr>
+          <p:nvPr/>
+        </p:nvPicPr>
+        <p:blipFill>
+          <a:blip r:embed="rId11"/>
+          <a:stretch>
+            <a:fillRect/>
+          </a:stretch>
+        </p:blipFill>
+        <p:spPr>
+          <a:xfrm>
+            <a:off x="4060126" y="3608326"/>
+            <a:ext cx="2888020" cy="2417436"/>
+          </a:xfrm>
+          <a:prstGeom prst="rect">
+            <a:avLst/>
+          </a:prstGeom>
+        </p:spPr>
+      </p:pic>
+      <p:pic>
+        <p:nvPicPr>
+          <p:cNvPr id="12" name="图片 11">
+            <a:extLst>
+              <a:ext uri="{FF2B5EF4-FFF2-40B4-BE49-F238E27FC236}">
+                <a16:creationId xmlns:a16="http://schemas.microsoft.com/office/drawing/2014/main" id="{2D1864A3-5108-2DFE-02C3-FA73961F38B2}"/>
+              </a:ext>
+            </a:extLst>
+          </p:cNvPr>
+          <p:cNvPicPr>
+            <a:picLocks noChangeAspect="1"/>
+          </p:cNvPicPr>
+          <p:nvPr/>
+        </p:nvPicPr>
+        <p:blipFill>
+          <a:blip r:embed="rId12"/>
+          <a:stretch>
+            <a:fillRect/>
+          </a:stretch>
+        </p:blipFill>
+        <p:spPr>
+          <a:xfrm>
+            <a:off x="7005994" y="3693681"/>
+            <a:ext cx="2613132" cy="2183296"/>
+          </a:xfrm>
+          <a:prstGeom prst="rect">
+            <a:avLst/>
+          </a:prstGeom>
+        </p:spPr>
+      </p:pic>
+      <p:pic>
+        <p:nvPicPr>
+          <p:cNvPr id="14" name="图片 13">
+            <a:extLst>
+              <a:ext uri="{FF2B5EF4-FFF2-40B4-BE49-F238E27FC236}">
+                <a16:creationId xmlns:a16="http://schemas.microsoft.com/office/drawing/2014/main" id="{3545ABEB-9025-ECA5-E45E-56A000004205}"/>
+              </a:ext>
+            </a:extLst>
+          </p:cNvPr>
+          <p:cNvPicPr>
+            <a:picLocks noChangeAspect="1"/>
+          </p:cNvPicPr>
+          <p:nvPr/>
+        </p:nvPicPr>
+        <p:blipFill>
+          <a:blip r:embed="rId13"/>
+          <a:stretch>
+            <a:fillRect/>
+          </a:stretch>
+        </p:blipFill>
+        <p:spPr>
+          <a:xfrm>
+            <a:off x="9572016" y="3772217"/>
+            <a:ext cx="2619984" cy="2111680"/>
+          </a:xfrm>
+          <a:prstGeom prst="rect">
+            <a:avLst/>
+          </a:prstGeom>
+        </p:spPr>
+      </p:pic>
+      <p:pic>
+        <p:nvPicPr>
+          <p:cNvPr id="15" name="图片 14">
+            <a:extLst>
+              <a:ext uri="{FF2B5EF4-FFF2-40B4-BE49-F238E27FC236}">
+                <a16:creationId xmlns:a16="http://schemas.microsoft.com/office/drawing/2014/main" id="{6B869EDE-344E-89C8-2B76-789D90706D40}"/>
+              </a:ext>
+            </a:extLst>
+          </p:cNvPr>
+          <p:cNvPicPr>
+            <a:picLocks noChangeAspect="1"/>
+          </p:cNvPicPr>
+          <p:nvPr/>
+        </p:nvPicPr>
+        <p:blipFill>
+          <a:blip r:embed="rId14"/>
+          <a:stretch>
+            <a:fillRect/>
+          </a:stretch>
+        </p:blipFill>
+        <p:spPr>
+          <a:xfrm>
+            <a:off x="9023112" y="435438"/>
+            <a:ext cx="1585924" cy="962032"/>
+          </a:xfrm>
+          <a:prstGeom prst="rect">
+            <a:avLst/>
+          </a:prstGeom>
+        </p:spPr>
+      </p:pic>
+    </p:spTree>
+    <p:extLst>
+      <p:ext uri="{BB962C8B-B14F-4D97-AF65-F5344CB8AC3E}">
+        <p14:creationId xmlns:p14="http://schemas.microsoft.com/office/powerpoint/2010/main" val="1344043544"/>
       </p:ext>
     </p:extLst>
   </p:cSld>
@@ -17024,8 +18225,8 @@
           </a:prstGeom>
         </p:spPr>
       </p:pic>
-      <mc:AlternateContent xmlns:mc="http://schemas.openxmlformats.org/markup-compatibility/2006">
-        <mc:Choice xmlns:a14="http://schemas.microsoft.com/office/drawing/2010/main" Requires="a14">
+      <mc:AlternateContent xmlns:mc="http://schemas.openxmlformats.org/markup-compatibility/2006" xmlns:a14="http://schemas.microsoft.com/office/drawing/2010/main">
+        <mc:Choice Requires="a14">
           <p:sp>
             <p:nvSpPr>
               <p:cNvPr id="12" name="文本框 11">
@@ -17208,7 +18409,7 @@
             </p:txBody>
           </p:sp>
         </mc:Choice>
-        <mc:Fallback>
+        <mc:Fallback xmlns="">
           <p:sp>
             <p:nvSpPr>
               <p:cNvPr id="12" name="文本框 11">

--- a/YXQ.pptx
+++ b/YXQ.pptx
@@ -6399,7 +6399,7 @@
         </p:nvSpPr>
         <p:spPr>
           <a:xfrm>
-            <a:off x="9362873" y="5993407"/>
+            <a:off x="9448800" y="6070768"/>
             <a:ext cx="2743200" cy="365125"/>
           </a:xfrm>
         </p:spPr>
@@ -6443,7 +6443,7 @@
         </p:blipFill>
         <p:spPr>
           <a:xfrm>
-            <a:off x="371192" y="923535"/>
+            <a:off x="472196" y="2046165"/>
             <a:ext cx="3548958" cy="2043975"/>
           </a:xfrm>
           <a:prstGeom prst="rect">
@@ -6473,7 +6473,7 @@
         </p:blipFill>
         <p:spPr>
           <a:xfrm>
-            <a:off x="4553710" y="1482459"/>
+            <a:off x="4553710" y="1277647"/>
             <a:ext cx="7436283" cy="4302705"/>
           </a:xfrm>
           <a:prstGeom prst="rect">
@@ -8525,7 +8525,7 @@
         </p:blipFill>
         <p:spPr>
           <a:xfrm>
-            <a:off x="6096000" y="4187976"/>
+            <a:off x="6116403" y="4187976"/>
             <a:ext cx="6014916" cy="533164"/>
           </a:xfrm>
           <a:prstGeom prst="rect">
@@ -8963,7 +8963,7 @@
         </p:blipFill>
         <p:spPr>
           <a:xfrm>
-            <a:off x="7819875" y="1681998"/>
+            <a:off x="7819875" y="1691051"/>
             <a:ext cx="3136488" cy="2530764"/>
           </a:xfrm>
           <a:prstGeom prst="rect">
@@ -10337,31 +10337,31 @@
               <a:rPr lang="en-US" altLang="zh-CN" b="1" dirty="0">
                 <a:latin typeface="+mn-ea"/>
               </a:rPr>
-              <a:t>RVTDFNN</a:t>
+              <a:t>RVRNN</a:t>
             </a:r>
             <a:r>
               <a:rPr lang="zh-CN" altLang="en-US" b="1" dirty="0">
                 <a:latin typeface="+mn-ea"/>
               </a:rPr>
-              <a:t>（实值时延神经网络），</a:t>
+              <a:t>（实值递归神经网络），</a:t>
             </a:r>
             <a:r>
               <a:rPr lang="en-US" altLang="zh-CN" b="1" dirty="0">
                 <a:latin typeface="+mn-ea"/>
               </a:rPr>
-              <a:t>TDL</a:t>
+              <a:t>TDL = 3</a:t>
             </a:r>
             <a:r>
               <a:rPr lang="zh-CN" altLang="en-US" b="1" dirty="0">
                 <a:latin typeface="+mn-ea"/>
               </a:rPr>
-              <a:t>数目</a:t>
+              <a:t>，</a:t>
             </a:r>
             <a:r>
               <a:rPr lang="en-US" altLang="zh-CN" b="1" dirty="0">
                 <a:latin typeface="+mn-ea"/>
               </a:rPr>
-              <a:t>m = 3</a:t>
+              <a:t>RTDL = 1</a:t>
             </a:r>
             <a:endParaRPr lang="en-US" altLang="zh-CN" dirty="0">
               <a:latin typeface="+mn-ea"/>
@@ -16250,7 +16250,7 @@
         </p:blipFill>
         <p:spPr>
           <a:xfrm>
-            <a:off x="3042728" y="2688931"/>
+            <a:off x="3042728" y="2697533"/>
             <a:ext cx="3053272" cy="2432376"/>
           </a:xfrm>
           <a:prstGeom prst="rect">
@@ -18225,8 +18225,8 @@
           </a:prstGeom>
         </p:spPr>
       </p:pic>
-      <mc:AlternateContent xmlns:mc="http://schemas.openxmlformats.org/markup-compatibility/2006" xmlns:a14="http://schemas.microsoft.com/office/drawing/2010/main">
-        <mc:Choice Requires="a14">
+      <mc:AlternateContent xmlns:mc="http://schemas.openxmlformats.org/markup-compatibility/2006">
+        <mc:Choice xmlns:a14="http://schemas.microsoft.com/office/drawing/2010/main" Requires="a14">
           <p:sp>
             <p:nvSpPr>
               <p:cNvPr id="12" name="文本框 11">
@@ -18277,34 +18277,49 @@
                 <a14:m>
                   <m:oMath xmlns:m="http://schemas.openxmlformats.org/officeDocument/2006/math">
                     <m:r>
-                      <a:rPr lang="en-US" altLang="zh-CN" b="0" i="1" smtClean="0">
+                      <a:rPr lang="en-US" altLang="zh-CN" b="1" i="1" smtClean="0">
+                        <a:solidFill>
+                          <a:srgbClr val="FF0000"/>
+                        </a:solidFill>
                         <a:latin typeface="Cambria Math" panose="02040503050406030204" pitchFamily="18" charset="0"/>
                       </a:rPr>
-                      <m:t>𝑦</m:t>
+                      <m:t>𝒚</m:t>
                     </m:r>
                     <m:r>
-                      <a:rPr lang="en-US" altLang="zh-CN" b="0" i="1" smtClean="0">
+                      <a:rPr lang="en-US" altLang="zh-CN" b="1" i="1" smtClean="0">
+                        <a:solidFill>
+                          <a:srgbClr val="FF0000"/>
+                        </a:solidFill>
                         <a:latin typeface="Cambria Math" panose="02040503050406030204" pitchFamily="18" charset="0"/>
                       </a:rPr>
                       <m:t>(</m:t>
                     </m:r>
                     <m:r>
-                      <a:rPr lang="en-US" altLang="zh-CN" b="0" i="1" smtClean="0">
+                      <a:rPr lang="en-US" altLang="zh-CN" b="1" i="1" smtClean="0">
+                        <a:solidFill>
+                          <a:srgbClr val="FF0000"/>
+                        </a:solidFill>
                         <a:latin typeface="Cambria Math" panose="02040503050406030204" pitchFamily="18" charset="0"/>
                       </a:rPr>
-                      <m:t>𝑛</m:t>
+                      <m:t>𝒏</m:t>
                     </m:r>
                     <m:r>
-                      <a:rPr lang="en-US" altLang="zh-CN" b="0" i="1" smtClean="0">
+                      <a:rPr lang="en-US" altLang="zh-CN" b="1" i="1" smtClean="0">
+                        <a:solidFill>
+                          <a:srgbClr val="FF0000"/>
+                        </a:solidFill>
                         <a:latin typeface="Cambria Math" panose="02040503050406030204" pitchFamily="18" charset="0"/>
                       </a:rPr>
                       <m:t>)/</m:t>
                     </m:r>
                     <m:r>
-                      <a:rPr lang="en-US" altLang="zh-CN" b="0" i="1" smtClean="0">
+                      <a:rPr lang="en-US" altLang="zh-CN" b="1" i="1" smtClean="0">
+                        <a:solidFill>
+                          <a:srgbClr val="FF0000"/>
+                        </a:solidFill>
                         <a:latin typeface="Cambria Math" panose="02040503050406030204" pitchFamily="18" charset="0"/>
                       </a:rPr>
-                      <m:t>𝐺</m:t>
+                      <m:t>𝑮</m:t>
                     </m:r>
                   </m:oMath>
                 </a14:m>
@@ -18315,28 +18330,37 @@
                 <a14:m>
                   <m:oMath xmlns:m="http://schemas.openxmlformats.org/officeDocument/2006/math">
                     <m:r>
-                      <m:rPr>
-                        <m:sty m:val="p"/>
-                      </m:rPr>
-                      <a:rPr lang="en-US" altLang="zh-CN" b="0" i="0" smtClean="0">
+                      <a:rPr lang="en-US" altLang="zh-CN" b="1" i="0" smtClean="0">
+                        <a:solidFill>
+                          <a:srgbClr val="FF0000"/>
+                        </a:solidFill>
                         <a:latin typeface="Cambria Math" panose="02040503050406030204" pitchFamily="18" charset="0"/>
                       </a:rPr>
-                      <m:t>Z</m:t>
+                      <m:t>𝐙</m:t>
                     </m:r>
                     <m:r>
-                      <a:rPr lang="en-US" altLang="zh-CN" b="0" i="1" smtClean="0">
+                      <a:rPr lang="en-US" altLang="zh-CN" b="1" i="1" smtClean="0">
+                        <a:solidFill>
+                          <a:srgbClr val="FF0000"/>
+                        </a:solidFill>
                         <a:latin typeface="Cambria Math" panose="02040503050406030204" pitchFamily="18" charset="0"/>
                       </a:rPr>
                       <m:t>(</m:t>
                     </m:r>
                     <m:r>
-                      <a:rPr lang="en-US" altLang="zh-CN" b="0" i="1" smtClean="0">
+                      <a:rPr lang="en-US" altLang="zh-CN" b="1" i="1" smtClean="0">
+                        <a:solidFill>
+                          <a:srgbClr val="FF0000"/>
+                        </a:solidFill>
                         <a:latin typeface="Cambria Math" panose="02040503050406030204" pitchFamily="18" charset="0"/>
                       </a:rPr>
-                      <m:t>𝑛</m:t>
+                      <m:t>𝒏</m:t>
                     </m:r>
                     <m:r>
-                      <a:rPr lang="en-US" altLang="zh-CN" b="0" i="1" smtClean="0">
+                      <a:rPr lang="en-US" altLang="zh-CN" b="1" i="1" smtClean="0">
+                        <a:solidFill>
+                          <a:srgbClr val="FF0000"/>
+                        </a:solidFill>
                         <a:latin typeface="Cambria Math" panose="02040503050406030204" pitchFamily="18" charset="0"/>
                       </a:rPr>
                       <m:t>)</m:t>
@@ -18345,7 +18369,19 @@
                 </a14:m>
                 <a:r>
                   <a:rPr lang="zh-CN" altLang="en-US" dirty="0"/>
-                  <a:t>作为预失真训练器的输入与输出，即</a:t>
+                  <a:t>作为</a:t>
+                </a:r>
+                <a:r>
+                  <a:rPr lang="zh-CN" altLang="en-US" b="1" dirty="0">
+                    <a:solidFill>
+                      <a:srgbClr val="FF0000"/>
+                    </a:solidFill>
+                  </a:rPr>
+                  <a:t>预失真训练器</a:t>
+                </a:r>
+                <a:r>
+                  <a:rPr lang="zh-CN" altLang="en-US" dirty="0"/>
+                  <a:t>的输入与输出，即</a:t>
                 </a:r>
                 <a:r>
                   <a:rPr lang="en-US" altLang="zh-CN" dirty="0"/>
@@ -18409,7 +18445,7 @@
             </p:txBody>
           </p:sp>
         </mc:Choice>
-        <mc:Fallback xmlns="">
+        <mc:Fallback>
           <p:sp>
             <p:nvSpPr>
               <p:cNvPr id="12" name="文本框 11">
